--- a/Session 2/02 - Math & Keras.pptx
+++ b/Session 2/02 - Math & Keras.pptx
@@ -5,64 +5,65 @@
     <p:sldMasterId id="2147483648" r:id="rId1"/>
   </p:sldMasterIdLst>
   <p:notesMasterIdLst>
-    <p:notesMasterId r:id="rId42"/>
+    <p:notesMasterId r:id="rId43"/>
   </p:notesMasterIdLst>
   <p:sldIdLst>
     <p:sldId id="256" r:id="rId2"/>
     <p:sldId id="257" r:id="rId3"/>
     <p:sldId id="258" r:id="rId4"/>
-    <p:sldId id="259" r:id="rId5"/>
-    <p:sldId id="260" r:id="rId6"/>
-    <p:sldId id="261" r:id="rId7"/>
-    <p:sldId id="262" r:id="rId8"/>
-    <p:sldId id="299" r:id="rId9"/>
-    <p:sldId id="263" r:id="rId10"/>
-    <p:sldId id="264" r:id="rId11"/>
-    <p:sldId id="265" r:id="rId12"/>
-    <p:sldId id="266" r:id="rId13"/>
-    <p:sldId id="267" r:id="rId14"/>
-    <p:sldId id="268" r:id="rId15"/>
-    <p:sldId id="270" r:id="rId16"/>
-    <p:sldId id="271" r:id="rId17"/>
-    <p:sldId id="272" r:id="rId18"/>
-    <p:sldId id="273" r:id="rId19"/>
-    <p:sldId id="274" r:id="rId20"/>
-    <p:sldId id="275" r:id="rId21"/>
-    <p:sldId id="276" r:id="rId22"/>
-    <p:sldId id="277" r:id="rId23"/>
-    <p:sldId id="278" r:id="rId24"/>
-    <p:sldId id="279" r:id="rId25"/>
-    <p:sldId id="280" r:id="rId26"/>
-    <p:sldId id="281" r:id="rId27"/>
-    <p:sldId id="282" r:id="rId28"/>
-    <p:sldId id="283" r:id="rId29"/>
-    <p:sldId id="284" r:id="rId30"/>
-    <p:sldId id="285" r:id="rId31"/>
-    <p:sldId id="286" r:id="rId32"/>
-    <p:sldId id="288" r:id="rId33"/>
-    <p:sldId id="292" r:id="rId34"/>
-    <p:sldId id="293" r:id="rId35"/>
-    <p:sldId id="294" r:id="rId36"/>
-    <p:sldId id="295" r:id="rId37"/>
-    <p:sldId id="296" r:id="rId38"/>
-    <p:sldId id="297" r:id="rId39"/>
-    <p:sldId id="300" r:id="rId40"/>
-    <p:sldId id="298" r:id="rId41"/>
+    <p:sldId id="301" r:id="rId5"/>
+    <p:sldId id="259" r:id="rId6"/>
+    <p:sldId id="260" r:id="rId7"/>
+    <p:sldId id="261" r:id="rId8"/>
+    <p:sldId id="262" r:id="rId9"/>
+    <p:sldId id="299" r:id="rId10"/>
+    <p:sldId id="263" r:id="rId11"/>
+    <p:sldId id="264" r:id="rId12"/>
+    <p:sldId id="265" r:id="rId13"/>
+    <p:sldId id="266" r:id="rId14"/>
+    <p:sldId id="267" r:id="rId15"/>
+    <p:sldId id="268" r:id="rId16"/>
+    <p:sldId id="270" r:id="rId17"/>
+    <p:sldId id="271" r:id="rId18"/>
+    <p:sldId id="272" r:id="rId19"/>
+    <p:sldId id="273" r:id="rId20"/>
+    <p:sldId id="274" r:id="rId21"/>
+    <p:sldId id="275" r:id="rId22"/>
+    <p:sldId id="276" r:id="rId23"/>
+    <p:sldId id="277" r:id="rId24"/>
+    <p:sldId id="278" r:id="rId25"/>
+    <p:sldId id="279" r:id="rId26"/>
+    <p:sldId id="280" r:id="rId27"/>
+    <p:sldId id="281" r:id="rId28"/>
+    <p:sldId id="282" r:id="rId29"/>
+    <p:sldId id="283" r:id="rId30"/>
+    <p:sldId id="284" r:id="rId31"/>
+    <p:sldId id="285" r:id="rId32"/>
+    <p:sldId id="286" r:id="rId33"/>
+    <p:sldId id="288" r:id="rId34"/>
+    <p:sldId id="292" r:id="rId35"/>
+    <p:sldId id="293" r:id="rId36"/>
+    <p:sldId id="294" r:id="rId37"/>
+    <p:sldId id="295" r:id="rId38"/>
+    <p:sldId id="296" r:id="rId39"/>
+    <p:sldId id="297" r:id="rId40"/>
+    <p:sldId id="300" r:id="rId41"/>
+    <p:sldId id="298" r:id="rId42"/>
   </p:sldIdLst>
   <p:sldSz cx="12192000" cy="6858000"/>
   <p:notesSz cx="6858000" cy="9144000"/>
   <p:embeddedFontLst>
     <p:embeddedFont>
       <p:font typeface="Economica" panose="02000506040000020004" pitchFamily="2" charset="77"/>
-      <p:regular r:id="rId43"/>
-      <p:bold r:id="rId44"/>
-      <p:italic r:id="rId45"/>
-      <p:boldItalic r:id="rId46"/>
+      <p:regular r:id="rId44"/>
+      <p:bold r:id="rId45"/>
+      <p:italic r:id="rId46"/>
+      <p:boldItalic r:id="rId47"/>
     </p:embeddedFont>
     <p:embeddedFont>
       <p:font typeface="Quicksand" pitchFamily="2" charset="77"/>
-      <p:regular r:id="rId47"/>
-      <p:bold r:id="rId48"/>
+      <p:regular r:id="rId48"/>
+      <p:bold r:id="rId49"/>
     </p:embeddedFont>
   </p:embeddedFontLst>
   <p:defaultTextStyle>
@@ -299,7 +300,7 @@
       <p15:sldGuideLst xmlns:p15="http://schemas.microsoft.com/office/powerpoint/2012/main"/>
     </p:ext>
     <p:ext uri="http://customooxmlschemas.google.com/">
-      <go:slidesCustomData xmlns:go="http://customooxmlschemas.google.com/" xmlns:ahyp="http://schemas.microsoft.com/office/drawing/2018/hyperlinkcolor" xmlns:p15="http://schemas.microsoft.com/office/powerpoint/2012/main" xmlns:p14="http://schemas.microsoft.com/office/powerpoint/2010/main" xmlns:com="http://schemas.openxmlformats.org/drawingml/2006/compatibility" xmlns:pvml="urn:schemas-microsoft-com:office:powerpoint" xmlns:v="urn:schemas-microsoft-com:vml" xmlns:o="urn:schemas-microsoft-com:office:office" xmlns:dgm="http://schemas.openxmlformats.org/drawingml/2006/diagram" xmlns:c="http://schemas.openxmlformats.org/drawingml/2006/chart" xmlns:mv="urn:schemas-microsoft-com:mac:vml" xmlns:mc="http://schemas.openxmlformats.org/markup-compatibility/2006" xmlns="" r:id="rId58" roundtripDataSignature="AMtx7mhdzpiHIY6LI1do49kRqPoyUIud1g=="/>
+      <go:slidesCustomData xmlns="" xmlns:mc="http://schemas.openxmlformats.org/markup-compatibility/2006" xmlns:mv="urn:schemas-microsoft-com:mac:vml" xmlns:c="http://schemas.openxmlformats.org/drawingml/2006/chart" xmlns:dgm="http://schemas.openxmlformats.org/drawingml/2006/diagram" xmlns:o="urn:schemas-microsoft-com:office:office" xmlns:v="urn:schemas-microsoft-com:vml" xmlns:pvml="urn:schemas-microsoft-com:office:powerpoint" xmlns:com="http://schemas.openxmlformats.org/drawingml/2006/compatibility" xmlns:p14="http://schemas.microsoft.com/office/powerpoint/2010/main" xmlns:p15="http://schemas.microsoft.com/office/powerpoint/2012/main" xmlns:ahyp="http://schemas.microsoft.com/office/drawing/2018/hyperlinkcolor" xmlns:go="http://customooxmlschemas.google.com/" r:id="rId58" roundtripDataSignature="AMtx7mhdzpiHIY6LI1do49kRqPoyUIud1g=="/>
     </p:ext>
   </p:extLst>
 </p:presentation>
@@ -1607,6 +1608,211 @@
   <p:cSld>
     <p:spTree>
       <p:nvGrpSpPr>
+        <p:cNvPr id="1" name="Shape 145"/>
+        <p:cNvGrpSpPr/>
+        <p:nvPr/>
+      </p:nvGrpSpPr>
+      <p:grpSpPr>
+        <a:xfrm>
+          <a:off x="0" y="0"/>
+          <a:ext cx="0" cy="0"/>
+          <a:chOff x="0" y="0"/>
+          <a:chExt cx="0" cy="0"/>
+        </a:xfrm>
+      </p:grpSpPr>
+      <p:sp>
+        <p:nvSpPr>
+          <p:cNvPr id="146" name="Google Shape;146;p8:notes"/>
+          <p:cNvSpPr txBox="1">
+            <a:spLocks noGrp="1"/>
+          </p:cNvSpPr>
+          <p:nvPr>
+            <p:ph type="body" idx="1"/>
+          </p:nvPr>
+        </p:nvSpPr>
+        <p:spPr>
+          <a:xfrm>
+            <a:off x="685800" y="4400550"/>
+            <a:ext cx="5486400" cy="3600450"/>
+          </a:xfrm>
+          <a:prstGeom prst="rect">
+            <a:avLst/>
+          </a:prstGeom>
+        </p:spPr>
+        <p:txBody>
+          <a:bodyPr spcFirstLastPara="1" wrap="square" lIns="91425" tIns="45700" rIns="91425" bIns="45700" anchor="t" anchorCtr="0">
+            <a:noAutofit/>
+          </a:bodyPr>
+          <a:lstStyle/>
+          <a:p>
+            <a:pPr marL="0" lvl="0" indent="0" algn="l" rtl="0">
+              <a:spcBef>
+                <a:spcPts val="0"/>
+              </a:spcBef>
+              <a:spcAft>
+                <a:spcPts val="0"/>
+              </a:spcAft>
+              <a:buNone/>
+            </a:pPr>
+            <a:r>
+              <a:rPr lang="en-US" dirty="0"/>
+              <a:t>We may not care too much about the math details, but you may encounter an error that looks like this “shape non-conformity error.”</a:t>
+            </a:r>
+          </a:p>
+          <a:p>
+            <a:pPr marL="0" lvl="0" indent="0" algn="l" rtl="0">
+              <a:spcBef>
+                <a:spcPts val="0"/>
+              </a:spcBef>
+              <a:spcAft>
+                <a:spcPts val="0"/>
+              </a:spcAft>
+              <a:buNone/>
+            </a:pPr>
+            <a:endParaRPr lang="en-US" dirty="0"/>
+          </a:p>
+          <a:p>
+            <a:pPr marL="0" lvl="0" indent="0" algn="l" rtl="0">
+              <a:spcBef>
+                <a:spcPts val="0"/>
+              </a:spcBef>
+              <a:spcAft>
+                <a:spcPts val="0"/>
+              </a:spcAft>
+              <a:buNone/>
+            </a:pPr>
+            <a:r>
+              <a:rPr lang="en-US" dirty="0"/>
+              <a:t>When we do tensor multiplication (x*w), it requires that our data be in a certain format, e.g., is each of our 784 value vectors a row or a column in our matrix? This is important, because matrix multiplication requires conformity in the dimension of the two matrices we are multiplying together. This is important to know because, if you get this wrong, you’ll encounter cryptic error messages about shape non-conformity. </a:t>
+            </a:r>
+          </a:p>
+          <a:p>
+            <a:pPr marL="0" lvl="0" indent="0" algn="l" rtl="0">
+              <a:spcBef>
+                <a:spcPts val="0"/>
+              </a:spcBef>
+              <a:spcAft>
+                <a:spcPts val="0"/>
+              </a:spcAft>
+              <a:buNone/>
+            </a:pPr>
+            <a:endParaRPr lang="en-US" dirty="0"/>
+          </a:p>
+          <a:p>
+            <a:pPr marL="0" lvl="0" indent="0" algn="l" rtl="0">
+              <a:spcBef>
+                <a:spcPts val="0"/>
+              </a:spcBef>
+              <a:spcAft>
+                <a:spcPts val="0"/>
+              </a:spcAft>
+              <a:buNone/>
+            </a:pPr>
+            <a:r>
+              <a:rPr lang="en-US" dirty="0"/>
+              <a:t>So, the weight matrix in a layer is defined by </a:t>
+            </a:r>
+            <a:r>
+              <a:rPr lang="en-US" dirty="0" err="1"/>
+              <a:t>Keras</a:t>
+            </a:r>
+            <a:r>
+              <a:rPr lang="en-US" dirty="0"/>
+              <a:t> to be # input values (columns in our data) * # nodes]. That means our input data needs to be structured as [#</a:t>
+            </a:r>
+            <a:r>
+              <a:rPr lang="en-US" dirty="0" err="1"/>
+              <a:t>obs</a:t>
+            </a:r>
+            <a:r>
+              <a:rPr lang="en-US" dirty="0"/>
+              <a:t> x # input values], i.e., 60,000 x 784…</a:t>
+            </a:r>
+          </a:p>
+          <a:p>
+            <a:pPr marL="0" lvl="0" indent="0" algn="l" rtl="0">
+              <a:spcBef>
+                <a:spcPts val="0"/>
+              </a:spcBef>
+              <a:spcAft>
+                <a:spcPts val="0"/>
+              </a:spcAft>
+              <a:buNone/>
+            </a:pPr>
+            <a:endParaRPr lang="en-US" dirty="0"/>
+          </a:p>
+          <a:p>
+            <a:pPr marL="0" lvl="0" indent="0" algn="l" rtl="0">
+              <a:spcBef>
+                <a:spcPts val="0"/>
+              </a:spcBef>
+              <a:spcAft>
+                <a:spcPts val="0"/>
+              </a:spcAft>
+              <a:buNone/>
+            </a:pPr>
+            <a:r>
+              <a:rPr lang="en-US" dirty="0"/>
+              <a:t>Go through with example of 28x28 images, dimensionality of the matrices, etc. </a:t>
+            </a:r>
+            <a:endParaRPr dirty="0"/>
+          </a:p>
+        </p:txBody>
+      </p:sp>
+      <p:sp>
+        <p:nvSpPr>
+          <p:cNvPr id="147" name="Google Shape;147;p8:notes"/>
+          <p:cNvSpPr>
+            <a:spLocks noGrp="1" noRot="1" noChangeAspect="1"/>
+          </p:cNvSpPr>
+          <p:nvPr>
+            <p:ph type="sldImg" idx="2"/>
+          </p:nvPr>
+        </p:nvSpPr>
+        <p:spPr>
+          <a:xfrm>
+            <a:off x="685800" y="1143000"/>
+            <a:ext cx="5486400" cy="3086100"/>
+          </a:xfrm>
+          <a:custGeom>
+            <a:avLst/>
+            <a:gdLst/>
+            <a:ahLst/>
+            <a:cxnLst/>
+            <a:rect l="l" t="t" r="r" b="b"/>
+            <a:pathLst>
+              <a:path w="120000" h="120000" extrusionOk="0">
+                <a:moveTo>
+                  <a:pt x="0" y="0"/>
+                </a:moveTo>
+                <a:lnTo>
+                  <a:pt x="120000" y="0"/>
+                </a:lnTo>
+                <a:lnTo>
+                  <a:pt x="120000" y="120000"/>
+                </a:lnTo>
+                <a:lnTo>
+                  <a:pt x="0" y="120000"/>
+                </a:lnTo>
+                <a:close/>
+              </a:path>
+            </a:pathLst>
+          </a:custGeom>
+        </p:spPr>
+      </p:sp>
+    </p:spTree>
+  </p:cSld>
+  <p:clrMapOvr>
+    <a:masterClrMapping/>
+  </p:clrMapOvr>
+</p:notes>
+</file>
+
+<file path=ppt/notesSlides/notesSlide11.xml><?xml version="1.0" encoding="utf-8"?>
+<p:notes xmlns:a="http://schemas.openxmlformats.org/drawingml/2006/main" xmlns:r="http://schemas.openxmlformats.org/officeDocument/2006/relationships" xmlns:p="http://schemas.openxmlformats.org/presentationml/2006/main" showMasterSp="0" showMasterPhAnim="0">
+  <p:cSld>
+    <p:spTree>
+      <p:nvGrpSpPr>
         <p:cNvPr id="1" name="Shape 153"/>
         <p:cNvGrpSpPr/>
         <p:nvPr/>
@@ -1783,7 +1989,7 @@
             </a:pPr>
             <a:fld id="{00000000-1234-1234-1234-123412341234}" type="slidenum">
               <a:rPr lang="en-US"/>
-              <a:t>10</a:t>
+              <a:t>11</a:t>
             </a:fld>
             <a:endParaRPr/>
           </a:p>
@@ -1797,7 +2003,7 @@
 </p:notes>
 </file>
 
-<file path=ppt/notesSlides/notesSlide11.xml><?xml version="1.0" encoding="utf-8"?>
+<file path=ppt/notesSlides/notesSlide12.xml><?xml version="1.0" encoding="utf-8"?>
 <p:notes xmlns:a="http://schemas.openxmlformats.org/drawingml/2006/main" xmlns:r="http://schemas.openxmlformats.org/officeDocument/2006/relationships" xmlns:p="http://schemas.openxmlformats.org/presentationml/2006/main" showMasterSp="0" showMasterPhAnim="0">
   <p:cSld>
     <p:spTree>
@@ -2127,7 +2333,7 @@
             </a:pPr>
             <a:fld id="{00000000-1234-1234-1234-123412341234}" type="slidenum">
               <a:rPr lang="en-US"/>
-              <a:t>11</a:t>
+              <a:t>12</a:t>
             </a:fld>
             <a:endParaRPr/>
           </a:p>
@@ -2141,7 +2347,7 @@
 </p:notes>
 </file>
 
-<file path=ppt/notesSlides/notesSlide12.xml><?xml version="1.0" encoding="utf-8"?>
+<file path=ppt/notesSlides/notesSlide13.xml><?xml version="1.0" encoding="utf-8"?>
 <p:notes xmlns:a="http://schemas.openxmlformats.org/drawingml/2006/main" xmlns:r="http://schemas.openxmlformats.org/officeDocument/2006/relationships" xmlns:p="http://schemas.openxmlformats.org/presentationml/2006/main" showMasterSp="0" showMasterPhAnim="0">
   <p:cSld>
     <p:spTree>
@@ -2291,7 +2497,7 @@
             </a:pPr>
             <a:fld id="{00000000-1234-1234-1234-123412341234}" type="slidenum">
               <a:rPr lang="en-US"/>
-              <a:t>12</a:t>
+              <a:t>13</a:t>
             </a:fld>
             <a:endParaRPr/>
           </a:p>
@@ -2305,7 +2511,7 @@
 </p:notes>
 </file>
 
-<file path=ppt/notesSlides/notesSlide13.xml><?xml version="1.0" encoding="utf-8"?>
+<file path=ppt/notesSlides/notesSlide14.xml><?xml version="1.0" encoding="utf-8"?>
 <p:notes xmlns:a="http://schemas.openxmlformats.org/drawingml/2006/main" xmlns:r="http://schemas.openxmlformats.org/officeDocument/2006/relationships" xmlns:p="http://schemas.openxmlformats.org/presentationml/2006/main" showMasterSp="0" showMasterPhAnim="0">
   <p:cSld>
     <p:spTree>
@@ -2467,7 +2673,7 @@
             </a:pPr>
             <a:fld id="{00000000-1234-1234-1234-123412341234}" type="slidenum">
               <a:rPr lang="en-US"/>
-              <a:t>13</a:t>
+              <a:t>14</a:t>
             </a:fld>
             <a:endParaRPr/>
           </a:p>
@@ -2481,7 +2687,7 @@
 </p:notes>
 </file>
 
-<file path=ppt/notesSlides/notesSlide14.xml><?xml version="1.0" encoding="utf-8"?>
+<file path=ppt/notesSlides/notesSlide15.xml><?xml version="1.0" encoding="utf-8"?>
 <p:notes xmlns:a="http://schemas.openxmlformats.org/drawingml/2006/main" xmlns:r="http://schemas.openxmlformats.org/officeDocument/2006/relationships" xmlns:p="http://schemas.openxmlformats.org/presentationml/2006/main" showMasterSp="0" showMasterPhAnim="0">
   <p:cSld>
     <p:spTree>
@@ -2775,7 +2981,7 @@
             </a:pPr>
             <a:fld id="{00000000-1234-1234-1234-123412341234}" type="slidenum">
               <a:rPr lang="en-US"/>
-              <a:t>14</a:t>
+              <a:t>15</a:t>
             </a:fld>
             <a:endParaRPr/>
           </a:p>
@@ -2789,7 +2995,7 @@
 </p:notes>
 </file>
 
-<file path=ppt/notesSlides/notesSlide15.xml><?xml version="1.0" encoding="utf-8"?>
+<file path=ppt/notesSlides/notesSlide16.xml><?xml version="1.0" encoding="utf-8"?>
 <p:notes xmlns:a="http://schemas.openxmlformats.org/drawingml/2006/main" xmlns:r="http://schemas.openxmlformats.org/officeDocument/2006/relationships" xmlns:p="http://schemas.openxmlformats.org/presentationml/2006/main" showMasterSp="0" showMasterPhAnim="0">
   <p:cSld>
     <p:spTree>
@@ -2943,7 +3149,7 @@
             </a:pPr>
             <a:fld id="{00000000-1234-1234-1234-123412341234}" type="slidenum">
               <a:rPr lang="en-US"/>
-              <a:t>15</a:t>
+              <a:t>16</a:t>
             </a:fld>
             <a:endParaRPr/>
           </a:p>
@@ -2957,7 +3163,7 @@
 </p:notes>
 </file>
 
-<file path=ppt/notesSlides/notesSlide16.xml><?xml version="1.0" encoding="utf-8"?>
+<file path=ppt/notesSlides/notesSlide17.xml><?xml version="1.0" encoding="utf-8"?>
 <p:notes xmlns:a="http://schemas.openxmlformats.org/drawingml/2006/main" xmlns:r="http://schemas.openxmlformats.org/officeDocument/2006/relationships" xmlns:p="http://schemas.openxmlformats.org/presentationml/2006/main" showMasterSp="0" showMasterPhAnim="0">
   <p:cSld>
     <p:spTree>
@@ -3111,7 +3317,7 @@
             </a:pPr>
             <a:fld id="{00000000-1234-1234-1234-123412341234}" type="slidenum">
               <a:rPr lang="en-US"/>
-              <a:t>16</a:t>
+              <a:t>17</a:t>
             </a:fld>
             <a:endParaRPr/>
           </a:p>
@@ -3125,7 +3331,7 @@
 </p:notes>
 </file>
 
-<file path=ppt/notesSlides/notesSlide17.xml><?xml version="1.0" encoding="utf-8"?>
+<file path=ppt/notesSlides/notesSlide18.xml><?xml version="1.0" encoding="utf-8"?>
 <p:notes xmlns:a="http://schemas.openxmlformats.org/drawingml/2006/main" xmlns:r="http://schemas.openxmlformats.org/officeDocument/2006/relationships" xmlns:p="http://schemas.openxmlformats.org/presentationml/2006/main" showMasterSp="0" showMasterPhAnim="0">
   <p:cSld>
     <p:spTree>
@@ -3229,7 +3435,7 @@
 </p:notes>
 </file>
 
-<file path=ppt/notesSlides/notesSlide18.xml><?xml version="1.0" encoding="utf-8"?>
+<file path=ppt/notesSlides/notesSlide19.xml><?xml version="1.0" encoding="utf-8"?>
 <p:notes xmlns:a="http://schemas.openxmlformats.org/drawingml/2006/main" xmlns:r="http://schemas.openxmlformats.org/officeDocument/2006/relationships" xmlns:p="http://schemas.openxmlformats.org/presentationml/2006/main" showMasterSp="0" showMasterPhAnim="0">
   <p:cSld>
     <p:spTree>
@@ -3346,174 +3552,6 @@
       <p:sp>
         <p:nvSpPr>
           <p:cNvPr id="253" name="Google Shape;253;p18:notes"/>
-          <p:cNvSpPr txBox="1">
-            <a:spLocks noGrp="1"/>
-          </p:cNvSpPr>
-          <p:nvPr>
-            <p:ph type="sldNum" idx="12"/>
-          </p:nvPr>
-        </p:nvSpPr>
-        <p:spPr>
-          <a:xfrm>
-            <a:off x="3884613" y="8685213"/>
-            <a:ext cx="2971800" cy="458787"/>
-          </a:xfrm>
-          <a:prstGeom prst="rect">
-            <a:avLst/>
-          </a:prstGeom>
-          <a:noFill/>
-          <a:ln>
-            <a:noFill/>
-          </a:ln>
-        </p:spPr>
-        <p:txBody>
-          <a:bodyPr spcFirstLastPara="1" wrap="square" lIns="91425" tIns="45700" rIns="91425" bIns="45700" anchor="b" anchorCtr="0">
-            <a:noAutofit/>
-          </a:bodyPr>
-          <a:lstStyle/>
-          <a:p>
-            <a:pPr marL="0" lvl="0" indent="0" algn="r" rtl="0">
-              <a:spcBef>
-                <a:spcPts val="0"/>
-              </a:spcBef>
-              <a:spcAft>
-                <a:spcPts val="0"/>
-              </a:spcAft>
-              <a:buNone/>
-            </a:pPr>
-            <a:fld id="{00000000-1234-1234-1234-123412341234}" type="slidenum">
-              <a:rPr lang="en-US"/>
-              <a:t>18</a:t>
-            </a:fld>
-            <a:endParaRPr/>
-          </a:p>
-        </p:txBody>
-      </p:sp>
-    </p:spTree>
-  </p:cSld>
-  <p:clrMapOvr>
-    <a:masterClrMapping/>
-  </p:clrMapOvr>
-</p:notes>
-</file>
-
-<file path=ppt/notesSlides/notesSlide19.xml><?xml version="1.0" encoding="utf-8"?>
-<p:notes xmlns:a="http://schemas.openxmlformats.org/drawingml/2006/main" xmlns:r="http://schemas.openxmlformats.org/officeDocument/2006/relationships" xmlns:p="http://schemas.openxmlformats.org/presentationml/2006/main" showMasterSp="0" showMasterPhAnim="0">
-  <p:cSld>
-    <p:spTree>
-      <p:nvGrpSpPr>
-        <p:cNvPr id="1" name="Shape 259"/>
-        <p:cNvGrpSpPr/>
-        <p:nvPr/>
-      </p:nvGrpSpPr>
-      <p:grpSpPr>
-        <a:xfrm>
-          <a:off x="0" y="0"/>
-          <a:ext cx="0" cy="0"/>
-          <a:chOff x="0" y="0"/>
-          <a:chExt cx="0" cy="0"/>
-        </a:xfrm>
-      </p:grpSpPr>
-      <p:sp>
-        <p:nvSpPr>
-          <p:cNvPr id="260" name="Google Shape;260;p19:notes"/>
-          <p:cNvSpPr>
-            <a:spLocks noGrp="1" noRot="1" noChangeAspect="1"/>
-          </p:cNvSpPr>
-          <p:nvPr>
-            <p:ph type="sldImg" idx="2"/>
-          </p:nvPr>
-        </p:nvSpPr>
-        <p:spPr>
-          <a:xfrm>
-            <a:off x="685800" y="1143000"/>
-            <a:ext cx="5486400" cy="3086100"/>
-          </a:xfrm>
-          <a:custGeom>
-            <a:avLst/>
-            <a:gdLst/>
-            <a:ahLst/>
-            <a:cxnLst/>
-            <a:rect l="l" t="t" r="r" b="b"/>
-            <a:pathLst>
-              <a:path w="120000" h="120000" extrusionOk="0">
-                <a:moveTo>
-                  <a:pt x="0" y="0"/>
-                </a:moveTo>
-                <a:lnTo>
-                  <a:pt x="120000" y="0"/>
-                </a:lnTo>
-                <a:lnTo>
-                  <a:pt x="120000" y="120000"/>
-                </a:lnTo>
-                <a:lnTo>
-                  <a:pt x="0" y="120000"/>
-                </a:lnTo>
-                <a:close/>
-              </a:path>
-            </a:pathLst>
-          </a:custGeom>
-          <a:noFill/>
-          <a:ln w="12700" cap="flat" cmpd="sng">
-            <a:solidFill>
-              <a:srgbClr val="000000"/>
-            </a:solidFill>
-            <a:prstDash val="solid"/>
-            <a:round/>
-            <a:headEnd type="none" w="sm" len="sm"/>
-            <a:tailEnd type="none" w="sm" len="sm"/>
-          </a:ln>
-        </p:spPr>
-      </p:sp>
-      <p:sp>
-        <p:nvSpPr>
-          <p:cNvPr id="261" name="Google Shape;261;p19:notes"/>
-          <p:cNvSpPr txBox="1">
-            <a:spLocks noGrp="1"/>
-          </p:cNvSpPr>
-          <p:nvPr>
-            <p:ph type="body" idx="1"/>
-          </p:nvPr>
-        </p:nvSpPr>
-        <p:spPr>
-          <a:xfrm>
-            <a:off x="685800" y="4400550"/>
-            <a:ext cx="5486400" cy="3600450"/>
-          </a:xfrm>
-          <a:prstGeom prst="rect">
-            <a:avLst/>
-          </a:prstGeom>
-          <a:noFill/>
-          <a:ln>
-            <a:noFill/>
-          </a:ln>
-        </p:spPr>
-        <p:txBody>
-          <a:bodyPr spcFirstLastPara="1" wrap="square" lIns="91425" tIns="45700" rIns="91425" bIns="45700" anchor="t" anchorCtr="0">
-            <a:noAutofit/>
-          </a:bodyPr>
-          <a:lstStyle/>
-          <a:p>
-            <a:pPr marL="0" lvl="0" indent="0" algn="l" rtl="0">
-              <a:spcBef>
-                <a:spcPts val="0"/>
-              </a:spcBef>
-              <a:spcAft>
-                <a:spcPts val="0"/>
-              </a:spcAft>
-              <a:buNone/>
-            </a:pPr>
-            <a:r>
-              <a:rPr lang="en-US"/>
-              <a:t>We want to know how our loss function output will change for small increases in every parameter value. This is what a derivative tells us. For a small change in x from its current value (e.g., w_1+0.001), how will the value of y change relative to its current value (e.g., how will the loss value shift)? </a:t>
-            </a:r>
-            <a:endParaRPr/>
-          </a:p>
-        </p:txBody>
-      </p:sp>
-      <p:sp>
-        <p:nvSpPr>
-          <p:cNvPr id="262" name="Google Shape;262;p19:notes"/>
           <p:cNvSpPr txBox="1">
             <a:spLocks noGrp="1"/>
           </p:cNvSpPr>
@@ -3674,7 +3712,7 @@
   <p:cSld>
     <p:spTree>
       <p:nvGrpSpPr>
-        <p:cNvPr id="1" name="Shape 268"/>
+        <p:cNvPr id="1" name="Shape 259"/>
         <p:cNvGrpSpPr/>
         <p:nvPr/>
       </p:nvGrpSpPr>
@@ -3688,7 +3726,7 @@
       </p:grpSpPr>
       <p:sp>
         <p:nvSpPr>
-          <p:cNvPr id="269" name="Google Shape;269;p20:notes"/>
+          <p:cNvPr id="260" name="Google Shape;260;p19:notes"/>
           <p:cNvSpPr>
             <a:spLocks noGrp="1" noRot="1" noChangeAspect="1"/>
           </p:cNvSpPr>
@@ -3739,7 +3777,7 @@
       </p:sp>
       <p:sp>
         <p:nvSpPr>
-          <p:cNvPr id="270" name="Google Shape;270;p20:notes"/>
+          <p:cNvPr id="261" name="Google Shape;261;p19:notes"/>
           <p:cNvSpPr txBox="1">
             <a:spLocks noGrp="1"/>
           </p:cNvSpPr>
@@ -3766,46 +3804,26 @@
           </a:bodyPr>
           <a:lstStyle/>
           <a:p>
-            <a:pPr marL="0" marR="0" lvl="0" indent="0" algn="l" rtl="0">
-              <a:lnSpc>
-                <a:spcPct val="100000"/>
-              </a:lnSpc>
-              <a:spcBef>
-                <a:spcPts val="0"/>
-              </a:spcBef>
-              <a:spcAft>
-                <a:spcPts val="0"/>
-              </a:spcAft>
-              <a:buClr>
-                <a:schemeClr val="dk1"/>
-              </a:buClr>
-              <a:buSzPts val="1200"/>
-              <a:buFont typeface="Calibri"/>
+            <a:pPr marL="0" lvl="0" indent="0" algn="l" rtl="0">
+              <a:spcBef>
+                <a:spcPts val="0"/>
+              </a:spcBef>
+              <a:spcAft>
+                <a:spcPts val="0"/>
+              </a:spcAft>
               <a:buNone/>
             </a:pPr>
             <a:r>
-              <a:rPr lang="en-US" dirty="0"/>
-              <a:t>A gradient is just a higher dimensional derivative (e.g., we figure out derivative of y with respect to its two inputs, the gradient is the derivative in that two-dimensional space. We would want to find the direction in that two-dimensional space where the gradient is steepest (most positive) and then go in the opposite direction. </a:t>
+              <a:rPr lang="en-US"/>
+              <a:t>We want to know how our loss function output will change for small increases in every parameter value. This is what a derivative tells us. For a small change in x from its current value (e.g., w_1+0.001), how will the value of y change relative to its current value (e.g., how will the loss value shift)? </a:t>
             </a:r>
-            <a:endParaRPr dirty="0"/>
-          </a:p>
-          <a:p>
-            <a:pPr marL="0" lvl="0" indent="0" algn="l" rtl="0">
-              <a:spcBef>
-                <a:spcPts val="0"/>
-              </a:spcBef>
-              <a:spcAft>
-                <a:spcPts val="0"/>
-              </a:spcAft>
-              <a:buNone/>
-            </a:pPr>
-            <a:endParaRPr dirty="0"/>
+            <a:endParaRPr/>
           </a:p>
         </p:txBody>
       </p:sp>
       <p:sp>
         <p:nvSpPr>
-          <p:cNvPr id="271" name="Google Shape;271;p20:notes"/>
+          <p:cNvPr id="262" name="Google Shape;262;p19:notes"/>
           <p:cNvSpPr txBox="1">
             <a:spLocks noGrp="1"/>
           </p:cNvSpPr>
@@ -3862,7 +3880,7 @@
   <p:cSld>
     <p:spTree>
       <p:nvGrpSpPr>
-        <p:cNvPr id="1" name="Shape 276"/>
+        <p:cNvPr id="1" name="Shape 268"/>
         <p:cNvGrpSpPr/>
         <p:nvPr/>
       </p:nvGrpSpPr>
@@ -3876,7 +3894,7 @@
       </p:grpSpPr>
       <p:sp>
         <p:nvSpPr>
-          <p:cNvPr id="277" name="Google Shape;277;p21:notes"/>
+          <p:cNvPr id="269" name="Google Shape;269;p20:notes"/>
           <p:cNvSpPr>
             <a:spLocks noGrp="1" noRot="1" noChangeAspect="1"/>
           </p:cNvSpPr>
@@ -3927,7 +3945,7 @@
       </p:sp>
       <p:sp>
         <p:nvSpPr>
-          <p:cNvPr id="278" name="Google Shape;278;p21:notes"/>
+          <p:cNvPr id="270" name="Google Shape;270;p20:notes"/>
           <p:cNvSpPr txBox="1">
             <a:spLocks noGrp="1"/>
           </p:cNvSpPr>
@@ -3954,26 +3972,46 @@
           </a:bodyPr>
           <a:lstStyle/>
           <a:p>
-            <a:pPr marL="0" lvl="0" indent="0" algn="l" rtl="0">
-              <a:spcBef>
-                <a:spcPts val="0"/>
-              </a:spcBef>
-              <a:spcAft>
-                <a:spcPts val="0"/>
-              </a:spcAft>
+            <a:pPr marL="0" marR="0" lvl="0" indent="0" algn="l" rtl="0">
+              <a:lnSpc>
+                <a:spcPct val="100000"/>
+              </a:lnSpc>
+              <a:spcBef>
+                <a:spcPts val="0"/>
+              </a:spcBef>
+              <a:spcAft>
+                <a:spcPts val="0"/>
+              </a:spcAft>
+              <a:buClr>
+                <a:schemeClr val="dk1"/>
+              </a:buClr>
+              <a:buSzPts val="1200"/>
+              <a:buFont typeface="Calibri"/>
               <a:buNone/>
             </a:pPr>
             <a:r>
-              <a:rPr lang="en-US"/>
+              <a:rPr lang="en-US" dirty="0"/>
               <a:t>A gradient is just a higher dimensional derivative (e.g., we figure out derivative of y with respect to its two inputs, the gradient is the derivative in that two-dimensional space. We would want to find the direction in that two-dimensional space where the gradient is steepest (most positive) and then go in the opposite direction. </a:t>
             </a:r>
-            <a:endParaRPr/>
+            <a:endParaRPr dirty="0"/>
+          </a:p>
+          <a:p>
+            <a:pPr marL="0" lvl="0" indent="0" algn="l" rtl="0">
+              <a:spcBef>
+                <a:spcPts val="0"/>
+              </a:spcBef>
+              <a:spcAft>
+                <a:spcPts val="0"/>
+              </a:spcAft>
+              <a:buNone/>
+            </a:pPr>
+            <a:endParaRPr dirty="0"/>
           </a:p>
         </p:txBody>
       </p:sp>
       <p:sp>
         <p:nvSpPr>
-          <p:cNvPr id="279" name="Google Shape;279;p21:notes"/>
+          <p:cNvPr id="271" name="Google Shape;271;p20:notes"/>
           <p:cNvSpPr txBox="1">
             <a:spLocks noGrp="1"/>
           </p:cNvSpPr>
@@ -4030,7 +4068,7 @@
   <p:cSld>
     <p:spTree>
       <p:nvGrpSpPr>
-        <p:cNvPr id="1" name="Shape 284"/>
+        <p:cNvPr id="1" name="Shape 276"/>
         <p:cNvGrpSpPr/>
         <p:nvPr/>
       </p:nvGrpSpPr>
@@ -4044,111 +4082,7 @@
       </p:grpSpPr>
       <p:sp>
         <p:nvSpPr>
-          <p:cNvPr id="285" name="Google Shape;285;p22:notes"/>
-          <p:cNvSpPr txBox="1">
-            <a:spLocks noGrp="1"/>
-          </p:cNvSpPr>
-          <p:nvPr>
-            <p:ph type="body" idx="1"/>
-          </p:nvPr>
-        </p:nvSpPr>
-        <p:spPr>
-          <a:xfrm>
-            <a:off x="685800" y="4400550"/>
-            <a:ext cx="5486400" cy="3600450"/>
-          </a:xfrm>
-          <a:prstGeom prst="rect">
-            <a:avLst/>
-          </a:prstGeom>
-        </p:spPr>
-        <p:txBody>
-          <a:bodyPr spcFirstLastPara="1" wrap="square" lIns="91425" tIns="45700" rIns="91425" bIns="45700" anchor="t" anchorCtr="0">
-            <a:noAutofit/>
-          </a:bodyPr>
-          <a:lstStyle/>
-          <a:p>
-            <a:pPr marL="0" lvl="0" indent="0" algn="l" rtl="0">
-              <a:spcBef>
-                <a:spcPts val="0"/>
-              </a:spcBef>
-              <a:spcAft>
-                <a:spcPts val="0"/>
-              </a:spcAft>
-              <a:buNone/>
-            </a:pPr>
-            <a:endParaRPr/>
-          </a:p>
-        </p:txBody>
-      </p:sp>
-      <p:sp>
-        <p:nvSpPr>
-          <p:cNvPr id="286" name="Google Shape;286;p22:notes"/>
-          <p:cNvSpPr>
-            <a:spLocks noGrp="1" noRot="1" noChangeAspect="1"/>
-          </p:cNvSpPr>
-          <p:nvPr>
-            <p:ph type="sldImg" idx="2"/>
-          </p:nvPr>
-        </p:nvSpPr>
-        <p:spPr>
-          <a:xfrm>
-            <a:off x="685800" y="1143000"/>
-            <a:ext cx="5486400" cy="3086100"/>
-          </a:xfrm>
-          <a:custGeom>
-            <a:avLst/>
-            <a:gdLst/>
-            <a:ahLst/>
-            <a:cxnLst/>
-            <a:rect l="l" t="t" r="r" b="b"/>
-            <a:pathLst>
-              <a:path w="120000" h="120000" extrusionOk="0">
-                <a:moveTo>
-                  <a:pt x="0" y="0"/>
-                </a:moveTo>
-                <a:lnTo>
-                  <a:pt x="120000" y="0"/>
-                </a:lnTo>
-                <a:lnTo>
-                  <a:pt x="120000" y="120000"/>
-                </a:lnTo>
-                <a:lnTo>
-                  <a:pt x="0" y="120000"/>
-                </a:lnTo>
-                <a:close/>
-              </a:path>
-            </a:pathLst>
-          </a:custGeom>
-        </p:spPr>
-      </p:sp>
-    </p:spTree>
-  </p:cSld>
-  <p:clrMapOvr>
-    <a:masterClrMapping/>
-  </p:clrMapOvr>
-</p:notes>
-</file>
-
-<file path=ppt/notesSlides/notesSlide23.xml><?xml version="1.0" encoding="utf-8"?>
-<p:notes xmlns:a="http://schemas.openxmlformats.org/drawingml/2006/main" xmlns:r="http://schemas.openxmlformats.org/officeDocument/2006/relationships" xmlns:p="http://schemas.openxmlformats.org/presentationml/2006/main" showMasterSp="0" showMasterPhAnim="0">
-  <p:cSld>
-    <p:spTree>
-      <p:nvGrpSpPr>
-        <p:cNvPr id="1" name="Shape 297"/>
-        <p:cNvGrpSpPr/>
-        <p:nvPr/>
-      </p:nvGrpSpPr>
-      <p:grpSpPr>
-        <a:xfrm>
-          <a:off x="0" y="0"/>
-          <a:ext cx="0" cy="0"/>
-          <a:chOff x="0" y="0"/>
-          <a:chExt cx="0" cy="0"/>
-        </a:xfrm>
-      </p:grpSpPr>
-      <p:sp>
-        <p:nvSpPr>
-          <p:cNvPr id="298" name="Google Shape;298;p23:notes"/>
+          <p:cNvPr id="277" name="Google Shape;277;p21:notes"/>
           <p:cNvSpPr>
             <a:spLocks noGrp="1" noRot="1" noChangeAspect="1"/>
           </p:cNvSpPr>
@@ -4199,7 +4133,7 @@
       </p:sp>
       <p:sp>
         <p:nvSpPr>
-          <p:cNvPr id="299" name="Google Shape;299;p23:notes"/>
+          <p:cNvPr id="278" name="Google Shape;278;p21:notes"/>
           <p:cNvSpPr txBox="1">
             <a:spLocks noGrp="1"/>
           </p:cNvSpPr>
@@ -4237,7 +4171,7 @@
             </a:pPr>
             <a:r>
               <a:rPr lang="en-US"/>
-              <a:t>Computation graphs are implemented in TensorFlow using ‘Tape’</a:t>
+              <a:t>A gradient is just a higher dimensional derivative (e.g., we figure out derivative of y with respect to its two inputs, the gradient is the derivative in that two-dimensional space. We would want to find the direction in that two-dimensional space where the gradient is steepest (most positive) and then go in the opposite direction. </a:t>
             </a:r>
             <a:endParaRPr/>
           </a:p>
@@ -4245,7 +4179,7 @@
       </p:sp>
       <p:sp>
         <p:nvSpPr>
-          <p:cNvPr id="300" name="Google Shape;300;p23:notes"/>
+          <p:cNvPr id="279" name="Google Shape;279;p21:notes"/>
           <p:cNvSpPr txBox="1">
             <a:spLocks noGrp="1"/>
           </p:cNvSpPr>
@@ -4283,11 +4217,115 @@
             </a:pPr>
             <a:fld id="{00000000-1234-1234-1234-123412341234}" type="slidenum">
               <a:rPr lang="en-US"/>
-              <a:t>23</a:t>
+              <a:t>22</a:t>
             </a:fld>
             <a:endParaRPr/>
           </a:p>
         </p:txBody>
+      </p:sp>
+    </p:spTree>
+  </p:cSld>
+  <p:clrMapOvr>
+    <a:masterClrMapping/>
+  </p:clrMapOvr>
+</p:notes>
+</file>
+
+<file path=ppt/notesSlides/notesSlide23.xml><?xml version="1.0" encoding="utf-8"?>
+<p:notes xmlns:a="http://schemas.openxmlformats.org/drawingml/2006/main" xmlns:r="http://schemas.openxmlformats.org/officeDocument/2006/relationships" xmlns:p="http://schemas.openxmlformats.org/presentationml/2006/main" showMasterSp="0" showMasterPhAnim="0">
+  <p:cSld>
+    <p:spTree>
+      <p:nvGrpSpPr>
+        <p:cNvPr id="1" name="Shape 284"/>
+        <p:cNvGrpSpPr/>
+        <p:nvPr/>
+      </p:nvGrpSpPr>
+      <p:grpSpPr>
+        <a:xfrm>
+          <a:off x="0" y="0"/>
+          <a:ext cx="0" cy="0"/>
+          <a:chOff x="0" y="0"/>
+          <a:chExt cx="0" cy="0"/>
+        </a:xfrm>
+      </p:grpSpPr>
+      <p:sp>
+        <p:nvSpPr>
+          <p:cNvPr id="285" name="Google Shape;285;p22:notes"/>
+          <p:cNvSpPr txBox="1">
+            <a:spLocks noGrp="1"/>
+          </p:cNvSpPr>
+          <p:nvPr>
+            <p:ph type="body" idx="1"/>
+          </p:nvPr>
+        </p:nvSpPr>
+        <p:spPr>
+          <a:xfrm>
+            <a:off x="685800" y="4400550"/>
+            <a:ext cx="5486400" cy="3600450"/>
+          </a:xfrm>
+          <a:prstGeom prst="rect">
+            <a:avLst/>
+          </a:prstGeom>
+        </p:spPr>
+        <p:txBody>
+          <a:bodyPr spcFirstLastPara="1" wrap="square" lIns="91425" tIns="45700" rIns="91425" bIns="45700" anchor="t" anchorCtr="0">
+            <a:noAutofit/>
+          </a:bodyPr>
+          <a:lstStyle/>
+          <a:p>
+            <a:pPr marL="0" lvl="0" indent="0" algn="l" rtl="0">
+              <a:spcBef>
+                <a:spcPts val="0"/>
+              </a:spcBef>
+              <a:spcAft>
+                <a:spcPts val="0"/>
+              </a:spcAft>
+              <a:buNone/>
+            </a:pPr>
+            <a:endParaRPr/>
+          </a:p>
+        </p:txBody>
+      </p:sp>
+      <p:sp>
+        <p:nvSpPr>
+          <p:cNvPr id="286" name="Google Shape;286;p22:notes"/>
+          <p:cNvSpPr>
+            <a:spLocks noGrp="1" noRot="1" noChangeAspect="1"/>
+          </p:cNvSpPr>
+          <p:nvPr>
+            <p:ph type="sldImg" idx="2"/>
+          </p:nvPr>
+        </p:nvSpPr>
+        <p:spPr>
+          <a:xfrm>
+            <a:off x="685800" y="1143000"/>
+            <a:ext cx="5486400" cy="3086100"/>
+          </a:xfrm>
+          <a:custGeom>
+            <a:avLst/>
+            <a:gdLst/>
+            <a:ahLst/>
+            <a:cxnLst/>
+            <a:rect l="l" t="t" r="r" b="b"/>
+            <a:pathLst>
+              <a:path w="120000" h="120000" extrusionOk="0">
+                <a:moveTo>
+                  <a:pt x="0" y="0"/>
+                </a:moveTo>
+                <a:lnTo>
+                  <a:pt x="120000" y="0"/>
+                </a:lnTo>
+                <a:lnTo>
+                  <a:pt x="120000" y="120000"/>
+                </a:lnTo>
+                <a:lnTo>
+                  <a:pt x="0" y="120000"/>
+                </a:lnTo>
+                <a:close/>
+              </a:path>
+            </a:pathLst>
+          </a:custGeom>
+        </p:spPr>
       </p:sp>
     </p:spTree>
   </p:cSld>
@@ -4302,7 +4340,7 @@
   <p:cSld>
     <p:spTree>
       <p:nvGrpSpPr>
-        <p:cNvPr id="1" name="Shape 316"/>
+        <p:cNvPr id="1" name="Shape 297"/>
         <p:cNvGrpSpPr/>
         <p:nvPr/>
       </p:nvGrpSpPr>
@@ -4316,7 +4354,7 @@
       </p:grpSpPr>
       <p:sp>
         <p:nvSpPr>
-          <p:cNvPr id="317" name="Google Shape;317;p24:notes"/>
+          <p:cNvPr id="298" name="Google Shape;298;p23:notes"/>
           <p:cNvSpPr>
             <a:spLocks noGrp="1" noRot="1" noChangeAspect="1"/>
           </p:cNvSpPr>
@@ -4367,7 +4405,7 @@
       </p:sp>
       <p:sp>
         <p:nvSpPr>
-          <p:cNvPr id="318" name="Google Shape;318;p24:notes"/>
+          <p:cNvPr id="299" name="Google Shape;299;p23:notes"/>
           <p:cNvSpPr txBox="1">
             <a:spLocks noGrp="1"/>
           </p:cNvSpPr>
@@ -4413,7 +4451,7 @@
       </p:sp>
       <p:sp>
         <p:nvSpPr>
-          <p:cNvPr id="319" name="Google Shape;319;p24:notes"/>
+          <p:cNvPr id="300" name="Google Shape;300;p23:notes"/>
           <p:cNvSpPr txBox="1">
             <a:spLocks noGrp="1"/>
           </p:cNvSpPr>
@@ -4470,7 +4508,7 @@
   <p:cSld>
     <p:spTree>
       <p:nvGrpSpPr>
-        <p:cNvPr id="1" name="Shape 337"/>
+        <p:cNvPr id="1" name="Shape 316"/>
         <p:cNvGrpSpPr/>
         <p:nvPr/>
       </p:nvGrpSpPr>
@@ -4484,7 +4522,7 @@
       </p:grpSpPr>
       <p:sp>
         <p:nvSpPr>
-          <p:cNvPr id="338" name="Google Shape;338;p25:notes"/>
+          <p:cNvPr id="317" name="Google Shape;317;p24:notes"/>
           <p:cNvSpPr>
             <a:spLocks noGrp="1" noRot="1" noChangeAspect="1"/>
           </p:cNvSpPr>
@@ -4535,7 +4573,7 @@
       </p:sp>
       <p:sp>
         <p:nvSpPr>
-          <p:cNvPr id="339" name="Google Shape;339;p25:notes"/>
+          <p:cNvPr id="318" name="Google Shape;318;p24:notes"/>
           <p:cNvSpPr txBox="1">
             <a:spLocks noGrp="1"/>
           </p:cNvSpPr>
@@ -4581,7 +4619,7 @@
       </p:sp>
       <p:sp>
         <p:nvSpPr>
-          <p:cNvPr id="340" name="Google Shape;340;p25:notes"/>
+          <p:cNvPr id="319" name="Google Shape;319;p24:notes"/>
           <p:cNvSpPr txBox="1">
             <a:spLocks noGrp="1"/>
           </p:cNvSpPr>
@@ -4638,7 +4676,7 @@
   <p:cSld>
     <p:spTree>
       <p:nvGrpSpPr>
-        <p:cNvPr id="1" name="Shape 359"/>
+        <p:cNvPr id="1" name="Shape 337"/>
         <p:cNvGrpSpPr/>
         <p:nvPr/>
       </p:nvGrpSpPr>
@@ -4652,7 +4690,7 @@
       </p:grpSpPr>
       <p:sp>
         <p:nvSpPr>
-          <p:cNvPr id="360" name="Google Shape;360;p26:notes"/>
+          <p:cNvPr id="338" name="Google Shape;338;p25:notes"/>
           <p:cNvSpPr>
             <a:spLocks noGrp="1" noRot="1" noChangeAspect="1"/>
           </p:cNvSpPr>
@@ -4703,7 +4741,7 @@
       </p:sp>
       <p:sp>
         <p:nvSpPr>
-          <p:cNvPr id="361" name="Google Shape;361;p26:notes"/>
+          <p:cNvPr id="339" name="Google Shape;339;p25:notes"/>
           <p:cNvSpPr txBox="1">
             <a:spLocks noGrp="1"/>
           </p:cNvSpPr>
@@ -4749,7 +4787,7 @@
       </p:sp>
       <p:sp>
         <p:nvSpPr>
-          <p:cNvPr id="362" name="Google Shape;362;p26:notes"/>
+          <p:cNvPr id="340" name="Google Shape;340;p25:notes"/>
           <p:cNvSpPr txBox="1">
             <a:spLocks noGrp="1"/>
           </p:cNvSpPr>
@@ -4806,7 +4844,7 @@
   <p:cSld>
     <p:spTree>
       <p:nvGrpSpPr>
-        <p:cNvPr id="1" name="Shape 382"/>
+        <p:cNvPr id="1" name="Shape 359"/>
         <p:cNvGrpSpPr/>
         <p:nvPr/>
       </p:nvGrpSpPr>
@@ -4820,7 +4858,7 @@
       </p:grpSpPr>
       <p:sp>
         <p:nvSpPr>
-          <p:cNvPr id="383" name="Google Shape;383;p27:notes"/>
+          <p:cNvPr id="360" name="Google Shape;360;p26:notes"/>
           <p:cNvSpPr>
             <a:spLocks noGrp="1" noRot="1" noChangeAspect="1"/>
           </p:cNvSpPr>
@@ -4871,7 +4909,7 @@
       </p:sp>
       <p:sp>
         <p:nvSpPr>
-          <p:cNvPr id="384" name="Google Shape;384;p27:notes"/>
+          <p:cNvPr id="361" name="Google Shape;361;p26:notes"/>
           <p:cNvSpPr txBox="1">
             <a:spLocks noGrp="1"/>
           </p:cNvSpPr>
@@ -4917,7 +4955,7 @@
       </p:sp>
       <p:sp>
         <p:nvSpPr>
-          <p:cNvPr id="385" name="Google Shape;385;p27:notes"/>
+          <p:cNvPr id="362" name="Google Shape;362;p26:notes"/>
           <p:cNvSpPr txBox="1">
             <a:spLocks noGrp="1"/>
           </p:cNvSpPr>
@@ -4974,7 +5012,7 @@
   <p:cSld>
     <p:spTree>
       <p:nvGrpSpPr>
-        <p:cNvPr id="1" name="Shape 406"/>
+        <p:cNvPr id="1" name="Shape 382"/>
         <p:cNvGrpSpPr/>
         <p:nvPr/>
       </p:nvGrpSpPr>
@@ -4988,7 +5026,7 @@
       </p:grpSpPr>
       <p:sp>
         <p:nvSpPr>
-          <p:cNvPr id="407" name="Google Shape;407;p28:notes"/>
+          <p:cNvPr id="383" name="Google Shape;383;p27:notes"/>
           <p:cNvSpPr>
             <a:spLocks noGrp="1" noRot="1" noChangeAspect="1"/>
           </p:cNvSpPr>
@@ -5039,7 +5077,7 @@
       </p:sp>
       <p:sp>
         <p:nvSpPr>
-          <p:cNvPr id="408" name="Google Shape;408;p28:notes"/>
+          <p:cNvPr id="384" name="Google Shape;384;p27:notes"/>
           <p:cNvSpPr txBox="1">
             <a:spLocks noGrp="1"/>
           </p:cNvSpPr>
@@ -5085,7 +5123,7 @@
       </p:sp>
       <p:sp>
         <p:nvSpPr>
-          <p:cNvPr id="409" name="Google Shape;409;p28:notes"/>
+          <p:cNvPr id="385" name="Google Shape;385;p27:notes"/>
           <p:cNvSpPr txBox="1">
             <a:spLocks noGrp="1"/>
           </p:cNvSpPr>
@@ -5142,7 +5180,7 @@
   <p:cSld>
     <p:spTree>
       <p:nvGrpSpPr>
-        <p:cNvPr id="1" name="Shape 432"/>
+        <p:cNvPr id="1" name="Shape 406"/>
         <p:cNvGrpSpPr/>
         <p:nvPr/>
       </p:nvGrpSpPr>
@@ -5156,7 +5194,7 @@
       </p:grpSpPr>
       <p:sp>
         <p:nvSpPr>
-          <p:cNvPr id="433" name="Google Shape;433;p29:notes"/>
+          <p:cNvPr id="407" name="Google Shape;407;p28:notes"/>
           <p:cNvSpPr>
             <a:spLocks noGrp="1" noRot="1" noChangeAspect="1"/>
           </p:cNvSpPr>
@@ -5207,7 +5245,7 @@
       </p:sp>
       <p:sp>
         <p:nvSpPr>
-          <p:cNvPr id="434" name="Google Shape;434;p29:notes"/>
+          <p:cNvPr id="408" name="Google Shape;408;p28:notes"/>
           <p:cNvSpPr txBox="1">
             <a:spLocks noGrp="1"/>
           </p:cNvSpPr>
@@ -5245,7 +5283,7 @@
             </a:pPr>
             <a:r>
               <a:rPr lang="en-US"/>
-              <a:t>Loss function here is binary cross-entropy loss. Can prove that the derivative of cross entropy loss function with respect to prediction is what I have written here. </a:t>
+              <a:t>Computation graphs are implemented in TensorFlow using ‘Tape’</a:t>
             </a:r>
             <a:endParaRPr/>
           </a:p>
@@ -5253,7 +5291,7 @@
       </p:sp>
       <p:sp>
         <p:nvSpPr>
-          <p:cNvPr id="435" name="Google Shape;435;p29:notes"/>
+          <p:cNvPr id="409" name="Google Shape;409;p28:notes"/>
           <p:cNvSpPr txBox="1">
             <a:spLocks noGrp="1"/>
           </p:cNvSpPr>
@@ -5414,7 +5452,7 @@
   <p:cSld>
     <p:spTree>
       <p:nvGrpSpPr>
-        <p:cNvPr id="1" name="Shape 457"/>
+        <p:cNvPr id="1" name="Shape 432"/>
         <p:cNvGrpSpPr/>
         <p:nvPr/>
       </p:nvGrpSpPr>
@@ -5428,7 +5466,7 @@
       </p:grpSpPr>
       <p:sp>
         <p:nvSpPr>
-          <p:cNvPr id="458" name="Google Shape;458;p30:notes"/>
+          <p:cNvPr id="433" name="Google Shape;433;p29:notes"/>
           <p:cNvSpPr>
             <a:spLocks noGrp="1" noRot="1" noChangeAspect="1"/>
           </p:cNvSpPr>
@@ -5479,7 +5517,7 @@
       </p:sp>
       <p:sp>
         <p:nvSpPr>
-          <p:cNvPr id="459" name="Google Shape;459;p30:notes"/>
+          <p:cNvPr id="434" name="Google Shape;434;p29:notes"/>
           <p:cNvSpPr txBox="1">
             <a:spLocks noGrp="1"/>
           </p:cNvSpPr>
@@ -5517,7 +5555,7 @@
             </a:pPr>
             <a:r>
               <a:rPr lang="en-US"/>
-              <a:t>You can rearrange to show the final step in sigmoid derivative… </a:t>
+              <a:t>Loss function here is binary cross-entropy loss. Can prove that the derivative of cross entropy loss function with respect to prediction is what I have written here. </a:t>
             </a:r>
             <a:endParaRPr/>
           </a:p>
@@ -5525,7 +5563,7 @@
       </p:sp>
       <p:sp>
         <p:nvSpPr>
-          <p:cNvPr id="460" name="Google Shape;460;p30:notes"/>
+          <p:cNvPr id="435" name="Google Shape;435;p29:notes"/>
           <p:cNvSpPr txBox="1">
             <a:spLocks noGrp="1"/>
           </p:cNvSpPr>
@@ -5582,7 +5620,7 @@
   <p:cSld>
     <p:spTree>
       <p:nvGrpSpPr>
-        <p:cNvPr id="1" name="Shape 486"/>
+        <p:cNvPr id="1" name="Shape 457"/>
         <p:cNvGrpSpPr/>
         <p:nvPr/>
       </p:nvGrpSpPr>
@@ -5596,7 +5634,7 @@
       </p:grpSpPr>
       <p:sp>
         <p:nvSpPr>
-          <p:cNvPr id="487" name="Google Shape;487;p31:notes"/>
+          <p:cNvPr id="458" name="Google Shape;458;p30:notes"/>
           <p:cNvSpPr>
             <a:spLocks noGrp="1" noRot="1" noChangeAspect="1"/>
           </p:cNvSpPr>
@@ -5647,7 +5685,7 @@
       </p:sp>
       <p:sp>
         <p:nvSpPr>
-          <p:cNvPr id="488" name="Google Shape;488;p31:notes"/>
+          <p:cNvPr id="459" name="Google Shape;459;p30:notes"/>
           <p:cNvSpPr txBox="1">
             <a:spLocks noGrp="1"/>
           </p:cNvSpPr>
@@ -5693,7 +5731,7 @@
       </p:sp>
       <p:sp>
         <p:nvSpPr>
-          <p:cNvPr id="489" name="Google Shape;489;p31:notes"/>
+          <p:cNvPr id="460" name="Google Shape;460;p30:notes"/>
           <p:cNvSpPr txBox="1">
             <a:spLocks noGrp="1"/>
           </p:cNvSpPr>
@@ -5750,7 +5788,7 @@
   <p:cSld>
     <p:spTree>
       <p:nvGrpSpPr>
-        <p:cNvPr id="1" name="Shape 518"/>
+        <p:cNvPr id="1" name="Shape 486"/>
         <p:cNvGrpSpPr/>
         <p:nvPr/>
       </p:nvGrpSpPr>
@@ -5764,735 +5802,7 @@
       </p:grpSpPr>
       <p:sp>
         <p:nvSpPr>
-          <p:cNvPr id="519" name="Google Shape;519;p33:notes"/>
-          <p:cNvSpPr txBox="1">
-            <a:spLocks noGrp="1"/>
-          </p:cNvSpPr>
-          <p:nvPr>
-            <p:ph type="body" idx="1"/>
-          </p:nvPr>
-        </p:nvSpPr>
-        <p:spPr>
-          <a:xfrm>
-            <a:off x="685800" y="4400550"/>
-            <a:ext cx="5486400" cy="3600450"/>
-          </a:xfrm>
-          <a:prstGeom prst="rect">
-            <a:avLst/>
-          </a:prstGeom>
-        </p:spPr>
-        <p:txBody>
-          <a:bodyPr spcFirstLastPara="1" wrap="square" lIns="91425" tIns="45700" rIns="91425" bIns="45700" anchor="t" anchorCtr="0">
-            <a:noAutofit/>
-          </a:bodyPr>
-          <a:lstStyle/>
-          <a:p>
-            <a:pPr marL="0" lvl="0" indent="0" algn="l" rtl="0">
-              <a:spcBef>
-                <a:spcPts val="0"/>
-              </a:spcBef>
-              <a:spcAft>
-                <a:spcPts val="0"/>
-              </a:spcAft>
-              <a:buNone/>
-            </a:pPr>
-            <a:endParaRPr/>
-          </a:p>
-        </p:txBody>
-      </p:sp>
-      <p:sp>
-        <p:nvSpPr>
-          <p:cNvPr id="520" name="Google Shape;520;p33:notes"/>
-          <p:cNvSpPr>
-            <a:spLocks noGrp="1" noRot="1" noChangeAspect="1"/>
-          </p:cNvSpPr>
-          <p:nvPr>
-            <p:ph type="sldImg" idx="2"/>
-          </p:nvPr>
-        </p:nvSpPr>
-        <p:spPr>
-          <a:xfrm>
-            <a:off x="685800" y="1143000"/>
-            <a:ext cx="5486400" cy="3086100"/>
-          </a:xfrm>
-          <a:custGeom>
-            <a:avLst/>
-            <a:gdLst/>
-            <a:ahLst/>
-            <a:cxnLst/>
-            <a:rect l="l" t="t" r="r" b="b"/>
-            <a:pathLst>
-              <a:path w="120000" h="120000" extrusionOk="0">
-                <a:moveTo>
-                  <a:pt x="0" y="0"/>
-                </a:moveTo>
-                <a:lnTo>
-                  <a:pt x="120000" y="0"/>
-                </a:lnTo>
-                <a:lnTo>
-                  <a:pt x="120000" y="120000"/>
-                </a:lnTo>
-                <a:lnTo>
-                  <a:pt x="0" y="120000"/>
-                </a:lnTo>
-                <a:close/>
-              </a:path>
-            </a:pathLst>
-          </a:custGeom>
-        </p:spPr>
-      </p:sp>
-    </p:spTree>
-  </p:cSld>
-  <p:clrMapOvr>
-    <a:masterClrMapping/>
-  </p:clrMapOvr>
-</p:notes>
-</file>
-
-<file path=ppt/notesSlides/notesSlide33.xml><?xml version="1.0" encoding="utf-8"?>
-<p:notes xmlns:a="http://schemas.openxmlformats.org/drawingml/2006/main" xmlns:r="http://schemas.openxmlformats.org/officeDocument/2006/relationships" xmlns:p="http://schemas.openxmlformats.org/presentationml/2006/main" showMasterSp="0" showMasterPhAnim="0">
-  <p:cSld>
-    <p:spTree>
-      <p:nvGrpSpPr>
-        <p:cNvPr id="1" name="Shape 558"/>
-        <p:cNvGrpSpPr/>
-        <p:nvPr/>
-      </p:nvGrpSpPr>
-      <p:grpSpPr>
-        <a:xfrm>
-          <a:off x="0" y="0"/>
-          <a:ext cx="0" cy="0"/>
-          <a:chOff x="0" y="0"/>
-          <a:chExt cx="0" cy="0"/>
-        </a:xfrm>
-      </p:grpSpPr>
-      <p:sp>
-        <p:nvSpPr>
-          <p:cNvPr id="559" name="Google Shape;559;p37:notes"/>
-          <p:cNvSpPr txBox="1">
-            <a:spLocks noGrp="1"/>
-          </p:cNvSpPr>
-          <p:nvPr>
-            <p:ph type="body" idx="1"/>
-          </p:nvPr>
-        </p:nvSpPr>
-        <p:spPr>
-          <a:xfrm>
-            <a:off x="685800" y="4400550"/>
-            <a:ext cx="5486400" cy="3600450"/>
-          </a:xfrm>
-          <a:prstGeom prst="rect">
-            <a:avLst/>
-          </a:prstGeom>
-        </p:spPr>
-        <p:txBody>
-          <a:bodyPr spcFirstLastPara="1" wrap="square" lIns="91425" tIns="45700" rIns="91425" bIns="45700" anchor="t" anchorCtr="0">
-            <a:noAutofit/>
-          </a:bodyPr>
-          <a:lstStyle/>
-          <a:p>
-            <a:pPr marL="0" lvl="0" indent="0" algn="l" rtl="0">
-              <a:spcBef>
-                <a:spcPts val="0"/>
-              </a:spcBef>
-              <a:spcAft>
-                <a:spcPts val="0"/>
-              </a:spcAft>
-              <a:buNone/>
-            </a:pPr>
-            <a:endParaRPr/>
-          </a:p>
-        </p:txBody>
-      </p:sp>
-      <p:sp>
-        <p:nvSpPr>
-          <p:cNvPr id="560" name="Google Shape;560;p37:notes"/>
-          <p:cNvSpPr>
-            <a:spLocks noGrp="1" noRot="1" noChangeAspect="1"/>
-          </p:cNvSpPr>
-          <p:nvPr>
-            <p:ph type="sldImg" idx="2"/>
-          </p:nvPr>
-        </p:nvSpPr>
-        <p:spPr>
-          <a:xfrm>
-            <a:off x="685800" y="1143000"/>
-            <a:ext cx="5486400" cy="3086100"/>
-          </a:xfrm>
-          <a:custGeom>
-            <a:avLst/>
-            <a:gdLst/>
-            <a:ahLst/>
-            <a:cxnLst/>
-            <a:rect l="l" t="t" r="r" b="b"/>
-            <a:pathLst>
-              <a:path w="120000" h="120000" extrusionOk="0">
-                <a:moveTo>
-                  <a:pt x="0" y="0"/>
-                </a:moveTo>
-                <a:lnTo>
-                  <a:pt x="120000" y="0"/>
-                </a:lnTo>
-                <a:lnTo>
-                  <a:pt x="120000" y="120000"/>
-                </a:lnTo>
-                <a:lnTo>
-                  <a:pt x="0" y="120000"/>
-                </a:lnTo>
-                <a:close/>
-              </a:path>
-            </a:pathLst>
-          </a:custGeom>
-        </p:spPr>
-      </p:sp>
-    </p:spTree>
-  </p:cSld>
-  <p:clrMapOvr>
-    <a:masterClrMapping/>
-  </p:clrMapOvr>
-</p:notes>
-</file>
-
-<file path=ppt/notesSlides/notesSlide34.xml><?xml version="1.0" encoding="utf-8"?>
-<p:notes xmlns:a="http://schemas.openxmlformats.org/drawingml/2006/main" xmlns:r="http://schemas.openxmlformats.org/officeDocument/2006/relationships" xmlns:p="http://schemas.openxmlformats.org/presentationml/2006/main" showMasterSp="0" showMasterPhAnim="0">
-  <p:cSld>
-    <p:spTree>
-      <p:nvGrpSpPr>
-        <p:cNvPr id="1" name="Shape 566"/>
-        <p:cNvGrpSpPr/>
-        <p:nvPr/>
-      </p:nvGrpSpPr>
-      <p:grpSpPr>
-        <a:xfrm>
-          <a:off x="0" y="0"/>
-          <a:ext cx="0" cy="0"/>
-          <a:chOff x="0" y="0"/>
-          <a:chExt cx="0" cy="0"/>
-        </a:xfrm>
-      </p:grpSpPr>
-      <p:sp>
-        <p:nvSpPr>
-          <p:cNvPr id="567" name="Google Shape;567;p38:notes"/>
-          <p:cNvSpPr txBox="1">
-            <a:spLocks noGrp="1"/>
-          </p:cNvSpPr>
-          <p:nvPr>
-            <p:ph type="body" idx="1"/>
-          </p:nvPr>
-        </p:nvSpPr>
-        <p:spPr>
-          <a:xfrm>
-            <a:off x="685800" y="4400550"/>
-            <a:ext cx="5486400" cy="3600450"/>
-          </a:xfrm>
-          <a:prstGeom prst="rect">
-            <a:avLst/>
-          </a:prstGeom>
-        </p:spPr>
-        <p:txBody>
-          <a:bodyPr spcFirstLastPara="1" wrap="square" lIns="91425" tIns="45700" rIns="91425" bIns="45700" anchor="t" anchorCtr="0">
-            <a:noAutofit/>
-          </a:bodyPr>
-          <a:lstStyle/>
-          <a:p>
-            <a:pPr marL="0" lvl="0" indent="0" algn="l" rtl="0">
-              <a:spcBef>
-                <a:spcPts val="0"/>
-              </a:spcBef>
-              <a:spcAft>
-                <a:spcPts val="0"/>
-              </a:spcAft>
-              <a:buNone/>
-            </a:pPr>
-            <a:endParaRPr/>
-          </a:p>
-        </p:txBody>
-      </p:sp>
-      <p:sp>
-        <p:nvSpPr>
-          <p:cNvPr id="568" name="Google Shape;568;p38:notes"/>
-          <p:cNvSpPr>
-            <a:spLocks noGrp="1" noRot="1" noChangeAspect="1"/>
-          </p:cNvSpPr>
-          <p:nvPr>
-            <p:ph type="sldImg" idx="2"/>
-          </p:nvPr>
-        </p:nvSpPr>
-        <p:spPr>
-          <a:xfrm>
-            <a:off x="685800" y="1143000"/>
-            <a:ext cx="5486400" cy="3086100"/>
-          </a:xfrm>
-          <a:custGeom>
-            <a:avLst/>
-            <a:gdLst/>
-            <a:ahLst/>
-            <a:cxnLst/>
-            <a:rect l="l" t="t" r="r" b="b"/>
-            <a:pathLst>
-              <a:path w="120000" h="120000" extrusionOk="0">
-                <a:moveTo>
-                  <a:pt x="0" y="0"/>
-                </a:moveTo>
-                <a:lnTo>
-                  <a:pt x="120000" y="0"/>
-                </a:lnTo>
-                <a:lnTo>
-                  <a:pt x="120000" y="120000"/>
-                </a:lnTo>
-                <a:lnTo>
-                  <a:pt x="0" y="120000"/>
-                </a:lnTo>
-                <a:close/>
-              </a:path>
-            </a:pathLst>
-          </a:custGeom>
-        </p:spPr>
-      </p:sp>
-    </p:spTree>
-  </p:cSld>
-  <p:clrMapOvr>
-    <a:masterClrMapping/>
-  </p:clrMapOvr>
-</p:notes>
-</file>
-
-<file path=ppt/notesSlides/notesSlide35.xml><?xml version="1.0" encoding="utf-8"?>
-<p:notes xmlns:a="http://schemas.openxmlformats.org/drawingml/2006/main" xmlns:r="http://schemas.openxmlformats.org/officeDocument/2006/relationships" xmlns:p="http://schemas.openxmlformats.org/presentationml/2006/main" showMasterSp="0" showMasterPhAnim="0">
-  <p:cSld>
-    <p:spTree>
-      <p:nvGrpSpPr>
-        <p:cNvPr id="1" name="Shape 572"/>
-        <p:cNvGrpSpPr/>
-        <p:nvPr/>
-      </p:nvGrpSpPr>
-      <p:grpSpPr>
-        <a:xfrm>
-          <a:off x="0" y="0"/>
-          <a:ext cx="0" cy="0"/>
-          <a:chOff x="0" y="0"/>
-          <a:chExt cx="0" cy="0"/>
-        </a:xfrm>
-      </p:grpSpPr>
-      <p:sp>
-        <p:nvSpPr>
-          <p:cNvPr id="573" name="Google Shape;573;p39:notes"/>
-          <p:cNvSpPr txBox="1">
-            <a:spLocks noGrp="1"/>
-          </p:cNvSpPr>
-          <p:nvPr>
-            <p:ph type="body" idx="1"/>
-          </p:nvPr>
-        </p:nvSpPr>
-        <p:spPr>
-          <a:xfrm>
-            <a:off x="685800" y="4400550"/>
-            <a:ext cx="5486400" cy="3600450"/>
-          </a:xfrm>
-          <a:prstGeom prst="rect">
-            <a:avLst/>
-          </a:prstGeom>
-        </p:spPr>
-        <p:txBody>
-          <a:bodyPr spcFirstLastPara="1" wrap="square" lIns="91425" tIns="45700" rIns="91425" bIns="45700" anchor="t" anchorCtr="0">
-            <a:noAutofit/>
-          </a:bodyPr>
-          <a:lstStyle/>
-          <a:p>
-            <a:pPr marL="0" lvl="0" indent="0" algn="l" rtl="0">
-              <a:spcBef>
-                <a:spcPts val="0"/>
-              </a:spcBef>
-              <a:spcAft>
-                <a:spcPts val="0"/>
-              </a:spcAft>
-              <a:buNone/>
-            </a:pPr>
-            <a:endParaRPr/>
-          </a:p>
-        </p:txBody>
-      </p:sp>
-      <p:sp>
-        <p:nvSpPr>
-          <p:cNvPr id="574" name="Google Shape;574;p39:notes"/>
-          <p:cNvSpPr>
-            <a:spLocks noGrp="1" noRot="1" noChangeAspect="1"/>
-          </p:cNvSpPr>
-          <p:nvPr>
-            <p:ph type="sldImg" idx="2"/>
-          </p:nvPr>
-        </p:nvSpPr>
-        <p:spPr>
-          <a:xfrm>
-            <a:off x="685800" y="1143000"/>
-            <a:ext cx="5486400" cy="3086100"/>
-          </a:xfrm>
-          <a:custGeom>
-            <a:avLst/>
-            <a:gdLst/>
-            <a:ahLst/>
-            <a:cxnLst/>
-            <a:rect l="l" t="t" r="r" b="b"/>
-            <a:pathLst>
-              <a:path w="120000" h="120000" extrusionOk="0">
-                <a:moveTo>
-                  <a:pt x="0" y="0"/>
-                </a:moveTo>
-                <a:lnTo>
-                  <a:pt x="120000" y="0"/>
-                </a:lnTo>
-                <a:lnTo>
-                  <a:pt x="120000" y="120000"/>
-                </a:lnTo>
-                <a:lnTo>
-                  <a:pt x="0" y="120000"/>
-                </a:lnTo>
-                <a:close/>
-              </a:path>
-            </a:pathLst>
-          </a:custGeom>
-        </p:spPr>
-      </p:sp>
-    </p:spTree>
-  </p:cSld>
-  <p:clrMapOvr>
-    <a:masterClrMapping/>
-  </p:clrMapOvr>
-</p:notes>
-</file>
-
-<file path=ppt/notesSlides/notesSlide36.xml><?xml version="1.0" encoding="utf-8"?>
-<p:notes xmlns:a="http://schemas.openxmlformats.org/drawingml/2006/main" xmlns:r="http://schemas.openxmlformats.org/officeDocument/2006/relationships" xmlns:p="http://schemas.openxmlformats.org/presentationml/2006/main" showMasterSp="0" showMasterPhAnim="0">
-  <p:cSld>
-    <p:spTree>
-      <p:nvGrpSpPr>
-        <p:cNvPr id="1" name="Shape 580"/>
-        <p:cNvGrpSpPr/>
-        <p:nvPr/>
-      </p:nvGrpSpPr>
-      <p:grpSpPr>
-        <a:xfrm>
-          <a:off x="0" y="0"/>
-          <a:ext cx="0" cy="0"/>
-          <a:chOff x="0" y="0"/>
-          <a:chExt cx="0" cy="0"/>
-        </a:xfrm>
-      </p:grpSpPr>
-      <p:sp>
-        <p:nvSpPr>
-          <p:cNvPr id="581" name="Google Shape;581;p40:notes"/>
-          <p:cNvSpPr txBox="1">
-            <a:spLocks noGrp="1"/>
-          </p:cNvSpPr>
-          <p:nvPr>
-            <p:ph type="body" idx="1"/>
-          </p:nvPr>
-        </p:nvSpPr>
-        <p:spPr>
-          <a:xfrm>
-            <a:off x="685800" y="4400550"/>
-            <a:ext cx="5486400" cy="3600450"/>
-          </a:xfrm>
-          <a:prstGeom prst="rect">
-            <a:avLst/>
-          </a:prstGeom>
-        </p:spPr>
-        <p:txBody>
-          <a:bodyPr spcFirstLastPara="1" wrap="square" lIns="91425" tIns="45700" rIns="91425" bIns="45700" anchor="t" anchorCtr="0">
-            <a:noAutofit/>
-          </a:bodyPr>
-          <a:lstStyle/>
-          <a:p>
-            <a:pPr marL="0" lvl="0" indent="0" algn="l" rtl="0">
-              <a:spcBef>
-                <a:spcPts val="0"/>
-              </a:spcBef>
-              <a:spcAft>
-                <a:spcPts val="0"/>
-              </a:spcAft>
-              <a:buNone/>
-            </a:pPr>
-            <a:endParaRPr/>
-          </a:p>
-        </p:txBody>
-      </p:sp>
-      <p:sp>
-        <p:nvSpPr>
-          <p:cNvPr id="582" name="Google Shape;582;p40:notes"/>
-          <p:cNvSpPr>
-            <a:spLocks noGrp="1" noRot="1" noChangeAspect="1"/>
-          </p:cNvSpPr>
-          <p:nvPr>
-            <p:ph type="sldImg" idx="2"/>
-          </p:nvPr>
-        </p:nvSpPr>
-        <p:spPr>
-          <a:xfrm>
-            <a:off x="685800" y="1143000"/>
-            <a:ext cx="5486400" cy="3086100"/>
-          </a:xfrm>
-          <a:custGeom>
-            <a:avLst/>
-            <a:gdLst/>
-            <a:ahLst/>
-            <a:cxnLst/>
-            <a:rect l="l" t="t" r="r" b="b"/>
-            <a:pathLst>
-              <a:path w="120000" h="120000" extrusionOk="0">
-                <a:moveTo>
-                  <a:pt x="0" y="0"/>
-                </a:moveTo>
-                <a:lnTo>
-                  <a:pt x="120000" y="0"/>
-                </a:lnTo>
-                <a:lnTo>
-                  <a:pt x="120000" y="120000"/>
-                </a:lnTo>
-                <a:lnTo>
-                  <a:pt x="0" y="120000"/>
-                </a:lnTo>
-                <a:close/>
-              </a:path>
-            </a:pathLst>
-          </a:custGeom>
-        </p:spPr>
-      </p:sp>
-    </p:spTree>
-  </p:cSld>
-  <p:clrMapOvr>
-    <a:masterClrMapping/>
-  </p:clrMapOvr>
-</p:notes>
-</file>
-
-<file path=ppt/notesSlides/notesSlide37.xml><?xml version="1.0" encoding="utf-8"?>
-<p:notes xmlns:a="http://schemas.openxmlformats.org/drawingml/2006/main" xmlns:r="http://schemas.openxmlformats.org/officeDocument/2006/relationships" xmlns:p="http://schemas.openxmlformats.org/presentationml/2006/main" showMasterSp="0" showMasterPhAnim="0">
-  <p:cSld>
-    <p:spTree>
-      <p:nvGrpSpPr>
-        <p:cNvPr id="1" name="Shape 588"/>
-        <p:cNvGrpSpPr/>
-        <p:nvPr/>
-      </p:nvGrpSpPr>
-      <p:grpSpPr>
-        <a:xfrm>
-          <a:off x="0" y="0"/>
-          <a:ext cx="0" cy="0"/>
-          <a:chOff x="0" y="0"/>
-          <a:chExt cx="0" cy="0"/>
-        </a:xfrm>
-      </p:grpSpPr>
-      <p:sp>
-        <p:nvSpPr>
-          <p:cNvPr id="589" name="Google Shape;589;p41:notes"/>
-          <p:cNvSpPr txBox="1">
-            <a:spLocks noGrp="1"/>
-          </p:cNvSpPr>
-          <p:nvPr>
-            <p:ph type="body" idx="1"/>
-          </p:nvPr>
-        </p:nvSpPr>
-        <p:spPr>
-          <a:xfrm>
-            <a:off x="685800" y="4400550"/>
-            <a:ext cx="5486400" cy="3600450"/>
-          </a:xfrm>
-          <a:prstGeom prst="rect">
-            <a:avLst/>
-          </a:prstGeom>
-        </p:spPr>
-        <p:txBody>
-          <a:bodyPr spcFirstLastPara="1" wrap="square" lIns="91425" tIns="45700" rIns="91425" bIns="45700" anchor="t" anchorCtr="0">
-            <a:noAutofit/>
-          </a:bodyPr>
-          <a:lstStyle/>
-          <a:p>
-            <a:pPr marL="0" lvl="0" indent="0" algn="l" rtl="0">
-              <a:spcBef>
-                <a:spcPts val="0"/>
-              </a:spcBef>
-              <a:spcAft>
-                <a:spcPts val="0"/>
-              </a:spcAft>
-              <a:buNone/>
-            </a:pPr>
-            <a:endParaRPr/>
-          </a:p>
-        </p:txBody>
-      </p:sp>
-      <p:sp>
-        <p:nvSpPr>
-          <p:cNvPr id="590" name="Google Shape;590;p41:notes"/>
-          <p:cNvSpPr>
-            <a:spLocks noGrp="1" noRot="1" noChangeAspect="1"/>
-          </p:cNvSpPr>
-          <p:nvPr>
-            <p:ph type="sldImg" idx="2"/>
-          </p:nvPr>
-        </p:nvSpPr>
-        <p:spPr>
-          <a:xfrm>
-            <a:off x="685800" y="1143000"/>
-            <a:ext cx="5486400" cy="3086100"/>
-          </a:xfrm>
-          <a:custGeom>
-            <a:avLst/>
-            <a:gdLst/>
-            <a:ahLst/>
-            <a:cxnLst/>
-            <a:rect l="l" t="t" r="r" b="b"/>
-            <a:pathLst>
-              <a:path w="120000" h="120000" extrusionOk="0">
-                <a:moveTo>
-                  <a:pt x="0" y="0"/>
-                </a:moveTo>
-                <a:lnTo>
-                  <a:pt x="120000" y="0"/>
-                </a:lnTo>
-                <a:lnTo>
-                  <a:pt x="120000" y="120000"/>
-                </a:lnTo>
-                <a:lnTo>
-                  <a:pt x="0" y="120000"/>
-                </a:lnTo>
-                <a:close/>
-              </a:path>
-            </a:pathLst>
-          </a:custGeom>
-        </p:spPr>
-      </p:sp>
-    </p:spTree>
-  </p:cSld>
-  <p:clrMapOvr>
-    <a:masterClrMapping/>
-  </p:clrMapOvr>
-</p:notes>
-</file>
-
-<file path=ppt/notesSlides/notesSlide38.xml><?xml version="1.0" encoding="utf-8"?>
-<p:notes xmlns:a="http://schemas.openxmlformats.org/drawingml/2006/main" xmlns:r="http://schemas.openxmlformats.org/officeDocument/2006/relationships" xmlns:p="http://schemas.openxmlformats.org/presentationml/2006/main" showMasterSp="0" showMasterPhAnim="0">
-  <p:cSld>
-    <p:spTree>
-      <p:nvGrpSpPr>
-        <p:cNvPr id="1" name="Shape 596"/>
-        <p:cNvGrpSpPr/>
-        <p:nvPr/>
-      </p:nvGrpSpPr>
-      <p:grpSpPr>
-        <a:xfrm>
-          <a:off x="0" y="0"/>
-          <a:ext cx="0" cy="0"/>
-          <a:chOff x="0" y="0"/>
-          <a:chExt cx="0" cy="0"/>
-        </a:xfrm>
-      </p:grpSpPr>
-      <p:sp>
-        <p:nvSpPr>
-          <p:cNvPr id="597" name="Google Shape;597;p42:notes"/>
-          <p:cNvSpPr txBox="1">
-            <a:spLocks noGrp="1"/>
-          </p:cNvSpPr>
-          <p:nvPr>
-            <p:ph type="body" idx="1"/>
-          </p:nvPr>
-        </p:nvSpPr>
-        <p:spPr>
-          <a:xfrm>
-            <a:off x="685800" y="4400550"/>
-            <a:ext cx="5486400" cy="3600450"/>
-          </a:xfrm>
-          <a:prstGeom prst="rect">
-            <a:avLst/>
-          </a:prstGeom>
-        </p:spPr>
-        <p:txBody>
-          <a:bodyPr spcFirstLastPara="1" wrap="square" lIns="91425" tIns="45700" rIns="91425" bIns="45700" anchor="t" anchorCtr="0">
-            <a:noAutofit/>
-          </a:bodyPr>
-          <a:lstStyle/>
-          <a:p>
-            <a:pPr marL="0" lvl="0" indent="0" algn="l" rtl="0">
-              <a:spcBef>
-                <a:spcPts val="0"/>
-              </a:spcBef>
-              <a:spcAft>
-                <a:spcPts val="0"/>
-              </a:spcAft>
-              <a:buNone/>
-            </a:pPr>
-            <a:endParaRPr/>
-          </a:p>
-        </p:txBody>
-      </p:sp>
-      <p:sp>
-        <p:nvSpPr>
-          <p:cNvPr id="598" name="Google Shape;598;p42:notes"/>
-          <p:cNvSpPr>
-            <a:spLocks noGrp="1" noRot="1" noChangeAspect="1"/>
-          </p:cNvSpPr>
-          <p:nvPr>
-            <p:ph type="sldImg" idx="2"/>
-          </p:nvPr>
-        </p:nvSpPr>
-        <p:spPr>
-          <a:xfrm>
-            <a:off x="685800" y="1143000"/>
-            <a:ext cx="5486400" cy="3086100"/>
-          </a:xfrm>
-          <a:custGeom>
-            <a:avLst/>
-            <a:gdLst/>
-            <a:ahLst/>
-            <a:cxnLst/>
-            <a:rect l="l" t="t" r="r" b="b"/>
-            <a:pathLst>
-              <a:path w="120000" h="120000" extrusionOk="0">
-                <a:moveTo>
-                  <a:pt x="0" y="0"/>
-                </a:moveTo>
-                <a:lnTo>
-                  <a:pt x="120000" y="0"/>
-                </a:lnTo>
-                <a:lnTo>
-                  <a:pt x="120000" y="120000"/>
-                </a:lnTo>
-                <a:lnTo>
-                  <a:pt x="0" y="120000"/>
-                </a:lnTo>
-                <a:close/>
-              </a:path>
-            </a:pathLst>
-          </a:custGeom>
-        </p:spPr>
-      </p:sp>
-    </p:spTree>
-  </p:cSld>
-  <p:clrMapOvr>
-    <a:masterClrMapping/>
-  </p:clrMapOvr>
-</p:notes>
-</file>
-
-<file path=ppt/notesSlides/notesSlide39.xml><?xml version="1.0" encoding="utf-8"?>
-<p:notes xmlns:a="http://schemas.openxmlformats.org/drawingml/2006/main" xmlns:r="http://schemas.openxmlformats.org/officeDocument/2006/relationships" xmlns:p="http://schemas.openxmlformats.org/presentationml/2006/main" showMasterSp="0" showMasterPhAnim="0">
-  <p:cSld>
-    <p:spTree>
-      <p:nvGrpSpPr>
-        <p:cNvPr id="1" name="Shape 534"/>
-        <p:cNvGrpSpPr/>
-        <p:nvPr/>
-      </p:nvGrpSpPr>
-      <p:grpSpPr>
-        <a:xfrm>
-          <a:off x="0" y="0"/>
-          <a:ext cx="0" cy="0"/>
-          <a:chOff x="0" y="0"/>
-          <a:chExt cx="0" cy="0"/>
-        </a:xfrm>
-      </p:grpSpPr>
-      <p:sp>
-        <p:nvSpPr>
-          <p:cNvPr id="535" name="Google Shape;535;p35:notes"/>
+          <p:cNvPr id="487" name="Google Shape;487;p31:notes"/>
           <p:cNvSpPr>
             <a:spLocks noGrp="1" noRot="1" noChangeAspect="1"/>
           </p:cNvSpPr>
@@ -6543,7 +5853,7 @@
       </p:sp>
       <p:sp>
         <p:nvSpPr>
-          <p:cNvPr id="536" name="Google Shape;536;p35:notes"/>
+          <p:cNvPr id="488" name="Google Shape;488;p31:notes"/>
           <p:cNvSpPr txBox="1">
             <a:spLocks noGrp="1"/>
           </p:cNvSpPr>
@@ -6579,13 +5889,17 @@
               </a:spcAft>
               <a:buNone/>
             </a:pPr>
+            <a:r>
+              <a:rPr lang="en-US"/>
+              <a:t>You can rearrange to show the final step in sigmoid derivative… </a:t>
+            </a:r>
             <a:endParaRPr/>
           </a:p>
         </p:txBody>
       </p:sp>
       <p:sp>
         <p:nvSpPr>
-          <p:cNvPr id="537" name="Google Shape;537;p35:notes"/>
+          <p:cNvPr id="489" name="Google Shape;489;p31:notes"/>
           <p:cNvSpPr txBox="1">
             <a:spLocks noGrp="1"/>
           </p:cNvSpPr>
@@ -6623,18 +5937,13 @@
             </a:pPr>
             <a:fld id="{00000000-1234-1234-1234-123412341234}" type="slidenum">
               <a:rPr lang="en-US"/>
-              <a:t>39</a:t>
+              <a:t>32</a:t>
             </a:fld>
             <a:endParaRPr/>
           </a:p>
         </p:txBody>
       </p:sp>
     </p:spTree>
-    <p:extLst>
-      <p:ext uri="{BB962C8B-B14F-4D97-AF65-F5344CB8AC3E}">
-        <p14:creationId xmlns:p14="http://schemas.microsoft.com/office/powerpoint/2010/main" val="1290466766"/>
-      </p:ext>
-    </p:extLst>
   </p:cSld>
   <p:clrMapOvr>
     <a:masterClrMapping/>
@@ -6642,12 +5951,12 @@
 </p:notes>
 </file>
 
-<file path=ppt/notesSlides/notesSlide4.xml><?xml version="1.0" encoding="utf-8"?>
+<file path=ppt/notesSlides/notesSlide33.xml><?xml version="1.0" encoding="utf-8"?>
 <p:notes xmlns:a="http://schemas.openxmlformats.org/drawingml/2006/main" xmlns:r="http://schemas.openxmlformats.org/officeDocument/2006/relationships" xmlns:p="http://schemas.openxmlformats.org/presentationml/2006/main" showMasterSp="0" showMasterPhAnim="0">
   <p:cSld>
     <p:spTree>
       <p:nvGrpSpPr>
-        <p:cNvPr id="1" name="Shape 111"/>
+        <p:cNvPr id="1" name="Shape 518"/>
         <p:cNvGrpSpPr/>
         <p:nvPr/>
       </p:nvGrpSpPr>
@@ -6661,7 +5970,7 @@
       </p:grpSpPr>
       <p:sp>
         <p:nvSpPr>
-          <p:cNvPr id="112" name="Google Shape;112;p4:notes"/>
+          <p:cNvPr id="519" name="Google Shape;519;p33:notes"/>
           <p:cNvSpPr txBox="1">
             <a:spLocks noGrp="1"/>
           </p:cNvSpPr>
@@ -6699,7 +6008,7 @@
       </p:sp>
       <p:sp>
         <p:nvSpPr>
-          <p:cNvPr id="113" name="Google Shape;113;p4:notes"/>
+          <p:cNvPr id="520" name="Google Shape;520;p33:notes"/>
           <p:cNvSpPr>
             <a:spLocks noGrp="1" noRot="1" noChangeAspect="1"/>
           </p:cNvSpPr>
@@ -6746,12 +6055,12 @@
 </p:notes>
 </file>
 
-<file path=ppt/notesSlides/notesSlide40.xml><?xml version="1.0" encoding="utf-8"?>
+<file path=ppt/notesSlides/notesSlide34.xml><?xml version="1.0" encoding="utf-8"?>
 <p:notes xmlns:a="http://schemas.openxmlformats.org/drawingml/2006/main" xmlns:r="http://schemas.openxmlformats.org/officeDocument/2006/relationships" xmlns:p="http://schemas.openxmlformats.org/presentationml/2006/main" showMasterSp="0" showMasterPhAnim="0">
   <p:cSld>
     <p:spTree>
       <p:nvGrpSpPr>
-        <p:cNvPr id="1" name="Shape 603"/>
+        <p:cNvPr id="1" name="Shape 558"/>
         <p:cNvGrpSpPr/>
         <p:nvPr/>
       </p:nvGrpSpPr>
@@ -6765,7 +6074,740 @@
       </p:grpSpPr>
       <p:sp>
         <p:nvSpPr>
-          <p:cNvPr id="604" name="Google Shape;604;p43:notes"/>
+          <p:cNvPr id="559" name="Google Shape;559;p37:notes"/>
+          <p:cNvSpPr txBox="1">
+            <a:spLocks noGrp="1"/>
+          </p:cNvSpPr>
+          <p:nvPr>
+            <p:ph type="body" idx="1"/>
+          </p:nvPr>
+        </p:nvSpPr>
+        <p:spPr>
+          <a:xfrm>
+            <a:off x="685800" y="4400550"/>
+            <a:ext cx="5486400" cy="3600450"/>
+          </a:xfrm>
+          <a:prstGeom prst="rect">
+            <a:avLst/>
+          </a:prstGeom>
+        </p:spPr>
+        <p:txBody>
+          <a:bodyPr spcFirstLastPara="1" wrap="square" lIns="91425" tIns="45700" rIns="91425" bIns="45700" anchor="t" anchorCtr="0">
+            <a:noAutofit/>
+          </a:bodyPr>
+          <a:lstStyle/>
+          <a:p>
+            <a:pPr marL="0" lvl="0" indent="0" algn="l" rtl="0">
+              <a:spcBef>
+                <a:spcPts val="0"/>
+              </a:spcBef>
+              <a:spcAft>
+                <a:spcPts val="0"/>
+              </a:spcAft>
+              <a:buNone/>
+            </a:pPr>
+            <a:endParaRPr/>
+          </a:p>
+        </p:txBody>
+      </p:sp>
+      <p:sp>
+        <p:nvSpPr>
+          <p:cNvPr id="560" name="Google Shape;560;p37:notes"/>
+          <p:cNvSpPr>
+            <a:spLocks noGrp="1" noRot="1" noChangeAspect="1"/>
+          </p:cNvSpPr>
+          <p:nvPr>
+            <p:ph type="sldImg" idx="2"/>
+          </p:nvPr>
+        </p:nvSpPr>
+        <p:spPr>
+          <a:xfrm>
+            <a:off x="685800" y="1143000"/>
+            <a:ext cx="5486400" cy="3086100"/>
+          </a:xfrm>
+          <a:custGeom>
+            <a:avLst/>
+            <a:gdLst/>
+            <a:ahLst/>
+            <a:cxnLst/>
+            <a:rect l="l" t="t" r="r" b="b"/>
+            <a:pathLst>
+              <a:path w="120000" h="120000" extrusionOk="0">
+                <a:moveTo>
+                  <a:pt x="0" y="0"/>
+                </a:moveTo>
+                <a:lnTo>
+                  <a:pt x="120000" y="0"/>
+                </a:lnTo>
+                <a:lnTo>
+                  <a:pt x="120000" y="120000"/>
+                </a:lnTo>
+                <a:lnTo>
+                  <a:pt x="0" y="120000"/>
+                </a:lnTo>
+                <a:close/>
+              </a:path>
+            </a:pathLst>
+          </a:custGeom>
+        </p:spPr>
+      </p:sp>
+    </p:spTree>
+  </p:cSld>
+  <p:clrMapOvr>
+    <a:masterClrMapping/>
+  </p:clrMapOvr>
+</p:notes>
+</file>
+
+<file path=ppt/notesSlides/notesSlide35.xml><?xml version="1.0" encoding="utf-8"?>
+<p:notes xmlns:a="http://schemas.openxmlformats.org/drawingml/2006/main" xmlns:r="http://schemas.openxmlformats.org/officeDocument/2006/relationships" xmlns:p="http://schemas.openxmlformats.org/presentationml/2006/main" showMasterSp="0" showMasterPhAnim="0">
+  <p:cSld>
+    <p:spTree>
+      <p:nvGrpSpPr>
+        <p:cNvPr id="1" name="Shape 566"/>
+        <p:cNvGrpSpPr/>
+        <p:nvPr/>
+      </p:nvGrpSpPr>
+      <p:grpSpPr>
+        <a:xfrm>
+          <a:off x="0" y="0"/>
+          <a:ext cx="0" cy="0"/>
+          <a:chOff x="0" y="0"/>
+          <a:chExt cx="0" cy="0"/>
+        </a:xfrm>
+      </p:grpSpPr>
+      <p:sp>
+        <p:nvSpPr>
+          <p:cNvPr id="567" name="Google Shape;567;p38:notes"/>
+          <p:cNvSpPr txBox="1">
+            <a:spLocks noGrp="1"/>
+          </p:cNvSpPr>
+          <p:nvPr>
+            <p:ph type="body" idx="1"/>
+          </p:nvPr>
+        </p:nvSpPr>
+        <p:spPr>
+          <a:xfrm>
+            <a:off x="685800" y="4400550"/>
+            <a:ext cx="5486400" cy="3600450"/>
+          </a:xfrm>
+          <a:prstGeom prst="rect">
+            <a:avLst/>
+          </a:prstGeom>
+        </p:spPr>
+        <p:txBody>
+          <a:bodyPr spcFirstLastPara="1" wrap="square" lIns="91425" tIns="45700" rIns="91425" bIns="45700" anchor="t" anchorCtr="0">
+            <a:noAutofit/>
+          </a:bodyPr>
+          <a:lstStyle/>
+          <a:p>
+            <a:pPr marL="0" lvl="0" indent="0" algn="l" rtl="0">
+              <a:spcBef>
+                <a:spcPts val="0"/>
+              </a:spcBef>
+              <a:spcAft>
+                <a:spcPts val="0"/>
+              </a:spcAft>
+              <a:buNone/>
+            </a:pPr>
+            <a:endParaRPr/>
+          </a:p>
+        </p:txBody>
+      </p:sp>
+      <p:sp>
+        <p:nvSpPr>
+          <p:cNvPr id="568" name="Google Shape;568;p38:notes"/>
+          <p:cNvSpPr>
+            <a:spLocks noGrp="1" noRot="1" noChangeAspect="1"/>
+          </p:cNvSpPr>
+          <p:nvPr>
+            <p:ph type="sldImg" idx="2"/>
+          </p:nvPr>
+        </p:nvSpPr>
+        <p:spPr>
+          <a:xfrm>
+            <a:off x="685800" y="1143000"/>
+            <a:ext cx="5486400" cy="3086100"/>
+          </a:xfrm>
+          <a:custGeom>
+            <a:avLst/>
+            <a:gdLst/>
+            <a:ahLst/>
+            <a:cxnLst/>
+            <a:rect l="l" t="t" r="r" b="b"/>
+            <a:pathLst>
+              <a:path w="120000" h="120000" extrusionOk="0">
+                <a:moveTo>
+                  <a:pt x="0" y="0"/>
+                </a:moveTo>
+                <a:lnTo>
+                  <a:pt x="120000" y="0"/>
+                </a:lnTo>
+                <a:lnTo>
+                  <a:pt x="120000" y="120000"/>
+                </a:lnTo>
+                <a:lnTo>
+                  <a:pt x="0" y="120000"/>
+                </a:lnTo>
+                <a:close/>
+              </a:path>
+            </a:pathLst>
+          </a:custGeom>
+        </p:spPr>
+      </p:sp>
+    </p:spTree>
+  </p:cSld>
+  <p:clrMapOvr>
+    <a:masterClrMapping/>
+  </p:clrMapOvr>
+</p:notes>
+</file>
+
+<file path=ppt/notesSlides/notesSlide36.xml><?xml version="1.0" encoding="utf-8"?>
+<p:notes xmlns:a="http://schemas.openxmlformats.org/drawingml/2006/main" xmlns:r="http://schemas.openxmlformats.org/officeDocument/2006/relationships" xmlns:p="http://schemas.openxmlformats.org/presentationml/2006/main" showMasterSp="0" showMasterPhAnim="0">
+  <p:cSld>
+    <p:spTree>
+      <p:nvGrpSpPr>
+        <p:cNvPr id="1" name="Shape 572"/>
+        <p:cNvGrpSpPr/>
+        <p:nvPr/>
+      </p:nvGrpSpPr>
+      <p:grpSpPr>
+        <a:xfrm>
+          <a:off x="0" y="0"/>
+          <a:ext cx="0" cy="0"/>
+          <a:chOff x="0" y="0"/>
+          <a:chExt cx="0" cy="0"/>
+        </a:xfrm>
+      </p:grpSpPr>
+      <p:sp>
+        <p:nvSpPr>
+          <p:cNvPr id="573" name="Google Shape;573;p39:notes"/>
+          <p:cNvSpPr txBox="1">
+            <a:spLocks noGrp="1"/>
+          </p:cNvSpPr>
+          <p:nvPr>
+            <p:ph type="body" idx="1"/>
+          </p:nvPr>
+        </p:nvSpPr>
+        <p:spPr>
+          <a:xfrm>
+            <a:off x="685800" y="4400550"/>
+            <a:ext cx="5486400" cy="3600450"/>
+          </a:xfrm>
+          <a:prstGeom prst="rect">
+            <a:avLst/>
+          </a:prstGeom>
+        </p:spPr>
+        <p:txBody>
+          <a:bodyPr spcFirstLastPara="1" wrap="square" lIns="91425" tIns="45700" rIns="91425" bIns="45700" anchor="t" anchorCtr="0">
+            <a:noAutofit/>
+          </a:bodyPr>
+          <a:lstStyle/>
+          <a:p>
+            <a:pPr marL="0" lvl="0" indent="0" algn="l" rtl="0">
+              <a:spcBef>
+                <a:spcPts val="0"/>
+              </a:spcBef>
+              <a:spcAft>
+                <a:spcPts val="0"/>
+              </a:spcAft>
+              <a:buNone/>
+            </a:pPr>
+            <a:endParaRPr/>
+          </a:p>
+        </p:txBody>
+      </p:sp>
+      <p:sp>
+        <p:nvSpPr>
+          <p:cNvPr id="574" name="Google Shape;574;p39:notes"/>
+          <p:cNvSpPr>
+            <a:spLocks noGrp="1" noRot="1" noChangeAspect="1"/>
+          </p:cNvSpPr>
+          <p:nvPr>
+            <p:ph type="sldImg" idx="2"/>
+          </p:nvPr>
+        </p:nvSpPr>
+        <p:spPr>
+          <a:xfrm>
+            <a:off x="685800" y="1143000"/>
+            <a:ext cx="5486400" cy="3086100"/>
+          </a:xfrm>
+          <a:custGeom>
+            <a:avLst/>
+            <a:gdLst/>
+            <a:ahLst/>
+            <a:cxnLst/>
+            <a:rect l="l" t="t" r="r" b="b"/>
+            <a:pathLst>
+              <a:path w="120000" h="120000" extrusionOk="0">
+                <a:moveTo>
+                  <a:pt x="0" y="0"/>
+                </a:moveTo>
+                <a:lnTo>
+                  <a:pt x="120000" y="0"/>
+                </a:lnTo>
+                <a:lnTo>
+                  <a:pt x="120000" y="120000"/>
+                </a:lnTo>
+                <a:lnTo>
+                  <a:pt x="0" y="120000"/>
+                </a:lnTo>
+                <a:close/>
+              </a:path>
+            </a:pathLst>
+          </a:custGeom>
+        </p:spPr>
+      </p:sp>
+    </p:spTree>
+  </p:cSld>
+  <p:clrMapOvr>
+    <a:masterClrMapping/>
+  </p:clrMapOvr>
+</p:notes>
+</file>
+
+<file path=ppt/notesSlides/notesSlide37.xml><?xml version="1.0" encoding="utf-8"?>
+<p:notes xmlns:a="http://schemas.openxmlformats.org/drawingml/2006/main" xmlns:r="http://schemas.openxmlformats.org/officeDocument/2006/relationships" xmlns:p="http://schemas.openxmlformats.org/presentationml/2006/main" showMasterSp="0" showMasterPhAnim="0">
+  <p:cSld>
+    <p:spTree>
+      <p:nvGrpSpPr>
+        <p:cNvPr id="1" name="Shape 580"/>
+        <p:cNvGrpSpPr/>
+        <p:nvPr/>
+      </p:nvGrpSpPr>
+      <p:grpSpPr>
+        <a:xfrm>
+          <a:off x="0" y="0"/>
+          <a:ext cx="0" cy="0"/>
+          <a:chOff x="0" y="0"/>
+          <a:chExt cx="0" cy="0"/>
+        </a:xfrm>
+      </p:grpSpPr>
+      <p:sp>
+        <p:nvSpPr>
+          <p:cNvPr id="581" name="Google Shape;581;p40:notes"/>
+          <p:cNvSpPr txBox="1">
+            <a:spLocks noGrp="1"/>
+          </p:cNvSpPr>
+          <p:nvPr>
+            <p:ph type="body" idx="1"/>
+          </p:nvPr>
+        </p:nvSpPr>
+        <p:spPr>
+          <a:xfrm>
+            <a:off x="685800" y="4400550"/>
+            <a:ext cx="5486400" cy="3600450"/>
+          </a:xfrm>
+          <a:prstGeom prst="rect">
+            <a:avLst/>
+          </a:prstGeom>
+        </p:spPr>
+        <p:txBody>
+          <a:bodyPr spcFirstLastPara="1" wrap="square" lIns="91425" tIns="45700" rIns="91425" bIns="45700" anchor="t" anchorCtr="0">
+            <a:noAutofit/>
+          </a:bodyPr>
+          <a:lstStyle/>
+          <a:p>
+            <a:pPr marL="0" lvl="0" indent="0" algn="l" rtl="0">
+              <a:spcBef>
+                <a:spcPts val="0"/>
+              </a:spcBef>
+              <a:spcAft>
+                <a:spcPts val="0"/>
+              </a:spcAft>
+              <a:buNone/>
+            </a:pPr>
+            <a:endParaRPr/>
+          </a:p>
+        </p:txBody>
+      </p:sp>
+      <p:sp>
+        <p:nvSpPr>
+          <p:cNvPr id="582" name="Google Shape;582;p40:notes"/>
+          <p:cNvSpPr>
+            <a:spLocks noGrp="1" noRot="1" noChangeAspect="1"/>
+          </p:cNvSpPr>
+          <p:nvPr>
+            <p:ph type="sldImg" idx="2"/>
+          </p:nvPr>
+        </p:nvSpPr>
+        <p:spPr>
+          <a:xfrm>
+            <a:off x="685800" y="1143000"/>
+            <a:ext cx="5486400" cy="3086100"/>
+          </a:xfrm>
+          <a:custGeom>
+            <a:avLst/>
+            <a:gdLst/>
+            <a:ahLst/>
+            <a:cxnLst/>
+            <a:rect l="l" t="t" r="r" b="b"/>
+            <a:pathLst>
+              <a:path w="120000" h="120000" extrusionOk="0">
+                <a:moveTo>
+                  <a:pt x="0" y="0"/>
+                </a:moveTo>
+                <a:lnTo>
+                  <a:pt x="120000" y="0"/>
+                </a:lnTo>
+                <a:lnTo>
+                  <a:pt x="120000" y="120000"/>
+                </a:lnTo>
+                <a:lnTo>
+                  <a:pt x="0" y="120000"/>
+                </a:lnTo>
+                <a:close/>
+              </a:path>
+            </a:pathLst>
+          </a:custGeom>
+        </p:spPr>
+      </p:sp>
+    </p:spTree>
+  </p:cSld>
+  <p:clrMapOvr>
+    <a:masterClrMapping/>
+  </p:clrMapOvr>
+</p:notes>
+</file>
+
+<file path=ppt/notesSlides/notesSlide38.xml><?xml version="1.0" encoding="utf-8"?>
+<p:notes xmlns:a="http://schemas.openxmlformats.org/drawingml/2006/main" xmlns:r="http://schemas.openxmlformats.org/officeDocument/2006/relationships" xmlns:p="http://schemas.openxmlformats.org/presentationml/2006/main" showMasterSp="0" showMasterPhAnim="0">
+  <p:cSld>
+    <p:spTree>
+      <p:nvGrpSpPr>
+        <p:cNvPr id="1" name="Shape 588"/>
+        <p:cNvGrpSpPr/>
+        <p:nvPr/>
+      </p:nvGrpSpPr>
+      <p:grpSpPr>
+        <a:xfrm>
+          <a:off x="0" y="0"/>
+          <a:ext cx="0" cy="0"/>
+          <a:chOff x="0" y="0"/>
+          <a:chExt cx="0" cy="0"/>
+        </a:xfrm>
+      </p:grpSpPr>
+      <p:sp>
+        <p:nvSpPr>
+          <p:cNvPr id="589" name="Google Shape;589;p41:notes"/>
+          <p:cNvSpPr txBox="1">
+            <a:spLocks noGrp="1"/>
+          </p:cNvSpPr>
+          <p:nvPr>
+            <p:ph type="body" idx="1"/>
+          </p:nvPr>
+        </p:nvSpPr>
+        <p:spPr>
+          <a:xfrm>
+            <a:off x="685800" y="4400550"/>
+            <a:ext cx="5486400" cy="3600450"/>
+          </a:xfrm>
+          <a:prstGeom prst="rect">
+            <a:avLst/>
+          </a:prstGeom>
+        </p:spPr>
+        <p:txBody>
+          <a:bodyPr spcFirstLastPara="1" wrap="square" lIns="91425" tIns="45700" rIns="91425" bIns="45700" anchor="t" anchorCtr="0">
+            <a:noAutofit/>
+          </a:bodyPr>
+          <a:lstStyle/>
+          <a:p>
+            <a:pPr marL="0" lvl="0" indent="0" algn="l" rtl="0">
+              <a:spcBef>
+                <a:spcPts val="0"/>
+              </a:spcBef>
+              <a:spcAft>
+                <a:spcPts val="0"/>
+              </a:spcAft>
+              <a:buNone/>
+            </a:pPr>
+            <a:endParaRPr/>
+          </a:p>
+        </p:txBody>
+      </p:sp>
+      <p:sp>
+        <p:nvSpPr>
+          <p:cNvPr id="590" name="Google Shape;590;p41:notes"/>
+          <p:cNvSpPr>
+            <a:spLocks noGrp="1" noRot="1" noChangeAspect="1"/>
+          </p:cNvSpPr>
+          <p:nvPr>
+            <p:ph type="sldImg" idx="2"/>
+          </p:nvPr>
+        </p:nvSpPr>
+        <p:spPr>
+          <a:xfrm>
+            <a:off x="685800" y="1143000"/>
+            <a:ext cx="5486400" cy="3086100"/>
+          </a:xfrm>
+          <a:custGeom>
+            <a:avLst/>
+            <a:gdLst/>
+            <a:ahLst/>
+            <a:cxnLst/>
+            <a:rect l="l" t="t" r="r" b="b"/>
+            <a:pathLst>
+              <a:path w="120000" h="120000" extrusionOk="0">
+                <a:moveTo>
+                  <a:pt x="0" y="0"/>
+                </a:moveTo>
+                <a:lnTo>
+                  <a:pt x="120000" y="0"/>
+                </a:lnTo>
+                <a:lnTo>
+                  <a:pt x="120000" y="120000"/>
+                </a:lnTo>
+                <a:lnTo>
+                  <a:pt x="0" y="120000"/>
+                </a:lnTo>
+                <a:close/>
+              </a:path>
+            </a:pathLst>
+          </a:custGeom>
+        </p:spPr>
+      </p:sp>
+    </p:spTree>
+  </p:cSld>
+  <p:clrMapOvr>
+    <a:masterClrMapping/>
+  </p:clrMapOvr>
+</p:notes>
+</file>
+
+<file path=ppt/notesSlides/notesSlide39.xml><?xml version="1.0" encoding="utf-8"?>
+<p:notes xmlns:a="http://schemas.openxmlformats.org/drawingml/2006/main" xmlns:r="http://schemas.openxmlformats.org/officeDocument/2006/relationships" xmlns:p="http://schemas.openxmlformats.org/presentationml/2006/main" showMasterSp="0" showMasterPhAnim="0">
+  <p:cSld>
+    <p:spTree>
+      <p:nvGrpSpPr>
+        <p:cNvPr id="1" name="Shape 596"/>
+        <p:cNvGrpSpPr/>
+        <p:nvPr/>
+      </p:nvGrpSpPr>
+      <p:grpSpPr>
+        <a:xfrm>
+          <a:off x="0" y="0"/>
+          <a:ext cx="0" cy="0"/>
+          <a:chOff x="0" y="0"/>
+          <a:chExt cx="0" cy="0"/>
+        </a:xfrm>
+      </p:grpSpPr>
+      <p:sp>
+        <p:nvSpPr>
+          <p:cNvPr id="597" name="Google Shape;597;p42:notes"/>
+          <p:cNvSpPr txBox="1">
+            <a:spLocks noGrp="1"/>
+          </p:cNvSpPr>
+          <p:nvPr>
+            <p:ph type="body" idx="1"/>
+          </p:nvPr>
+        </p:nvSpPr>
+        <p:spPr>
+          <a:xfrm>
+            <a:off x="685800" y="4400550"/>
+            <a:ext cx="5486400" cy="3600450"/>
+          </a:xfrm>
+          <a:prstGeom prst="rect">
+            <a:avLst/>
+          </a:prstGeom>
+        </p:spPr>
+        <p:txBody>
+          <a:bodyPr spcFirstLastPara="1" wrap="square" lIns="91425" tIns="45700" rIns="91425" bIns="45700" anchor="t" anchorCtr="0">
+            <a:noAutofit/>
+          </a:bodyPr>
+          <a:lstStyle/>
+          <a:p>
+            <a:pPr marL="0" lvl="0" indent="0" algn="l" rtl="0">
+              <a:spcBef>
+                <a:spcPts val="0"/>
+              </a:spcBef>
+              <a:spcAft>
+                <a:spcPts val="0"/>
+              </a:spcAft>
+              <a:buNone/>
+            </a:pPr>
+            <a:endParaRPr/>
+          </a:p>
+        </p:txBody>
+      </p:sp>
+      <p:sp>
+        <p:nvSpPr>
+          <p:cNvPr id="598" name="Google Shape;598;p42:notes"/>
+          <p:cNvSpPr>
+            <a:spLocks noGrp="1" noRot="1" noChangeAspect="1"/>
+          </p:cNvSpPr>
+          <p:nvPr>
+            <p:ph type="sldImg" idx="2"/>
+          </p:nvPr>
+        </p:nvSpPr>
+        <p:spPr>
+          <a:xfrm>
+            <a:off x="685800" y="1143000"/>
+            <a:ext cx="5486400" cy="3086100"/>
+          </a:xfrm>
+          <a:custGeom>
+            <a:avLst/>
+            <a:gdLst/>
+            <a:ahLst/>
+            <a:cxnLst/>
+            <a:rect l="l" t="t" r="r" b="b"/>
+            <a:pathLst>
+              <a:path w="120000" h="120000" extrusionOk="0">
+                <a:moveTo>
+                  <a:pt x="0" y="0"/>
+                </a:moveTo>
+                <a:lnTo>
+                  <a:pt x="120000" y="0"/>
+                </a:lnTo>
+                <a:lnTo>
+                  <a:pt x="120000" y="120000"/>
+                </a:lnTo>
+                <a:lnTo>
+                  <a:pt x="0" y="120000"/>
+                </a:lnTo>
+                <a:close/>
+              </a:path>
+            </a:pathLst>
+          </a:custGeom>
+        </p:spPr>
+      </p:sp>
+    </p:spTree>
+  </p:cSld>
+  <p:clrMapOvr>
+    <a:masterClrMapping/>
+  </p:clrMapOvr>
+</p:notes>
+</file>
+
+<file path=ppt/notesSlides/notesSlide4.xml><?xml version="1.0" encoding="utf-8"?>
+<p:notes xmlns:a="http://schemas.openxmlformats.org/drawingml/2006/main" xmlns:r="http://schemas.openxmlformats.org/officeDocument/2006/relationships" xmlns:p="http://schemas.openxmlformats.org/presentationml/2006/main" showMasterSp="0" showMasterPhAnim="0">
+  <p:cSld>
+    <p:spTree>
+      <p:nvGrpSpPr>
+        <p:cNvPr id="1" name="Shape 104"/>
+        <p:cNvGrpSpPr/>
+        <p:nvPr/>
+      </p:nvGrpSpPr>
+      <p:grpSpPr>
+        <a:xfrm>
+          <a:off x="0" y="0"/>
+          <a:ext cx="0" cy="0"/>
+          <a:chOff x="0" y="0"/>
+          <a:chExt cx="0" cy="0"/>
+        </a:xfrm>
+      </p:grpSpPr>
+      <p:sp>
+        <p:nvSpPr>
+          <p:cNvPr id="105" name="Google Shape;105;p3:notes"/>
+          <p:cNvSpPr txBox="1">
+            <a:spLocks noGrp="1"/>
+          </p:cNvSpPr>
+          <p:nvPr>
+            <p:ph type="body" idx="1"/>
+          </p:nvPr>
+        </p:nvSpPr>
+        <p:spPr>
+          <a:xfrm>
+            <a:off x="685800" y="4400550"/>
+            <a:ext cx="5486400" cy="3600450"/>
+          </a:xfrm>
+          <a:prstGeom prst="rect">
+            <a:avLst/>
+          </a:prstGeom>
+        </p:spPr>
+        <p:txBody>
+          <a:bodyPr spcFirstLastPara="1" wrap="square" lIns="91425" tIns="45700" rIns="91425" bIns="45700" anchor="t" anchorCtr="0">
+            <a:noAutofit/>
+          </a:bodyPr>
+          <a:lstStyle/>
+          <a:p>
+            <a:pPr marL="0" lvl="0" indent="0" algn="l" rtl="0">
+              <a:spcBef>
+                <a:spcPts val="0"/>
+              </a:spcBef>
+              <a:spcAft>
+                <a:spcPts val="0"/>
+              </a:spcAft>
+              <a:buNone/>
+            </a:pPr>
+            <a:endParaRPr/>
+          </a:p>
+        </p:txBody>
+      </p:sp>
+      <p:sp>
+        <p:nvSpPr>
+          <p:cNvPr id="106" name="Google Shape;106;p3:notes"/>
+          <p:cNvSpPr>
+            <a:spLocks noGrp="1" noRot="1" noChangeAspect="1"/>
+          </p:cNvSpPr>
+          <p:nvPr>
+            <p:ph type="sldImg" idx="2"/>
+          </p:nvPr>
+        </p:nvSpPr>
+        <p:spPr>
+          <a:xfrm>
+            <a:off x="685800" y="1143000"/>
+            <a:ext cx="5486400" cy="3086100"/>
+          </a:xfrm>
+          <a:custGeom>
+            <a:avLst/>
+            <a:gdLst/>
+            <a:ahLst/>
+            <a:cxnLst/>
+            <a:rect l="l" t="t" r="r" b="b"/>
+            <a:pathLst>
+              <a:path w="120000" h="120000" extrusionOk="0">
+                <a:moveTo>
+                  <a:pt x="0" y="0"/>
+                </a:moveTo>
+                <a:lnTo>
+                  <a:pt x="120000" y="0"/>
+                </a:lnTo>
+                <a:lnTo>
+                  <a:pt x="120000" y="120000"/>
+                </a:lnTo>
+                <a:lnTo>
+                  <a:pt x="0" y="120000"/>
+                </a:lnTo>
+                <a:close/>
+              </a:path>
+            </a:pathLst>
+          </a:custGeom>
+        </p:spPr>
+      </p:sp>
+    </p:spTree>
+    <p:extLst>
+      <p:ext uri="{BB962C8B-B14F-4D97-AF65-F5344CB8AC3E}">
+        <p14:creationId xmlns:p14="http://schemas.microsoft.com/office/powerpoint/2010/main" val="3133295847"/>
+      </p:ext>
+    </p:extLst>
+  </p:cSld>
+  <p:clrMapOvr>
+    <a:masterClrMapping/>
+  </p:clrMapOvr>
+</p:notes>
+</file>
+
+<file path=ppt/notesSlides/notesSlide40.xml><?xml version="1.0" encoding="utf-8"?>
+<p:notes xmlns:a="http://schemas.openxmlformats.org/drawingml/2006/main" xmlns:r="http://schemas.openxmlformats.org/officeDocument/2006/relationships" xmlns:p="http://schemas.openxmlformats.org/presentationml/2006/main" showMasterSp="0" showMasterPhAnim="0">
+  <p:cSld>
+    <p:spTree>
+      <p:nvGrpSpPr>
+        <p:cNvPr id="1" name="Shape 534"/>
+        <p:cNvGrpSpPr/>
+        <p:nvPr/>
+      </p:nvGrpSpPr>
+      <p:grpSpPr>
+        <a:xfrm>
+          <a:off x="0" y="0"/>
+          <a:ext cx="0" cy="0"/>
+          <a:chOff x="0" y="0"/>
+          <a:chExt cx="0" cy="0"/>
+        </a:xfrm>
+      </p:grpSpPr>
+      <p:sp>
+        <p:nvSpPr>
+          <p:cNvPr id="535" name="Google Shape;535;p35:notes"/>
           <p:cNvSpPr>
             <a:spLocks noGrp="1" noRot="1" noChangeAspect="1"/>
           </p:cNvSpPr>
@@ -6816,7 +6858,7 @@
       </p:sp>
       <p:sp>
         <p:nvSpPr>
-          <p:cNvPr id="605" name="Google Shape;605;p43:notes"/>
+          <p:cNvPr id="536" name="Google Shape;536;p35:notes"/>
           <p:cNvSpPr txBox="1">
             <a:spLocks noGrp="1"/>
           </p:cNvSpPr>
@@ -6852,17 +6894,13 @@
               </a:spcAft>
               <a:buNone/>
             </a:pPr>
-            <a:r>
-              <a:rPr lang="en-US"/>
-              <a:t>Note that I don’t expect you to implement a neural network from scratch. This is just to give you an understanding of how they work. </a:t>
-            </a:r>
             <a:endParaRPr/>
           </a:p>
         </p:txBody>
       </p:sp>
       <p:sp>
         <p:nvSpPr>
-          <p:cNvPr id="606" name="Google Shape;606;p43:notes"/>
+          <p:cNvPr id="537" name="Google Shape;537;p35:notes"/>
           <p:cNvSpPr txBox="1">
             <a:spLocks noGrp="1"/>
           </p:cNvSpPr>
@@ -6907,6 +6945,11 @@
         </p:txBody>
       </p:sp>
     </p:spTree>
+    <p:extLst>
+      <p:ext uri="{BB962C8B-B14F-4D97-AF65-F5344CB8AC3E}">
+        <p14:creationId xmlns:p14="http://schemas.microsoft.com/office/powerpoint/2010/main" val="1290466766"/>
+      </p:ext>
+    </p:extLst>
   </p:cSld>
   <p:clrMapOvr>
     <a:masterClrMapping/>
@@ -6914,12 +6957,12 @@
 </p:notes>
 </file>
 
-<file path=ppt/notesSlides/notesSlide5.xml><?xml version="1.0" encoding="utf-8"?>
+<file path=ppt/notesSlides/notesSlide41.xml><?xml version="1.0" encoding="utf-8"?>
 <p:notes xmlns:a="http://schemas.openxmlformats.org/drawingml/2006/main" xmlns:r="http://schemas.openxmlformats.org/officeDocument/2006/relationships" xmlns:p="http://schemas.openxmlformats.org/presentationml/2006/main" showMasterSp="0" showMasterPhAnim="0">
   <p:cSld>
     <p:spTree>
       <p:nvGrpSpPr>
-        <p:cNvPr id="1" name="Shape 118"/>
+        <p:cNvPr id="1" name="Shape 603"/>
         <p:cNvGrpSpPr/>
         <p:nvPr/>
       </p:nvGrpSpPr>
@@ -6933,7 +6976,7 @@
       </p:grpSpPr>
       <p:sp>
         <p:nvSpPr>
-          <p:cNvPr id="119" name="Google Shape;119;p5:notes"/>
+          <p:cNvPr id="604" name="Google Shape;604;p43:notes"/>
           <p:cNvSpPr>
             <a:spLocks noGrp="1" noRot="1" noChangeAspect="1"/>
           </p:cNvSpPr>
@@ -6984,7 +7027,7 @@
       </p:sp>
       <p:sp>
         <p:nvSpPr>
-          <p:cNvPr id="120" name="Google Shape;120;p5:notes"/>
+          <p:cNvPr id="605" name="Google Shape;605;p43:notes"/>
           <p:cNvSpPr txBox="1">
             <a:spLocks noGrp="1"/>
           </p:cNvSpPr>
@@ -7020,13 +7063,17 @@
               </a:spcAft>
               <a:buNone/>
             </a:pPr>
+            <a:r>
+              <a:rPr lang="en-US"/>
+              <a:t>Note that I don’t expect you to implement a neural network from scratch. This is just to give you an understanding of how they work. </a:t>
+            </a:r>
             <a:endParaRPr/>
           </a:p>
         </p:txBody>
       </p:sp>
       <p:sp>
         <p:nvSpPr>
-          <p:cNvPr id="121" name="Google Shape;121;p5:notes"/>
+          <p:cNvPr id="606" name="Google Shape;606;p43:notes"/>
           <p:cNvSpPr txBox="1">
             <a:spLocks noGrp="1"/>
           </p:cNvSpPr>
@@ -7064,11 +7111,115 @@
             </a:pPr>
             <a:fld id="{00000000-1234-1234-1234-123412341234}" type="slidenum">
               <a:rPr lang="en-US"/>
-              <a:t>5</a:t>
+              <a:t>41</a:t>
             </a:fld>
             <a:endParaRPr/>
           </a:p>
         </p:txBody>
+      </p:sp>
+    </p:spTree>
+  </p:cSld>
+  <p:clrMapOvr>
+    <a:masterClrMapping/>
+  </p:clrMapOvr>
+</p:notes>
+</file>
+
+<file path=ppt/notesSlides/notesSlide5.xml><?xml version="1.0" encoding="utf-8"?>
+<p:notes xmlns:a="http://schemas.openxmlformats.org/drawingml/2006/main" xmlns:r="http://schemas.openxmlformats.org/officeDocument/2006/relationships" xmlns:p="http://schemas.openxmlformats.org/presentationml/2006/main" showMasterSp="0" showMasterPhAnim="0">
+  <p:cSld>
+    <p:spTree>
+      <p:nvGrpSpPr>
+        <p:cNvPr id="1" name="Shape 111"/>
+        <p:cNvGrpSpPr/>
+        <p:nvPr/>
+      </p:nvGrpSpPr>
+      <p:grpSpPr>
+        <a:xfrm>
+          <a:off x="0" y="0"/>
+          <a:ext cx="0" cy="0"/>
+          <a:chOff x="0" y="0"/>
+          <a:chExt cx="0" cy="0"/>
+        </a:xfrm>
+      </p:grpSpPr>
+      <p:sp>
+        <p:nvSpPr>
+          <p:cNvPr id="112" name="Google Shape;112;p4:notes"/>
+          <p:cNvSpPr txBox="1">
+            <a:spLocks noGrp="1"/>
+          </p:cNvSpPr>
+          <p:nvPr>
+            <p:ph type="body" idx="1"/>
+          </p:nvPr>
+        </p:nvSpPr>
+        <p:spPr>
+          <a:xfrm>
+            <a:off x="685800" y="4400550"/>
+            <a:ext cx="5486400" cy="3600450"/>
+          </a:xfrm>
+          <a:prstGeom prst="rect">
+            <a:avLst/>
+          </a:prstGeom>
+        </p:spPr>
+        <p:txBody>
+          <a:bodyPr spcFirstLastPara="1" wrap="square" lIns="91425" tIns="45700" rIns="91425" bIns="45700" anchor="t" anchorCtr="0">
+            <a:noAutofit/>
+          </a:bodyPr>
+          <a:lstStyle/>
+          <a:p>
+            <a:pPr marL="0" lvl="0" indent="0" algn="l" rtl="0">
+              <a:spcBef>
+                <a:spcPts val="0"/>
+              </a:spcBef>
+              <a:spcAft>
+                <a:spcPts val="0"/>
+              </a:spcAft>
+              <a:buNone/>
+            </a:pPr>
+            <a:endParaRPr/>
+          </a:p>
+        </p:txBody>
+      </p:sp>
+      <p:sp>
+        <p:nvSpPr>
+          <p:cNvPr id="113" name="Google Shape;113;p4:notes"/>
+          <p:cNvSpPr>
+            <a:spLocks noGrp="1" noRot="1" noChangeAspect="1"/>
+          </p:cNvSpPr>
+          <p:nvPr>
+            <p:ph type="sldImg" idx="2"/>
+          </p:nvPr>
+        </p:nvSpPr>
+        <p:spPr>
+          <a:xfrm>
+            <a:off x="685800" y="1143000"/>
+            <a:ext cx="5486400" cy="3086100"/>
+          </a:xfrm>
+          <a:custGeom>
+            <a:avLst/>
+            <a:gdLst/>
+            <a:ahLst/>
+            <a:cxnLst/>
+            <a:rect l="l" t="t" r="r" b="b"/>
+            <a:pathLst>
+              <a:path w="120000" h="120000" extrusionOk="0">
+                <a:moveTo>
+                  <a:pt x="0" y="0"/>
+                </a:moveTo>
+                <a:lnTo>
+                  <a:pt x="120000" y="0"/>
+                </a:lnTo>
+                <a:lnTo>
+                  <a:pt x="120000" y="120000"/>
+                </a:lnTo>
+                <a:lnTo>
+                  <a:pt x="0" y="120000"/>
+                </a:lnTo>
+                <a:close/>
+              </a:path>
+            </a:pathLst>
+          </a:custGeom>
+        </p:spPr>
       </p:sp>
     </p:spTree>
   </p:cSld>
@@ -7083,7 +7234,7 @@
   <p:cSld>
     <p:spTree>
       <p:nvGrpSpPr>
-        <p:cNvPr id="1" name="Shape 127"/>
+        <p:cNvPr id="1" name="Shape 118"/>
         <p:cNvGrpSpPr/>
         <p:nvPr/>
       </p:nvGrpSpPr>
@@ -7097,7 +7248,7 @@
       </p:grpSpPr>
       <p:sp>
         <p:nvSpPr>
-          <p:cNvPr id="128" name="Google Shape;128;p6:notes"/>
+          <p:cNvPr id="119" name="Google Shape;119;p5:notes"/>
           <p:cNvSpPr>
             <a:spLocks noGrp="1" noRot="1" noChangeAspect="1"/>
           </p:cNvSpPr>
@@ -7148,7 +7299,7 @@
       </p:sp>
       <p:sp>
         <p:nvSpPr>
-          <p:cNvPr id="129" name="Google Shape;129;p6:notes"/>
+          <p:cNvPr id="120" name="Google Shape;120;p5:notes"/>
           <p:cNvSpPr txBox="1">
             <a:spLocks noGrp="1"/>
           </p:cNvSpPr>
@@ -7184,17 +7335,13 @@
               </a:spcAft>
               <a:buNone/>
             </a:pPr>
-            <a:r>
-              <a:rPr lang="en-US"/>
-              <a:t>We define the network structure (layers / nodes / edges) and the activate functions (within each node). Our data, X and Y (inputs and labels) are given. Our goal is then to “learn” the remaining parameters, i.e., the w’s and b’s.</a:t>
-            </a:r>
             <a:endParaRPr/>
           </a:p>
         </p:txBody>
       </p:sp>
       <p:sp>
         <p:nvSpPr>
-          <p:cNvPr id="130" name="Google Shape;130;p6:notes"/>
+          <p:cNvPr id="121" name="Google Shape;121;p5:notes"/>
           <p:cNvSpPr txBox="1">
             <a:spLocks noGrp="1"/>
           </p:cNvSpPr>
@@ -7251,7 +7398,7 @@
   <p:cSld>
     <p:spTree>
       <p:nvGrpSpPr>
-        <p:cNvPr id="1" name="Shape 136"/>
+        <p:cNvPr id="1" name="Shape 127"/>
         <p:cNvGrpSpPr/>
         <p:nvPr/>
       </p:nvGrpSpPr>
@@ -7265,7 +7412,7 @@
       </p:grpSpPr>
       <p:sp>
         <p:nvSpPr>
-          <p:cNvPr id="137" name="Google Shape;137;p7:notes"/>
+          <p:cNvPr id="128" name="Google Shape;128;p6:notes"/>
           <p:cNvSpPr>
             <a:spLocks noGrp="1" noRot="1" noChangeAspect="1"/>
           </p:cNvSpPr>
@@ -7316,7 +7463,7 @@
       </p:sp>
       <p:sp>
         <p:nvSpPr>
-          <p:cNvPr id="138" name="Google Shape;138;p7:notes"/>
+          <p:cNvPr id="129" name="Google Shape;129;p6:notes"/>
           <p:cNvSpPr txBox="1">
             <a:spLocks noGrp="1"/>
           </p:cNvSpPr>
@@ -7353,16 +7500,16 @@
               <a:buNone/>
             </a:pPr>
             <a:r>
-              <a:rPr lang="en-US" dirty="0"/>
-              <a:t>With one neuron this is straightforward math. However, for this to scale, we need to do all of these calculations at each node in parallel (why GPUs are useful). That means matrix multiplication and other such operations.</a:t>
+              <a:rPr lang="en-US"/>
+              <a:t>We define the network structure (layers / nodes / edges) and the activate functions (within each node). Our data, X and Y (inputs and labels) are given. Our goal is then to “learn” the remaining parameters, i.e., the w’s and b’s.</a:t>
             </a:r>
-            <a:endParaRPr dirty="0"/>
+            <a:endParaRPr/>
           </a:p>
         </p:txBody>
       </p:sp>
       <p:sp>
         <p:nvSpPr>
-          <p:cNvPr id="139" name="Google Shape;139;p7:notes"/>
+          <p:cNvPr id="130" name="Google Shape;130;p6:notes"/>
           <p:cNvSpPr txBox="1">
             <a:spLocks noGrp="1"/>
           </p:cNvSpPr>
@@ -7419,7 +7566,7 @@
   <p:cSld>
     <p:spTree>
       <p:nvGrpSpPr>
-        <p:cNvPr id="1" name="Shape 202"/>
+        <p:cNvPr id="1" name="Shape 136"/>
         <p:cNvGrpSpPr/>
         <p:nvPr/>
       </p:nvGrpSpPr>
@@ -7433,7 +7580,7 @@
       </p:grpSpPr>
       <p:sp>
         <p:nvSpPr>
-          <p:cNvPr id="203" name="Google Shape;203;p14:notes"/>
+          <p:cNvPr id="137" name="Google Shape;137;p7:notes"/>
           <p:cNvSpPr>
             <a:spLocks noGrp="1" noRot="1" noChangeAspect="1"/>
           </p:cNvSpPr>
@@ -7484,7 +7631,7 @@
       </p:sp>
       <p:sp>
         <p:nvSpPr>
-          <p:cNvPr id="204" name="Google Shape;204;p14:notes"/>
+          <p:cNvPr id="138" name="Google Shape;138;p7:notes"/>
           <p:cNvSpPr txBox="1">
             <a:spLocks noGrp="1"/>
           </p:cNvSpPr>
@@ -7522,7 +7669,7 @@
             </a:pPr>
             <a:r>
               <a:rPr lang="en-US" dirty="0"/>
-              <a:t>Note, for initial forward pass, we initialize w’s and b’s to small random values (not zero – if we set them all to the same value, e.g., zero, the optimization will fail, because small changes to parameters will have the same effect on the loss for every parameter, meaning the optimizer will update all of the parameters identically, and the optimizer will get stuck). </a:t>
+              <a:t>With one neuron this is straightforward math. However, for this to scale, we need to do all of these calculations at each node in parallel (why GPUs are useful). That means matrix multiplication and other such operations.</a:t>
             </a:r>
             <a:endParaRPr dirty="0"/>
           </a:p>
@@ -7530,7 +7677,7 @@
       </p:sp>
       <p:sp>
         <p:nvSpPr>
-          <p:cNvPr id="205" name="Google Shape;205;p14:notes"/>
+          <p:cNvPr id="139" name="Google Shape;139;p7:notes"/>
           <p:cNvSpPr txBox="1">
             <a:spLocks noGrp="1"/>
           </p:cNvSpPr>
@@ -7575,11 +7722,6 @@
         </p:txBody>
       </p:sp>
     </p:spTree>
-    <p:extLst>
-      <p:ext uri="{BB962C8B-B14F-4D97-AF65-F5344CB8AC3E}">
-        <p14:creationId xmlns:p14="http://schemas.microsoft.com/office/powerpoint/2010/main" val="1374917895"/>
-      </p:ext>
-    </p:extLst>
   </p:cSld>
   <p:clrMapOvr>
     <a:masterClrMapping/>
@@ -7592,7 +7734,7 @@
   <p:cSld>
     <p:spTree>
       <p:nvGrpSpPr>
-        <p:cNvPr id="1" name="Shape 145"/>
+        <p:cNvPr id="1" name="Shape 202"/>
         <p:cNvGrpSpPr/>
         <p:nvPr/>
       </p:nvGrpSpPr>
@@ -7606,146 +7748,7 @@
       </p:grpSpPr>
       <p:sp>
         <p:nvSpPr>
-          <p:cNvPr id="146" name="Google Shape;146;p8:notes"/>
-          <p:cNvSpPr txBox="1">
-            <a:spLocks noGrp="1"/>
-          </p:cNvSpPr>
-          <p:nvPr>
-            <p:ph type="body" idx="1"/>
-          </p:nvPr>
-        </p:nvSpPr>
-        <p:spPr>
-          <a:xfrm>
-            <a:off x="685800" y="4400550"/>
-            <a:ext cx="5486400" cy="3600450"/>
-          </a:xfrm>
-          <a:prstGeom prst="rect">
-            <a:avLst/>
-          </a:prstGeom>
-        </p:spPr>
-        <p:txBody>
-          <a:bodyPr spcFirstLastPara="1" wrap="square" lIns="91425" tIns="45700" rIns="91425" bIns="45700" anchor="t" anchorCtr="0">
-            <a:noAutofit/>
-          </a:bodyPr>
-          <a:lstStyle/>
-          <a:p>
-            <a:pPr marL="0" lvl="0" indent="0" algn="l" rtl="0">
-              <a:spcBef>
-                <a:spcPts val="0"/>
-              </a:spcBef>
-              <a:spcAft>
-                <a:spcPts val="0"/>
-              </a:spcAft>
-              <a:buNone/>
-            </a:pPr>
-            <a:r>
-              <a:rPr lang="en-US" dirty="0"/>
-              <a:t>We may not care too much about the math details, but you may encounter an error that looks like this “shape non-conformity error.”</a:t>
-            </a:r>
-          </a:p>
-          <a:p>
-            <a:pPr marL="0" lvl="0" indent="0" algn="l" rtl="0">
-              <a:spcBef>
-                <a:spcPts val="0"/>
-              </a:spcBef>
-              <a:spcAft>
-                <a:spcPts val="0"/>
-              </a:spcAft>
-              <a:buNone/>
-            </a:pPr>
-            <a:endParaRPr lang="en-US" dirty="0"/>
-          </a:p>
-          <a:p>
-            <a:pPr marL="0" lvl="0" indent="0" algn="l" rtl="0">
-              <a:spcBef>
-                <a:spcPts val="0"/>
-              </a:spcBef>
-              <a:spcAft>
-                <a:spcPts val="0"/>
-              </a:spcAft>
-              <a:buNone/>
-            </a:pPr>
-            <a:r>
-              <a:rPr lang="en-US" dirty="0"/>
-              <a:t>When we do tensor multiplication (x*w), it requires that our data be in a certain format, e.g., is each of our 784 value vectors a row or a column in our matrix? This is important, because matrix multiplication requires conformity in the dimension of the two matrices we are multiplying together. This is important to know because, if you get this wrong, you’ll encounter cryptic error messages about shape non-conformity. </a:t>
-            </a:r>
-          </a:p>
-          <a:p>
-            <a:pPr marL="0" lvl="0" indent="0" algn="l" rtl="0">
-              <a:spcBef>
-                <a:spcPts val="0"/>
-              </a:spcBef>
-              <a:spcAft>
-                <a:spcPts val="0"/>
-              </a:spcAft>
-              <a:buNone/>
-            </a:pPr>
-            <a:endParaRPr lang="en-US" dirty="0"/>
-          </a:p>
-          <a:p>
-            <a:pPr marL="0" lvl="0" indent="0" algn="l" rtl="0">
-              <a:spcBef>
-                <a:spcPts val="0"/>
-              </a:spcBef>
-              <a:spcAft>
-                <a:spcPts val="0"/>
-              </a:spcAft>
-              <a:buNone/>
-            </a:pPr>
-            <a:r>
-              <a:rPr lang="en-US" dirty="0"/>
-              <a:t>So, the weight matrix in a layer is defined by </a:t>
-            </a:r>
-            <a:r>
-              <a:rPr lang="en-US" dirty="0" err="1"/>
-              <a:t>Keras</a:t>
-            </a:r>
-            <a:r>
-              <a:rPr lang="en-US" dirty="0"/>
-              <a:t> to be # input values (columns in our data) * # nodes]. That means our input data needs to be structured as [#</a:t>
-            </a:r>
-            <a:r>
-              <a:rPr lang="en-US" dirty="0" err="1"/>
-              <a:t>obs</a:t>
-            </a:r>
-            <a:r>
-              <a:rPr lang="en-US" dirty="0"/>
-              <a:t> x # input values], i.e., 60,000 x 784…</a:t>
-            </a:r>
-          </a:p>
-          <a:p>
-            <a:pPr marL="0" lvl="0" indent="0" algn="l" rtl="0">
-              <a:spcBef>
-                <a:spcPts val="0"/>
-              </a:spcBef>
-              <a:spcAft>
-                <a:spcPts val="0"/>
-              </a:spcAft>
-              <a:buNone/>
-            </a:pPr>
-            <a:endParaRPr lang="en-US" dirty="0"/>
-          </a:p>
-          <a:p>
-            <a:pPr marL="0" lvl="0" indent="0" algn="l" rtl="0">
-              <a:spcBef>
-                <a:spcPts val="0"/>
-              </a:spcBef>
-              <a:spcAft>
-                <a:spcPts val="0"/>
-              </a:spcAft>
-              <a:buNone/>
-            </a:pPr>
-            <a:r>
-              <a:rPr lang="en-US" dirty="0"/>
-              <a:t>Go through with example of 28x28 images, dimensionality of the matrices, etc. </a:t>
-            </a:r>
-            <a:endParaRPr dirty="0"/>
-          </a:p>
-        </p:txBody>
-      </p:sp>
-      <p:sp>
-        <p:nvSpPr>
-          <p:cNvPr id="147" name="Google Shape;147;p8:notes"/>
+          <p:cNvPr id="203" name="Google Shape;203;p14:notes"/>
           <p:cNvSpPr>
             <a:spLocks noGrp="1" noRot="1" noChangeAspect="1"/>
           </p:cNvSpPr>
@@ -7782,9 +7785,116 @@
               </a:path>
             </a:pathLst>
           </a:custGeom>
-        </p:spPr>
+          <a:noFill/>
+          <a:ln w="12700" cap="flat" cmpd="sng">
+            <a:solidFill>
+              <a:srgbClr val="000000"/>
+            </a:solidFill>
+            <a:prstDash val="solid"/>
+            <a:round/>
+            <a:headEnd type="none" w="sm" len="sm"/>
+            <a:tailEnd type="none" w="sm" len="sm"/>
+          </a:ln>
+        </p:spPr>
+      </p:sp>
+      <p:sp>
+        <p:nvSpPr>
+          <p:cNvPr id="204" name="Google Shape;204;p14:notes"/>
+          <p:cNvSpPr txBox="1">
+            <a:spLocks noGrp="1"/>
+          </p:cNvSpPr>
+          <p:nvPr>
+            <p:ph type="body" idx="1"/>
+          </p:nvPr>
+        </p:nvSpPr>
+        <p:spPr>
+          <a:xfrm>
+            <a:off x="685800" y="4400550"/>
+            <a:ext cx="5486400" cy="3600450"/>
+          </a:xfrm>
+          <a:prstGeom prst="rect">
+            <a:avLst/>
+          </a:prstGeom>
+          <a:noFill/>
+          <a:ln>
+            <a:noFill/>
+          </a:ln>
+        </p:spPr>
+        <p:txBody>
+          <a:bodyPr spcFirstLastPara="1" wrap="square" lIns="91425" tIns="45700" rIns="91425" bIns="45700" anchor="t" anchorCtr="0">
+            <a:noAutofit/>
+          </a:bodyPr>
+          <a:lstStyle/>
+          <a:p>
+            <a:pPr marL="0" lvl="0" indent="0" algn="l" rtl="0">
+              <a:spcBef>
+                <a:spcPts val="0"/>
+              </a:spcBef>
+              <a:spcAft>
+                <a:spcPts val="0"/>
+              </a:spcAft>
+              <a:buNone/>
+            </a:pPr>
+            <a:r>
+              <a:rPr lang="en-US" dirty="0"/>
+              <a:t>Note, for initial forward pass, we initialize w’s and b’s to small random values (not zero – if we set them all to the same value, e.g., zero, the optimization will fail, because small changes to parameters will have the same effect on the loss for every parameter, meaning the optimizer will update all of the parameters identically, and the optimizer will get stuck). </a:t>
+            </a:r>
+            <a:endParaRPr dirty="0"/>
+          </a:p>
+        </p:txBody>
+      </p:sp>
+      <p:sp>
+        <p:nvSpPr>
+          <p:cNvPr id="205" name="Google Shape;205;p14:notes"/>
+          <p:cNvSpPr txBox="1">
+            <a:spLocks noGrp="1"/>
+          </p:cNvSpPr>
+          <p:nvPr>
+            <p:ph type="sldNum" idx="12"/>
+          </p:nvPr>
+        </p:nvSpPr>
+        <p:spPr>
+          <a:xfrm>
+            <a:off x="3884613" y="8685213"/>
+            <a:ext cx="2971800" cy="458787"/>
+          </a:xfrm>
+          <a:prstGeom prst="rect">
+            <a:avLst/>
+          </a:prstGeom>
+          <a:noFill/>
+          <a:ln>
+            <a:noFill/>
+          </a:ln>
+        </p:spPr>
+        <p:txBody>
+          <a:bodyPr spcFirstLastPara="1" wrap="square" lIns="91425" tIns="45700" rIns="91425" bIns="45700" anchor="b" anchorCtr="0">
+            <a:noAutofit/>
+          </a:bodyPr>
+          <a:lstStyle/>
+          <a:p>
+            <a:pPr marL="0" lvl="0" indent="0" algn="r" rtl="0">
+              <a:spcBef>
+                <a:spcPts val="0"/>
+              </a:spcBef>
+              <a:spcAft>
+                <a:spcPts val="0"/>
+              </a:spcAft>
+              <a:buNone/>
+            </a:pPr>
+            <a:fld id="{00000000-1234-1234-1234-123412341234}" type="slidenum">
+              <a:rPr lang="en-US"/>
+              <a:t>9</a:t>
+            </a:fld>
+            <a:endParaRPr/>
+          </a:p>
+        </p:txBody>
       </p:sp>
     </p:spTree>
+    <p:extLst>
+      <p:ext uri="{BB962C8B-B14F-4D97-AF65-F5344CB8AC3E}">
+        <p14:creationId xmlns:p14="http://schemas.microsoft.com/office/powerpoint/2010/main" val="1374917895"/>
+      </p:ext>
+    </p:extLst>
   </p:cSld>
   <p:clrMapOvr>
     <a:masterClrMapping/>
@@ -18287,6 +18397,423 @@
   <p:cSld>
     <p:spTree>
       <p:nvGrpSpPr>
+        <p:cNvPr id="1" name="Shape 148"/>
+        <p:cNvGrpSpPr/>
+        <p:nvPr/>
+      </p:nvGrpSpPr>
+      <p:grpSpPr>
+        <a:xfrm>
+          <a:off x="0" y="0"/>
+          <a:ext cx="0" cy="0"/>
+          <a:chOff x="0" y="0"/>
+          <a:chExt cx="0" cy="0"/>
+        </a:xfrm>
+      </p:grpSpPr>
+      <p:sp>
+        <p:nvSpPr>
+          <p:cNvPr id="149" name="Google Shape;149;p8"/>
+          <p:cNvSpPr txBox="1"/>
+          <p:nvPr/>
+        </p:nvSpPr>
+        <p:spPr>
+          <a:xfrm>
+            <a:off x="1293222" y="633011"/>
+            <a:ext cx="9927771" cy="923289"/>
+          </a:xfrm>
+          <a:prstGeom prst="rect">
+            <a:avLst/>
+          </a:prstGeom>
+          <a:noFill/>
+          <a:ln>
+            <a:noFill/>
+          </a:ln>
+        </p:spPr>
+        <p:txBody>
+          <a:bodyPr spcFirstLastPara="1" wrap="square" lIns="91425" tIns="45700" rIns="91425" bIns="45700" anchor="t" anchorCtr="0">
+            <a:spAutoFit/>
+          </a:bodyPr>
+          <a:lstStyle/>
+          <a:p>
+            <a:pPr marL="0" marR="0" lvl="0" indent="0" algn="ctr" rtl="0">
+              <a:spcBef>
+                <a:spcPts val="0"/>
+              </a:spcBef>
+              <a:spcAft>
+                <a:spcPts val="0"/>
+              </a:spcAft>
+              <a:buNone/>
+            </a:pPr>
+            <a:r>
+              <a:rPr lang="en-US" sz="5400" dirty="0">
+                <a:solidFill>
+                  <a:schemeClr val="dk1"/>
+                </a:solidFill>
+                <a:latin typeface="Economica"/>
+                <a:ea typeface="Economica"/>
+                <a:cs typeface="Economica"/>
+                <a:sym typeface="Economica"/>
+              </a:rPr>
+              <a:t>Matrix (Tensor) Multiplication</a:t>
+            </a:r>
+            <a:endParaRPr dirty="0"/>
+          </a:p>
+        </p:txBody>
+      </p:sp>
+      <p:pic>
+        <p:nvPicPr>
+          <p:cNvPr id="150" name="Google Shape;150;p8"/>
+          <p:cNvPicPr preferRelativeResize="0"/>
+          <p:nvPr/>
+        </p:nvPicPr>
+        <p:blipFill rotWithShape="1">
+          <a:blip r:embed="rId3">
+            <a:alphaModFix/>
+          </a:blip>
+          <a:srcRect/>
+          <a:stretch/>
+        </p:blipFill>
+        <p:spPr>
+          <a:xfrm>
+            <a:off x="6187440" y="1948370"/>
+            <a:ext cx="5395558" cy="4536882"/>
+          </a:xfrm>
+          <a:prstGeom prst="rect">
+            <a:avLst/>
+          </a:prstGeom>
+          <a:noFill/>
+          <a:ln>
+            <a:noFill/>
+          </a:ln>
+          <a:effectLst>
+            <a:outerShdw blurRad="292100" dist="139700" dir="2700000" algn="tl" rotWithShape="0">
+              <a:srgbClr val="333333">
+                <a:alpha val="64705"/>
+              </a:srgbClr>
+            </a:outerShdw>
+          </a:effectLst>
+        </p:spPr>
+      </p:pic>
+      <p:sp>
+        <p:nvSpPr>
+          <p:cNvPr id="151" name="Google Shape;151;p8"/>
+          <p:cNvSpPr txBox="1"/>
+          <p:nvPr/>
+        </p:nvSpPr>
+        <p:spPr>
+          <a:xfrm>
+            <a:off x="843337" y="2340401"/>
+            <a:ext cx="4708378" cy="3600945"/>
+          </a:xfrm>
+          <a:prstGeom prst="rect">
+            <a:avLst/>
+          </a:prstGeom>
+          <a:noFill/>
+          <a:ln>
+            <a:noFill/>
+          </a:ln>
+        </p:spPr>
+        <p:txBody>
+          <a:bodyPr spcFirstLastPara="1" wrap="square" lIns="91425" tIns="45700" rIns="91425" bIns="45700" anchor="t" anchorCtr="0">
+            <a:spAutoFit/>
+          </a:bodyPr>
+          <a:lstStyle/>
+          <a:p>
+            <a:pPr marL="0" marR="0" lvl="0" indent="0" algn="l" rtl="0">
+              <a:spcBef>
+                <a:spcPts val="0"/>
+              </a:spcBef>
+              <a:spcAft>
+                <a:spcPts val="0"/>
+              </a:spcAft>
+              <a:buNone/>
+            </a:pPr>
+            <a:r>
+              <a:rPr lang="en-US" sz="2000" b="1" dirty="0">
+                <a:solidFill>
+                  <a:schemeClr val="dk1"/>
+                </a:solidFill>
+                <a:latin typeface="Quicksand"/>
+                <a:ea typeface="Quicksand"/>
+                <a:cs typeface="Quicksand"/>
+                <a:sym typeface="Quicksand"/>
+              </a:rPr>
+              <a:t>We calculate all x’s * w’s at once via matrix multiplication, i.e., W</a:t>
+            </a:r>
+            <a:r>
+              <a:rPr lang="en-US" sz="2000" b="1" baseline="30000" dirty="0">
+                <a:solidFill>
+                  <a:schemeClr val="dk1"/>
+                </a:solidFill>
+                <a:latin typeface="Quicksand"/>
+                <a:ea typeface="Quicksand"/>
+                <a:cs typeface="Quicksand"/>
+                <a:sym typeface="Quicksand"/>
+              </a:rPr>
+              <a:t>T</a:t>
+            </a:r>
+            <a:r>
+              <a:rPr lang="en-US" sz="2000" b="1" dirty="0">
+                <a:solidFill>
+                  <a:schemeClr val="dk1"/>
+                </a:solidFill>
+                <a:latin typeface="Quicksand"/>
+                <a:ea typeface="Quicksand"/>
+                <a:cs typeface="Quicksand"/>
+                <a:sym typeface="Quicksand"/>
+              </a:rPr>
+              <a:t>*X</a:t>
+            </a:r>
+          </a:p>
+          <a:p>
+            <a:pPr marL="0" marR="0" lvl="0" indent="0" algn="l" rtl="0">
+              <a:spcBef>
+                <a:spcPts val="0"/>
+              </a:spcBef>
+              <a:spcAft>
+                <a:spcPts val="0"/>
+              </a:spcAft>
+              <a:buNone/>
+            </a:pPr>
+            <a:endParaRPr sz="2000" b="1" dirty="0">
+              <a:solidFill>
+                <a:schemeClr val="dk1"/>
+              </a:solidFill>
+              <a:latin typeface="Quicksand"/>
+              <a:ea typeface="Quicksand"/>
+              <a:cs typeface="Quicksand"/>
+              <a:sym typeface="Quicksand"/>
+            </a:endParaRPr>
+          </a:p>
+          <a:p>
+            <a:pPr marL="0" marR="0" lvl="0" indent="0" algn="l" rtl="0">
+              <a:spcBef>
+                <a:spcPts val="0"/>
+              </a:spcBef>
+              <a:spcAft>
+                <a:spcPts val="0"/>
+              </a:spcAft>
+              <a:buNone/>
+            </a:pPr>
+            <a:r>
+              <a:rPr lang="en-US" sz="2000" b="1" dirty="0">
+                <a:solidFill>
+                  <a:schemeClr val="dk1"/>
+                </a:solidFill>
+                <a:latin typeface="Quicksand"/>
+                <a:ea typeface="Quicksand"/>
+                <a:cs typeface="Quicksand"/>
+                <a:sym typeface="Quicksand"/>
+              </a:rPr>
+              <a:t>Elements of the Resulting Matrix are the Dot Products of X’s Rows and Y’s Columns</a:t>
+            </a:r>
+            <a:endParaRPr sz="1400" dirty="0">
+              <a:solidFill>
+                <a:schemeClr val="dk1"/>
+              </a:solidFill>
+              <a:latin typeface="Quicksand"/>
+              <a:ea typeface="Quicksand"/>
+              <a:cs typeface="Quicksand"/>
+              <a:sym typeface="Quicksand"/>
+            </a:endParaRPr>
+          </a:p>
+          <a:p>
+            <a:pPr marL="628650" marR="0" lvl="1" indent="-171450" algn="l" rtl="0">
+              <a:spcBef>
+                <a:spcPts val="0"/>
+              </a:spcBef>
+              <a:spcAft>
+                <a:spcPts val="0"/>
+              </a:spcAft>
+              <a:buClr>
+                <a:schemeClr val="dk1"/>
+              </a:buClr>
+              <a:buSzPts val="2000"/>
+              <a:buFont typeface="Arial"/>
+              <a:buChar char="•"/>
+            </a:pPr>
+            <a:r>
+              <a:rPr lang="en-US" sz="2000" dirty="0">
+                <a:solidFill>
+                  <a:schemeClr val="dk1"/>
+                </a:solidFill>
+                <a:latin typeface="Quicksand"/>
+                <a:ea typeface="Quicksand"/>
+                <a:cs typeface="Quicksand"/>
+                <a:sym typeface="Quicksand"/>
+              </a:rPr>
+              <a:t>Y</a:t>
+            </a:r>
+            <a:r>
+              <a:rPr lang="en-US" sz="2000" b="0" i="0" u="none" strike="noStrike" cap="none" dirty="0">
+                <a:solidFill>
+                  <a:schemeClr val="dk1"/>
+                </a:solidFill>
+                <a:latin typeface="Quicksand"/>
+                <a:ea typeface="Quicksand"/>
+                <a:cs typeface="Quicksand"/>
+                <a:sym typeface="Quicksand"/>
+              </a:rPr>
+              <a:t>[2,2] = W</a:t>
+            </a:r>
+            <a:r>
+              <a:rPr lang="en-US" sz="2000" b="0" i="0" u="none" strike="noStrike" cap="none" baseline="30000" dirty="0">
+                <a:solidFill>
+                  <a:schemeClr val="dk1"/>
+                </a:solidFill>
+                <a:latin typeface="Quicksand"/>
+                <a:ea typeface="Quicksand"/>
+                <a:cs typeface="Quicksand"/>
+                <a:sym typeface="Quicksand"/>
+              </a:rPr>
+              <a:t>T</a:t>
+            </a:r>
+            <a:r>
+              <a:rPr lang="en-US" sz="2000" b="0" i="0" u="none" strike="noStrike" cap="none" dirty="0">
+                <a:solidFill>
+                  <a:schemeClr val="dk1"/>
+                </a:solidFill>
+                <a:latin typeface="Quicksand"/>
+                <a:ea typeface="Quicksand"/>
+                <a:cs typeface="Quicksand"/>
+                <a:sym typeface="Quicksand"/>
+              </a:rPr>
+              <a:t>[2,:] · X[:,2]</a:t>
+            </a:r>
+          </a:p>
+          <a:p>
+            <a:pPr marL="457200" marR="0" lvl="1" algn="l" rtl="0">
+              <a:spcBef>
+                <a:spcPts val="0"/>
+              </a:spcBef>
+              <a:spcAft>
+                <a:spcPts val="0"/>
+              </a:spcAft>
+              <a:buClr>
+                <a:schemeClr val="dk1"/>
+              </a:buClr>
+              <a:buSzPts val="2000"/>
+            </a:pPr>
+            <a:endParaRPr lang="en-US" dirty="0">
+              <a:ea typeface="Quicksand"/>
+            </a:endParaRPr>
+          </a:p>
+          <a:p>
+            <a:pPr marL="0" marR="0" lvl="0" indent="0" algn="l" rtl="0">
+              <a:spcBef>
+                <a:spcPts val="0"/>
+              </a:spcBef>
+              <a:spcAft>
+                <a:spcPts val="0"/>
+              </a:spcAft>
+              <a:buNone/>
+            </a:pPr>
+            <a:r>
+              <a:rPr lang="en-US" sz="2000" b="1" dirty="0">
+                <a:solidFill>
+                  <a:srgbClr val="FF0000"/>
+                </a:solidFill>
+                <a:latin typeface="Quicksand"/>
+                <a:ea typeface="Quicksand"/>
+                <a:cs typeface="Quicksand"/>
+                <a:sym typeface="Quicksand"/>
+              </a:rPr>
+              <a:t>If you get a cryptic error message about shapes not conforming, it is referring to this. </a:t>
+            </a:r>
+          </a:p>
+          <a:p>
+            <a:pPr marL="171450" marR="0" lvl="0" indent="-82550" algn="l" rtl="0">
+              <a:spcBef>
+                <a:spcPts val="0"/>
+              </a:spcBef>
+              <a:spcAft>
+                <a:spcPts val="0"/>
+              </a:spcAft>
+              <a:buClr>
+                <a:schemeClr val="dk1"/>
+              </a:buClr>
+              <a:buSzPts val="1400"/>
+              <a:buFont typeface="Arial"/>
+              <a:buNone/>
+            </a:pPr>
+            <a:endParaRPr sz="1400" dirty="0">
+              <a:solidFill>
+                <a:schemeClr val="dk1"/>
+              </a:solidFill>
+              <a:latin typeface="Quicksand"/>
+              <a:ea typeface="Quicksand"/>
+              <a:cs typeface="Quicksand"/>
+              <a:sym typeface="Quicksand"/>
+            </a:endParaRPr>
+          </a:p>
+        </p:txBody>
+      </p:sp>
+      <p:sp>
+        <p:nvSpPr>
+          <p:cNvPr id="152" name="Google Shape;152;p8"/>
+          <p:cNvSpPr txBox="1"/>
+          <p:nvPr/>
+        </p:nvSpPr>
+        <p:spPr>
+          <a:xfrm>
+            <a:off x="129249" y="1752355"/>
+            <a:ext cx="4708378" cy="392029"/>
+          </a:xfrm>
+          <a:prstGeom prst="rect">
+            <a:avLst/>
+          </a:prstGeom>
+          <a:blipFill rotWithShape="1">
+            <a:blip r:embed="rId4">
+              <a:alphaModFix/>
+            </a:blip>
+            <a:stretch>
+              <a:fillRect b="-7999"/>
+            </a:stretch>
+          </a:blipFill>
+          <a:ln>
+            <a:noFill/>
+          </a:ln>
+        </p:spPr>
+        <p:txBody>
+          <a:bodyPr spcFirstLastPara="1" wrap="square" lIns="91425" tIns="45700" rIns="91425" bIns="45700" anchor="t" anchorCtr="0">
+            <a:noAutofit/>
+          </a:bodyPr>
+          <a:lstStyle/>
+          <a:p>
+            <a:pPr marL="0" marR="0" lvl="0" indent="0" algn="l" rtl="0">
+              <a:spcBef>
+                <a:spcPts val="0"/>
+              </a:spcBef>
+              <a:spcAft>
+                <a:spcPts val="0"/>
+              </a:spcAft>
+              <a:buNone/>
+            </a:pPr>
+            <a:r>
+              <a:rPr lang="en-US" sz="1800">
+                <a:latin typeface="Calibri"/>
+                <a:ea typeface="Calibri"/>
+                <a:cs typeface="Calibri"/>
+                <a:sym typeface="Calibri"/>
+              </a:rPr>
+              <a:t> </a:t>
+            </a:r>
+            <a:endParaRPr/>
+          </a:p>
+        </p:txBody>
+      </p:sp>
+    </p:spTree>
+  </p:cSld>
+  <p:clrMapOvr>
+    <a:masterClrMapping/>
+  </p:clrMapOvr>
+</p:sld>
+</file>
+
+<file path=ppt/slides/slide11.xml><?xml version="1.0" encoding="utf-8"?>
+<p:sld xmlns:a="http://schemas.openxmlformats.org/drawingml/2006/main" xmlns:r="http://schemas.openxmlformats.org/officeDocument/2006/relationships" xmlns:p="http://schemas.openxmlformats.org/presentationml/2006/main">
+  <p:cSld>
+    <p:spTree>
+      <p:nvGrpSpPr>
         <p:cNvPr id="1" name="Shape 157"/>
         <p:cNvGrpSpPr/>
         <p:nvPr/>
@@ -18736,7 +19263,7 @@
 </p:sld>
 </file>
 
-<file path=ppt/slides/slide11.xml><?xml version="1.0" encoding="utf-8"?>
+<file path=ppt/slides/slide12.xml><?xml version="1.0" encoding="utf-8"?>
 <p:sld xmlns:a="http://schemas.openxmlformats.org/drawingml/2006/main" xmlns:r="http://schemas.openxmlformats.org/officeDocument/2006/relationships" xmlns:p="http://schemas.openxmlformats.org/presentationml/2006/main">
   <p:cSld>
     <p:spTree>
@@ -18892,7 +19419,7 @@
 </p:sld>
 </file>
 
-<file path=ppt/slides/slide12.xml><?xml version="1.0" encoding="utf-8"?>
+<file path=ppt/slides/slide13.xml><?xml version="1.0" encoding="utf-8"?>
 <p:sld xmlns:a="http://schemas.openxmlformats.org/drawingml/2006/main" xmlns:r="http://schemas.openxmlformats.org/officeDocument/2006/relationships" xmlns:p="http://schemas.openxmlformats.org/presentationml/2006/main">
   <p:cSld>
     <p:spTree>
@@ -19267,7 +19794,7 @@
 </p:sld>
 </file>
 
-<file path=ppt/slides/slide13.xml><?xml version="1.0" encoding="utf-8"?>
+<file path=ppt/slides/slide14.xml><?xml version="1.0" encoding="utf-8"?>
 <p:sld xmlns:a="http://schemas.openxmlformats.org/drawingml/2006/main" xmlns:r="http://schemas.openxmlformats.org/officeDocument/2006/relationships" xmlns:p="http://schemas.openxmlformats.org/presentationml/2006/main">
   <p:cSld>
     <p:spTree>
@@ -19555,7 +20082,7 @@
 </p:sld>
 </file>
 
-<file path=ppt/slides/slide14.xml><?xml version="1.0" encoding="utf-8"?>
+<file path=ppt/slides/slide15.xml><?xml version="1.0" encoding="utf-8"?>
 <p:sld xmlns:a="http://schemas.openxmlformats.org/drawingml/2006/main" xmlns:r="http://schemas.openxmlformats.org/officeDocument/2006/relationships" xmlns:p="http://schemas.openxmlformats.org/presentationml/2006/main">
   <p:cSld>
     <p:spTree>
@@ -19918,7 +20445,7 @@
 </p:sld>
 </file>
 
-<file path=ppt/slides/slide15.xml><?xml version="1.0" encoding="utf-8"?>
+<file path=ppt/slides/slide16.xml><?xml version="1.0" encoding="utf-8"?>
 <p:sld xmlns:a="http://schemas.openxmlformats.org/drawingml/2006/main" xmlns:r="http://schemas.openxmlformats.org/officeDocument/2006/relationships" xmlns:p="http://schemas.openxmlformats.org/presentationml/2006/main">
   <p:cSld>
     <p:spTree>
@@ -19975,7 +20502,7 @@
             </a:pPr>
             <a:fld id="{00000000-1234-1234-1234-123412341234}" type="slidenum">
               <a:rPr lang="en-US"/>
-              <a:t>15</a:t>
+              <a:t>16</a:t>
             </a:fld>
             <a:endParaRPr/>
           </a:p>
@@ -20118,7 +20645,7 @@
 </p:sld>
 </file>
 
-<file path=ppt/slides/slide16.xml><?xml version="1.0" encoding="utf-8"?>
+<file path=ppt/slides/slide17.xml><?xml version="1.0" encoding="utf-8"?>
 <p:sld xmlns:a="http://schemas.openxmlformats.org/drawingml/2006/main" xmlns:r="http://schemas.openxmlformats.org/officeDocument/2006/relationships" xmlns:p="http://schemas.openxmlformats.org/presentationml/2006/main">
   <p:cSld>
     <p:spTree>
@@ -20726,7 +21253,7 @@
 </p:sld>
 </file>
 
-<file path=ppt/slides/slide17.xml><?xml version="1.0" encoding="utf-8"?>
+<file path=ppt/slides/slide18.xml><?xml version="1.0" encoding="utf-8"?>
 <p:sld xmlns:a="http://schemas.openxmlformats.org/drawingml/2006/main" xmlns:r="http://schemas.openxmlformats.org/officeDocument/2006/relationships" xmlns:p="http://schemas.openxmlformats.org/presentationml/2006/main">
   <p:cSld>
     <p:bg>
@@ -20791,7 +21318,7 @@
             </a:pPr>
             <a:fld id="{00000000-1234-1234-1234-123412341234}" type="slidenum">
               <a:rPr lang="en-US"/>
-              <a:t>17</a:t>
+              <a:t>18</a:t>
             </a:fld>
             <a:endParaRPr/>
           </a:p>
@@ -21090,7 +21617,7 @@
 </p:sld>
 </file>
 
-<file path=ppt/slides/slide18.xml><?xml version="1.0" encoding="utf-8"?>
+<file path=ppt/slides/slide19.xml><?xml version="1.0" encoding="utf-8"?>
 <p:sld xmlns:a="http://schemas.openxmlformats.org/drawingml/2006/main" xmlns:r="http://schemas.openxmlformats.org/officeDocument/2006/relationships" xmlns:p="http://schemas.openxmlformats.org/presentationml/2006/main">
   <p:cSld>
     <p:spTree>
@@ -21147,7 +21674,7 @@
             </a:pPr>
             <a:fld id="{00000000-1234-1234-1234-123412341234}" type="slidenum">
               <a:rPr lang="en-US"/>
-              <a:t>18</a:t>
+              <a:t>19</a:t>
             </a:fld>
             <a:endParaRPr/>
           </a:p>
@@ -21282,189 +21809,6 @@
           </a:p>
         </p:txBody>
       </p:sp>
-    </p:spTree>
-  </p:cSld>
-  <p:clrMapOvr>
-    <a:masterClrMapping/>
-  </p:clrMapOvr>
-</p:sld>
-</file>
-
-<file path=ppt/slides/slide19.xml><?xml version="1.0" encoding="utf-8"?>
-<p:sld xmlns:a="http://schemas.openxmlformats.org/drawingml/2006/main" xmlns:r="http://schemas.openxmlformats.org/officeDocument/2006/relationships" xmlns:p="http://schemas.openxmlformats.org/presentationml/2006/main">
-  <p:cSld>
-    <p:bg>
-      <p:bgPr>
-        <a:solidFill>
-          <a:srgbClr val="FDFDFD"/>
-        </a:solidFill>
-        <a:effectLst/>
-      </p:bgPr>
-    </p:bg>
-    <p:spTree>
-      <p:nvGrpSpPr>
-        <p:cNvPr id="1" name="Shape 263"/>
-        <p:cNvGrpSpPr/>
-        <p:nvPr/>
-      </p:nvGrpSpPr>
-      <p:grpSpPr>
-        <a:xfrm>
-          <a:off x="0" y="0"/>
-          <a:ext cx="0" cy="0"/>
-          <a:chOff x="0" y="0"/>
-          <a:chExt cx="0" cy="0"/>
-        </a:xfrm>
-      </p:grpSpPr>
-      <p:sp>
-        <p:nvSpPr>
-          <p:cNvPr id="264" name="Google Shape;264;p19"/>
-          <p:cNvSpPr txBox="1">
-            <a:spLocks noGrp="1"/>
-          </p:cNvSpPr>
-          <p:nvPr>
-            <p:ph type="sldNum" idx="12"/>
-          </p:nvPr>
-        </p:nvSpPr>
-        <p:spPr>
-          <a:xfrm>
-            <a:off x="8610600" y="6356350"/>
-            <a:ext cx="2743200" cy="365125"/>
-          </a:xfrm>
-          <a:prstGeom prst="rect">
-            <a:avLst/>
-          </a:prstGeom>
-          <a:noFill/>
-          <a:ln>
-            <a:noFill/>
-          </a:ln>
-        </p:spPr>
-        <p:txBody>
-          <a:bodyPr spcFirstLastPara="1" wrap="square" lIns="91425" tIns="45700" rIns="91425" bIns="45700" anchor="ctr" anchorCtr="0">
-            <a:noAutofit/>
-          </a:bodyPr>
-          <a:lstStyle/>
-          <a:p>
-            <a:pPr marL="0" lvl="0" indent="0" algn="r" rtl="0">
-              <a:spcBef>
-                <a:spcPts val="0"/>
-              </a:spcBef>
-              <a:spcAft>
-                <a:spcPts val="0"/>
-              </a:spcAft>
-              <a:buNone/>
-            </a:pPr>
-            <a:fld id="{00000000-1234-1234-1234-123412341234}" type="slidenum">
-              <a:rPr lang="en-US"/>
-              <a:t>19</a:t>
-            </a:fld>
-            <a:endParaRPr/>
-          </a:p>
-        </p:txBody>
-      </p:sp>
-      <p:sp>
-        <p:nvSpPr>
-          <p:cNvPr id="265" name="Google Shape;265;p19"/>
-          <p:cNvSpPr txBox="1"/>
-          <p:nvPr/>
-        </p:nvSpPr>
-        <p:spPr>
-          <a:xfrm>
-            <a:off x="2539315" y="419870"/>
-            <a:ext cx="7113363" cy="923330"/>
-          </a:xfrm>
-          <a:prstGeom prst="rect">
-            <a:avLst/>
-          </a:prstGeom>
-          <a:noFill/>
-          <a:ln>
-            <a:noFill/>
-          </a:ln>
-        </p:spPr>
-        <p:txBody>
-          <a:bodyPr spcFirstLastPara="1" wrap="square" lIns="91425" tIns="45700" rIns="91425" bIns="45700" anchor="t" anchorCtr="0">
-            <a:spAutoFit/>
-          </a:bodyPr>
-          <a:lstStyle/>
-          <a:p>
-            <a:pPr marL="0" marR="0" lvl="0" indent="0" algn="ctr" rtl="0">
-              <a:spcBef>
-                <a:spcPts val="0"/>
-              </a:spcBef>
-              <a:spcAft>
-                <a:spcPts val="0"/>
-              </a:spcAft>
-              <a:buNone/>
-            </a:pPr>
-            <a:r>
-              <a:rPr lang="en-US" sz="5400" dirty="0">
-                <a:solidFill>
-                  <a:schemeClr val="dk1"/>
-                </a:solidFill>
-                <a:latin typeface="Economica"/>
-                <a:ea typeface="Economica"/>
-                <a:cs typeface="Economica"/>
-                <a:sym typeface="Economica"/>
-              </a:rPr>
-              <a:t>Derivative = Rate of Change</a:t>
-            </a:r>
-            <a:endParaRPr dirty="0"/>
-          </a:p>
-        </p:txBody>
-      </p:sp>
-      <p:pic>
-        <p:nvPicPr>
-          <p:cNvPr id="266" name="Google Shape;266;p19"/>
-          <p:cNvPicPr preferRelativeResize="0"/>
-          <p:nvPr/>
-        </p:nvPicPr>
-        <p:blipFill rotWithShape="1">
-          <a:blip r:embed="rId3">
-            <a:alphaModFix/>
-          </a:blip>
-          <a:srcRect/>
-          <a:stretch/>
-        </p:blipFill>
-        <p:spPr>
-          <a:xfrm>
-            <a:off x="1573563" y="2883195"/>
-            <a:ext cx="3733800" cy="2171700"/>
-          </a:xfrm>
-          <a:prstGeom prst="rect">
-            <a:avLst/>
-          </a:prstGeom>
-          <a:noFill/>
-          <a:ln>
-            <a:noFill/>
-          </a:ln>
-        </p:spPr>
-      </p:pic>
-      <p:pic>
-        <p:nvPicPr>
-          <p:cNvPr id="267" name="Google Shape;267;p19"/>
-          <p:cNvPicPr preferRelativeResize="0"/>
-          <p:nvPr/>
-        </p:nvPicPr>
-        <p:blipFill rotWithShape="1">
-          <a:blip r:embed="rId4">
-            <a:alphaModFix/>
-          </a:blip>
-          <a:srcRect/>
-          <a:stretch/>
-        </p:blipFill>
-        <p:spPr>
-          <a:xfrm>
-            <a:off x="7035248" y="2438695"/>
-            <a:ext cx="3733800" cy="2616200"/>
-          </a:xfrm>
-          <a:prstGeom prst="rect">
-            <a:avLst/>
-          </a:prstGeom>
-          <a:noFill/>
-          <a:ln>
-            <a:noFill/>
-          </a:ln>
-        </p:spPr>
-      </p:pic>
     </p:spTree>
   </p:cSld>
   <p:clrMapOvr>
@@ -21978,6 +22322,189 @@
 <file path=ppt/slides/slide20.xml><?xml version="1.0" encoding="utf-8"?>
 <p:sld xmlns:a="http://schemas.openxmlformats.org/drawingml/2006/main" xmlns:r="http://schemas.openxmlformats.org/officeDocument/2006/relationships" xmlns:p="http://schemas.openxmlformats.org/presentationml/2006/main">
   <p:cSld>
+    <p:bg>
+      <p:bgPr>
+        <a:solidFill>
+          <a:srgbClr val="FDFDFD"/>
+        </a:solidFill>
+        <a:effectLst/>
+      </p:bgPr>
+    </p:bg>
+    <p:spTree>
+      <p:nvGrpSpPr>
+        <p:cNvPr id="1" name="Shape 263"/>
+        <p:cNvGrpSpPr/>
+        <p:nvPr/>
+      </p:nvGrpSpPr>
+      <p:grpSpPr>
+        <a:xfrm>
+          <a:off x="0" y="0"/>
+          <a:ext cx="0" cy="0"/>
+          <a:chOff x="0" y="0"/>
+          <a:chExt cx="0" cy="0"/>
+        </a:xfrm>
+      </p:grpSpPr>
+      <p:sp>
+        <p:nvSpPr>
+          <p:cNvPr id="264" name="Google Shape;264;p19"/>
+          <p:cNvSpPr txBox="1">
+            <a:spLocks noGrp="1"/>
+          </p:cNvSpPr>
+          <p:nvPr>
+            <p:ph type="sldNum" idx="12"/>
+          </p:nvPr>
+        </p:nvSpPr>
+        <p:spPr>
+          <a:xfrm>
+            <a:off x="8610600" y="6356350"/>
+            <a:ext cx="2743200" cy="365125"/>
+          </a:xfrm>
+          <a:prstGeom prst="rect">
+            <a:avLst/>
+          </a:prstGeom>
+          <a:noFill/>
+          <a:ln>
+            <a:noFill/>
+          </a:ln>
+        </p:spPr>
+        <p:txBody>
+          <a:bodyPr spcFirstLastPara="1" wrap="square" lIns="91425" tIns="45700" rIns="91425" bIns="45700" anchor="ctr" anchorCtr="0">
+            <a:noAutofit/>
+          </a:bodyPr>
+          <a:lstStyle/>
+          <a:p>
+            <a:pPr marL="0" lvl="0" indent="0" algn="r" rtl="0">
+              <a:spcBef>
+                <a:spcPts val="0"/>
+              </a:spcBef>
+              <a:spcAft>
+                <a:spcPts val="0"/>
+              </a:spcAft>
+              <a:buNone/>
+            </a:pPr>
+            <a:fld id="{00000000-1234-1234-1234-123412341234}" type="slidenum">
+              <a:rPr lang="en-US"/>
+              <a:t>20</a:t>
+            </a:fld>
+            <a:endParaRPr/>
+          </a:p>
+        </p:txBody>
+      </p:sp>
+      <p:sp>
+        <p:nvSpPr>
+          <p:cNvPr id="265" name="Google Shape;265;p19"/>
+          <p:cNvSpPr txBox="1"/>
+          <p:nvPr/>
+        </p:nvSpPr>
+        <p:spPr>
+          <a:xfrm>
+            <a:off x="2539315" y="419870"/>
+            <a:ext cx="7113363" cy="923330"/>
+          </a:xfrm>
+          <a:prstGeom prst="rect">
+            <a:avLst/>
+          </a:prstGeom>
+          <a:noFill/>
+          <a:ln>
+            <a:noFill/>
+          </a:ln>
+        </p:spPr>
+        <p:txBody>
+          <a:bodyPr spcFirstLastPara="1" wrap="square" lIns="91425" tIns="45700" rIns="91425" bIns="45700" anchor="t" anchorCtr="0">
+            <a:spAutoFit/>
+          </a:bodyPr>
+          <a:lstStyle/>
+          <a:p>
+            <a:pPr marL="0" marR="0" lvl="0" indent="0" algn="ctr" rtl="0">
+              <a:spcBef>
+                <a:spcPts val="0"/>
+              </a:spcBef>
+              <a:spcAft>
+                <a:spcPts val="0"/>
+              </a:spcAft>
+              <a:buNone/>
+            </a:pPr>
+            <a:r>
+              <a:rPr lang="en-US" sz="5400" dirty="0">
+                <a:solidFill>
+                  <a:schemeClr val="dk1"/>
+                </a:solidFill>
+                <a:latin typeface="Economica"/>
+                <a:ea typeface="Economica"/>
+                <a:cs typeface="Economica"/>
+                <a:sym typeface="Economica"/>
+              </a:rPr>
+              <a:t>Derivative = Rate of Change</a:t>
+            </a:r>
+            <a:endParaRPr dirty="0"/>
+          </a:p>
+        </p:txBody>
+      </p:sp>
+      <p:pic>
+        <p:nvPicPr>
+          <p:cNvPr id="266" name="Google Shape;266;p19"/>
+          <p:cNvPicPr preferRelativeResize="0"/>
+          <p:nvPr/>
+        </p:nvPicPr>
+        <p:blipFill rotWithShape="1">
+          <a:blip r:embed="rId3">
+            <a:alphaModFix/>
+          </a:blip>
+          <a:srcRect/>
+          <a:stretch/>
+        </p:blipFill>
+        <p:spPr>
+          <a:xfrm>
+            <a:off x="1573563" y="2883195"/>
+            <a:ext cx="3733800" cy="2171700"/>
+          </a:xfrm>
+          <a:prstGeom prst="rect">
+            <a:avLst/>
+          </a:prstGeom>
+          <a:noFill/>
+          <a:ln>
+            <a:noFill/>
+          </a:ln>
+        </p:spPr>
+      </p:pic>
+      <p:pic>
+        <p:nvPicPr>
+          <p:cNvPr id="267" name="Google Shape;267;p19"/>
+          <p:cNvPicPr preferRelativeResize="0"/>
+          <p:nvPr/>
+        </p:nvPicPr>
+        <p:blipFill rotWithShape="1">
+          <a:blip r:embed="rId4">
+            <a:alphaModFix/>
+          </a:blip>
+          <a:srcRect/>
+          <a:stretch/>
+        </p:blipFill>
+        <p:spPr>
+          <a:xfrm>
+            <a:off x="7035248" y="2438695"/>
+            <a:ext cx="3733800" cy="2616200"/>
+          </a:xfrm>
+          <a:prstGeom prst="rect">
+            <a:avLst/>
+          </a:prstGeom>
+          <a:noFill/>
+          <a:ln>
+            <a:noFill/>
+          </a:ln>
+        </p:spPr>
+      </p:pic>
+    </p:spTree>
+  </p:cSld>
+  <p:clrMapOvr>
+    <a:masterClrMapping/>
+  </p:clrMapOvr>
+</p:sld>
+</file>
+
+<file path=ppt/slides/slide21.xml><?xml version="1.0" encoding="utf-8"?>
+<p:sld xmlns:a="http://schemas.openxmlformats.org/drawingml/2006/main" xmlns:r="http://schemas.openxmlformats.org/officeDocument/2006/relationships" xmlns:p="http://schemas.openxmlformats.org/presentationml/2006/main">
+  <p:cSld>
     <p:spTree>
       <p:nvGrpSpPr>
         <p:cNvPr id="1" name="Shape 272"/>
@@ -22032,7 +22559,7 @@
             </a:pPr>
             <a:fld id="{00000000-1234-1234-1234-123412341234}" type="slidenum">
               <a:rPr lang="en-US"/>
-              <a:t>20</a:t>
+              <a:t>21</a:t>
             </a:fld>
             <a:endParaRPr/>
           </a:p>
@@ -22123,7 +22650,7 @@
 </p:sld>
 </file>
 
-<file path=ppt/slides/slide21.xml><?xml version="1.0" encoding="utf-8"?>
+<file path=ppt/slides/slide22.xml><?xml version="1.0" encoding="utf-8"?>
 <p:sld xmlns:a="http://schemas.openxmlformats.org/drawingml/2006/main" xmlns:r="http://schemas.openxmlformats.org/officeDocument/2006/relationships" xmlns:p="http://schemas.openxmlformats.org/presentationml/2006/main">
   <p:cSld>
     <p:bg>
@@ -22188,7 +22715,7 @@
             </a:pPr>
             <a:fld id="{00000000-1234-1234-1234-123412341234}" type="slidenum">
               <a:rPr lang="en-US"/>
-              <a:t>21</a:t>
+              <a:t>22</a:t>
             </a:fld>
             <a:endParaRPr/>
           </a:p>
@@ -22279,7 +22806,7 @@
 </p:sld>
 </file>
 
-<file path=ppt/slides/slide22.xml><?xml version="1.0" encoding="utf-8"?>
+<file path=ppt/slides/slide23.xml><?xml version="1.0" encoding="utf-8"?>
 <p:sld xmlns:a="http://schemas.openxmlformats.org/drawingml/2006/main" xmlns:r="http://schemas.openxmlformats.org/officeDocument/2006/relationships" xmlns:p="http://schemas.openxmlformats.org/presentationml/2006/main">
   <p:cSld>
     <p:spTree>
@@ -22336,7 +22863,7 @@
             </a:pPr>
             <a:fld id="{00000000-1234-1234-1234-123412341234}" type="slidenum">
               <a:rPr lang="en-US"/>
-              <a:t>22</a:t>
+              <a:t>23</a:t>
             </a:fld>
             <a:endParaRPr/>
           </a:p>
@@ -22967,7 +23494,7 @@
 </p:sld>
 </file>
 
-<file path=ppt/slides/slide23.xml><?xml version="1.0" encoding="utf-8"?>
+<file path=ppt/slides/slide24.xml><?xml version="1.0" encoding="utf-8"?>
 <p:sld xmlns:a="http://schemas.openxmlformats.org/drawingml/2006/main" xmlns:r="http://schemas.openxmlformats.org/officeDocument/2006/relationships" xmlns:p="http://schemas.openxmlformats.org/presentationml/2006/main">
   <p:cSld>
     <p:bg>
@@ -23032,7 +23559,7 @@
             </a:pPr>
             <a:fld id="{00000000-1234-1234-1234-123412341234}" type="slidenum">
               <a:rPr lang="en-US"/>
-              <a:t>23</a:t>
+              <a:t>24</a:t>
             </a:fld>
             <a:endParaRPr/>
           </a:p>
@@ -23625,7 +24152,7 @@
 </p:sld>
 </file>
 
-<file path=ppt/slides/slide24.xml><?xml version="1.0" encoding="utf-8"?>
+<file path=ppt/slides/slide25.xml><?xml version="1.0" encoding="utf-8"?>
 <p:sld xmlns:a="http://schemas.openxmlformats.org/drawingml/2006/main" xmlns:r="http://schemas.openxmlformats.org/officeDocument/2006/relationships" xmlns:p="http://schemas.openxmlformats.org/presentationml/2006/main">
   <p:cSld>
     <p:bg>
@@ -23690,7 +24217,7 @@
             </a:pPr>
             <a:fld id="{00000000-1234-1234-1234-123412341234}" type="slidenum">
               <a:rPr lang="en-US"/>
-              <a:t>24</a:t>
+              <a:t>25</a:t>
             </a:fld>
             <a:endParaRPr/>
           </a:p>
@@ -24395,7 +24922,7 @@
 </p:sld>
 </file>
 
-<file path=ppt/slides/slide25.xml><?xml version="1.0" encoding="utf-8"?>
+<file path=ppt/slides/slide26.xml><?xml version="1.0" encoding="utf-8"?>
 <p:sld xmlns:a="http://schemas.openxmlformats.org/drawingml/2006/main" xmlns:r="http://schemas.openxmlformats.org/officeDocument/2006/relationships" xmlns:p="http://schemas.openxmlformats.org/presentationml/2006/main">
   <p:cSld>
     <p:bg>
@@ -24460,7 +24987,7 @@
             </a:pPr>
             <a:fld id="{00000000-1234-1234-1234-123412341234}" type="slidenum">
               <a:rPr lang="en-US"/>
-              <a:t>25</a:t>
+              <a:t>26</a:t>
             </a:fld>
             <a:endParaRPr/>
           </a:p>
@@ -25219,7 +25746,7 @@
 </p:sld>
 </file>
 
-<file path=ppt/slides/slide26.xml><?xml version="1.0" encoding="utf-8"?>
+<file path=ppt/slides/slide27.xml><?xml version="1.0" encoding="utf-8"?>
 <p:sld xmlns:a="http://schemas.openxmlformats.org/drawingml/2006/main" xmlns:r="http://schemas.openxmlformats.org/officeDocument/2006/relationships" xmlns:p="http://schemas.openxmlformats.org/presentationml/2006/main">
   <p:cSld>
     <p:bg>
@@ -25284,7 +25811,7 @@
             </a:pPr>
             <a:fld id="{00000000-1234-1234-1234-123412341234}" type="slidenum">
               <a:rPr lang="en-US"/>
-              <a:t>26</a:t>
+              <a:t>27</a:t>
             </a:fld>
             <a:endParaRPr/>
           </a:p>
@@ -26097,7 +26624,7 @@
 </p:sld>
 </file>
 
-<file path=ppt/slides/slide27.xml><?xml version="1.0" encoding="utf-8"?>
+<file path=ppt/slides/slide28.xml><?xml version="1.0" encoding="utf-8"?>
 <p:sld xmlns:a="http://schemas.openxmlformats.org/drawingml/2006/main" xmlns:r="http://schemas.openxmlformats.org/officeDocument/2006/relationships" xmlns:p="http://schemas.openxmlformats.org/presentationml/2006/main">
   <p:cSld>
     <p:bg>
@@ -26162,7 +26689,7 @@
             </a:pPr>
             <a:fld id="{00000000-1234-1234-1234-123412341234}" type="slidenum">
               <a:rPr lang="en-US"/>
-              <a:t>27</a:t>
+              <a:t>28</a:t>
             </a:fld>
             <a:endParaRPr/>
           </a:p>
@@ -27029,7 +27556,7 @@
 </p:sld>
 </file>
 
-<file path=ppt/slides/slide28.xml><?xml version="1.0" encoding="utf-8"?>
+<file path=ppt/slides/slide29.xml><?xml version="1.0" encoding="utf-8"?>
 <p:sld xmlns:a="http://schemas.openxmlformats.org/drawingml/2006/main" xmlns:r="http://schemas.openxmlformats.org/officeDocument/2006/relationships" xmlns:p="http://schemas.openxmlformats.org/presentationml/2006/main">
   <p:cSld>
     <p:bg>
@@ -27094,7 +27621,7 @@
             </a:pPr>
             <a:fld id="{00000000-1234-1234-1234-123412341234}" type="slidenum">
               <a:rPr lang="en-US"/>
-              <a:t>28</a:t>
+              <a:t>29</a:t>
             </a:fld>
             <a:endParaRPr/>
           </a:p>
@@ -28090,7 +28617,155 @@
 </p:sld>
 </file>
 
-<file path=ppt/slides/slide29.xml><?xml version="1.0" encoding="utf-8"?>
+<file path=ppt/slides/slide3.xml><?xml version="1.0" encoding="utf-8"?>
+<p:sld xmlns:a="http://schemas.openxmlformats.org/drawingml/2006/main" xmlns:r="http://schemas.openxmlformats.org/officeDocument/2006/relationships" xmlns:p="http://schemas.openxmlformats.org/presentationml/2006/main">
+  <p:cSld>
+    <p:spTree>
+      <p:nvGrpSpPr>
+        <p:cNvPr id="1" name="Shape 107"/>
+        <p:cNvGrpSpPr/>
+        <p:nvPr/>
+      </p:nvGrpSpPr>
+      <p:grpSpPr>
+        <a:xfrm>
+          <a:off x="0" y="0"/>
+          <a:ext cx="0" cy="0"/>
+          <a:chOff x="0" y="0"/>
+          <a:chExt cx="0" cy="0"/>
+        </a:xfrm>
+      </p:grpSpPr>
+      <p:pic>
+        <p:nvPicPr>
+          <p:cNvPr id="108" name="Google Shape;108;p3" descr="Tensor Processing Units (TPUs) Documentation | Kaggle"/>
+          <p:cNvPicPr preferRelativeResize="0"/>
+          <p:nvPr/>
+        </p:nvPicPr>
+        <p:blipFill rotWithShape="1">
+          <a:blip r:embed="rId3">
+            <a:alphaModFix/>
+          </a:blip>
+          <a:srcRect t="3933" b="3933"/>
+          <a:stretch/>
+        </p:blipFill>
+        <p:spPr>
+          <a:xfrm>
+            <a:off x="0" y="0"/>
+            <a:ext cx="12192000" cy="6858000"/>
+          </a:xfrm>
+          <a:prstGeom prst="rect">
+            <a:avLst/>
+          </a:prstGeom>
+          <a:noFill/>
+          <a:ln>
+            <a:noFill/>
+          </a:ln>
+        </p:spPr>
+      </p:pic>
+      <p:sp>
+        <p:nvSpPr>
+          <p:cNvPr id="109" name="Google Shape;109;p3"/>
+          <p:cNvSpPr txBox="1">
+            <a:spLocks noGrp="1"/>
+          </p:cNvSpPr>
+          <p:nvPr>
+            <p:ph type="sldNum" idx="12"/>
+          </p:nvPr>
+        </p:nvSpPr>
+        <p:spPr>
+          <a:xfrm>
+            <a:off x="8610600" y="6356350"/>
+            <a:ext cx="2743200" cy="365125"/>
+          </a:xfrm>
+          <a:prstGeom prst="rect">
+            <a:avLst/>
+          </a:prstGeom>
+          <a:noFill/>
+          <a:ln>
+            <a:noFill/>
+          </a:ln>
+        </p:spPr>
+        <p:txBody>
+          <a:bodyPr spcFirstLastPara="1" wrap="square" lIns="91425" tIns="45700" rIns="91425" bIns="45700" anchor="ctr" anchorCtr="0">
+            <a:noAutofit/>
+          </a:bodyPr>
+          <a:lstStyle/>
+          <a:p>
+            <a:pPr marL="0" lvl="0" indent="0" algn="r" rtl="0">
+              <a:spcBef>
+                <a:spcPts val="0"/>
+              </a:spcBef>
+              <a:spcAft>
+                <a:spcPts val="0"/>
+              </a:spcAft>
+              <a:buNone/>
+            </a:pPr>
+            <a:fld id="{00000000-1234-1234-1234-123412341234}" type="slidenum">
+              <a:rPr lang="en-US"/>
+              <a:t>3</a:t>
+            </a:fld>
+            <a:endParaRPr/>
+          </a:p>
+        </p:txBody>
+      </p:sp>
+      <p:sp>
+        <p:nvSpPr>
+          <p:cNvPr id="110" name="Google Shape;110;p3"/>
+          <p:cNvSpPr txBox="1"/>
+          <p:nvPr/>
+        </p:nvSpPr>
+        <p:spPr>
+          <a:xfrm>
+            <a:off x="959603" y="487786"/>
+            <a:ext cx="6460957" cy="923330"/>
+          </a:xfrm>
+          <a:prstGeom prst="rect">
+            <a:avLst/>
+          </a:prstGeom>
+          <a:noFill/>
+          <a:ln>
+            <a:noFill/>
+          </a:ln>
+        </p:spPr>
+        <p:txBody>
+          <a:bodyPr spcFirstLastPara="1" wrap="square" lIns="91425" tIns="45700" rIns="91425" bIns="45700" anchor="t" anchorCtr="0">
+            <a:spAutoFit/>
+          </a:bodyPr>
+          <a:lstStyle/>
+          <a:p>
+            <a:pPr marL="0" marR="0" lvl="0" indent="0" algn="l" rtl="0">
+              <a:spcBef>
+                <a:spcPts val="0"/>
+              </a:spcBef>
+              <a:spcAft>
+                <a:spcPts val="0"/>
+              </a:spcAft>
+              <a:buNone/>
+            </a:pPr>
+            <a:r>
+              <a:rPr lang="en-US" sz="5400">
+                <a:solidFill>
+                  <a:schemeClr val="dk1"/>
+                </a:solidFill>
+                <a:latin typeface="Economica"/>
+                <a:ea typeface="Economica"/>
+                <a:cs typeface="Economica"/>
+                <a:sym typeface="Economica"/>
+              </a:rPr>
+              <a:t>TPUs</a:t>
+            </a:r>
+            <a:endParaRPr/>
+          </a:p>
+        </p:txBody>
+      </p:sp>
+    </p:spTree>
+  </p:cSld>
+  <p:clrMapOvr>
+    <a:masterClrMapping/>
+  </p:clrMapOvr>
+</p:sld>
+</file>
+
+<file path=ppt/slides/slide30.xml><?xml version="1.0" encoding="utf-8"?>
 <p:sld xmlns:a="http://schemas.openxmlformats.org/drawingml/2006/main" xmlns:r="http://schemas.openxmlformats.org/officeDocument/2006/relationships" xmlns:p="http://schemas.openxmlformats.org/presentationml/2006/main">
   <p:cSld>
     <p:bg>
@@ -29078,155 +29753,7 @@
 </p:sld>
 </file>
 
-<file path=ppt/slides/slide3.xml><?xml version="1.0" encoding="utf-8"?>
-<p:sld xmlns:a="http://schemas.openxmlformats.org/drawingml/2006/main" xmlns:r="http://schemas.openxmlformats.org/officeDocument/2006/relationships" xmlns:p="http://schemas.openxmlformats.org/presentationml/2006/main">
-  <p:cSld>
-    <p:spTree>
-      <p:nvGrpSpPr>
-        <p:cNvPr id="1" name="Shape 107"/>
-        <p:cNvGrpSpPr/>
-        <p:nvPr/>
-      </p:nvGrpSpPr>
-      <p:grpSpPr>
-        <a:xfrm>
-          <a:off x="0" y="0"/>
-          <a:ext cx="0" cy="0"/>
-          <a:chOff x="0" y="0"/>
-          <a:chExt cx="0" cy="0"/>
-        </a:xfrm>
-      </p:grpSpPr>
-      <p:pic>
-        <p:nvPicPr>
-          <p:cNvPr id="108" name="Google Shape;108;p3" descr="Tensor Processing Units (TPUs) Documentation | Kaggle"/>
-          <p:cNvPicPr preferRelativeResize="0"/>
-          <p:nvPr/>
-        </p:nvPicPr>
-        <p:blipFill rotWithShape="1">
-          <a:blip r:embed="rId3">
-            <a:alphaModFix/>
-          </a:blip>
-          <a:srcRect t="3933" b="3933"/>
-          <a:stretch/>
-        </p:blipFill>
-        <p:spPr>
-          <a:xfrm>
-            <a:off x="0" y="0"/>
-            <a:ext cx="12192000" cy="6858000"/>
-          </a:xfrm>
-          <a:prstGeom prst="rect">
-            <a:avLst/>
-          </a:prstGeom>
-          <a:noFill/>
-          <a:ln>
-            <a:noFill/>
-          </a:ln>
-        </p:spPr>
-      </p:pic>
-      <p:sp>
-        <p:nvSpPr>
-          <p:cNvPr id="109" name="Google Shape;109;p3"/>
-          <p:cNvSpPr txBox="1">
-            <a:spLocks noGrp="1"/>
-          </p:cNvSpPr>
-          <p:nvPr>
-            <p:ph type="sldNum" idx="12"/>
-          </p:nvPr>
-        </p:nvSpPr>
-        <p:spPr>
-          <a:xfrm>
-            <a:off x="8610600" y="6356350"/>
-            <a:ext cx="2743200" cy="365125"/>
-          </a:xfrm>
-          <a:prstGeom prst="rect">
-            <a:avLst/>
-          </a:prstGeom>
-          <a:noFill/>
-          <a:ln>
-            <a:noFill/>
-          </a:ln>
-        </p:spPr>
-        <p:txBody>
-          <a:bodyPr spcFirstLastPara="1" wrap="square" lIns="91425" tIns="45700" rIns="91425" bIns="45700" anchor="ctr" anchorCtr="0">
-            <a:noAutofit/>
-          </a:bodyPr>
-          <a:lstStyle/>
-          <a:p>
-            <a:pPr marL="0" lvl="0" indent="0" algn="r" rtl="0">
-              <a:spcBef>
-                <a:spcPts val="0"/>
-              </a:spcBef>
-              <a:spcAft>
-                <a:spcPts val="0"/>
-              </a:spcAft>
-              <a:buNone/>
-            </a:pPr>
-            <a:fld id="{00000000-1234-1234-1234-123412341234}" type="slidenum">
-              <a:rPr lang="en-US"/>
-              <a:t>3</a:t>
-            </a:fld>
-            <a:endParaRPr/>
-          </a:p>
-        </p:txBody>
-      </p:sp>
-      <p:sp>
-        <p:nvSpPr>
-          <p:cNvPr id="110" name="Google Shape;110;p3"/>
-          <p:cNvSpPr txBox="1"/>
-          <p:nvPr/>
-        </p:nvSpPr>
-        <p:spPr>
-          <a:xfrm>
-            <a:off x="959603" y="487786"/>
-            <a:ext cx="6460957" cy="923330"/>
-          </a:xfrm>
-          <a:prstGeom prst="rect">
-            <a:avLst/>
-          </a:prstGeom>
-          <a:noFill/>
-          <a:ln>
-            <a:noFill/>
-          </a:ln>
-        </p:spPr>
-        <p:txBody>
-          <a:bodyPr spcFirstLastPara="1" wrap="square" lIns="91425" tIns="45700" rIns="91425" bIns="45700" anchor="t" anchorCtr="0">
-            <a:spAutoFit/>
-          </a:bodyPr>
-          <a:lstStyle/>
-          <a:p>
-            <a:pPr marL="0" marR="0" lvl="0" indent="0" algn="l" rtl="0">
-              <a:spcBef>
-                <a:spcPts val="0"/>
-              </a:spcBef>
-              <a:spcAft>
-                <a:spcPts val="0"/>
-              </a:spcAft>
-              <a:buNone/>
-            </a:pPr>
-            <a:r>
-              <a:rPr lang="en-US" sz="5400">
-                <a:solidFill>
-                  <a:schemeClr val="dk1"/>
-                </a:solidFill>
-                <a:latin typeface="Economica"/>
-                <a:ea typeface="Economica"/>
-                <a:cs typeface="Economica"/>
-                <a:sym typeface="Economica"/>
-              </a:rPr>
-              <a:t>TPUs</a:t>
-            </a:r>
-            <a:endParaRPr/>
-          </a:p>
-        </p:txBody>
-      </p:sp>
-    </p:spTree>
-  </p:cSld>
-  <p:clrMapOvr>
-    <a:masterClrMapping/>
-  </p:clrMapOvr>
-</p:sld>
-</file>
-
-<file path=ppt/slides/slide30.xml><?xml version="1.0" encoding="utf-8"?>
+<file path=ppt/slides/slide31.xml><?xml version="1.0" encoding="utf-8"?>
 <p:sld xmlns:a="http://schemas.openxmlformats.org/drawingml/2006/main" xmlns:r="http://schemas.openxmlformats.org/officeDocument/2006/relationships" xmlns:p="http://schemas.openxmlformats.org/presentationml/2006/main">
   <p:cSld>
     <p:bg>
@@ -30426,7 +30953,7 @@
 </p:sld>
 </file>
 
-<file path=ppt/slides/slide31.xml><?xml version="1.0" encoding="utf-8"?>
+<file path=ppt/slides/slide32.xml><?xml version="1.0" encoding="utf-8"?>
 <p:sld xmlns:a="http://schemas.openxmlformats.org/drawingml/2006/main" xmlns:r="http://schemas.openxmlformats.org/officeDocument/2006/relationships" xmlns:p="http://schemas.openxmlformats.org/presentationml/2006/main">
   <p:cSld>
     <p:bg>
@@ -31360,7 +31887,7 @@
 </p:sld>
 </file>
 
-<file path=ppt/slides/slide32.xml><?xml version="1.0" encoding="utf-8"?>
+<file path=ppt/slides/slide33.xml><?xml version="1.0" encoding="utf-8"?>
 <p:sld xmlns:a="http://schemas.openxmlformats.org/drawingml/2006/main" xmlns:r="http://schemas.openxmlformats.org/officeDocument/2006/relationships" xmlns:p="http://schemas.openxmlformats.org/presentationml/2006/main">
   <p:cSld>
     <p:spTree>
@@ -31417,7 +31944,7 @@
             </a:pPr>
             <a:fld id="{00000000-1234-1234-1234-123412341234}" type="slidenum">
               <a:rPr lang="en-US"/>
-              <a:t>32</a:t>
+              <a:t>33</a:t>
             </a:fld>
             <a:endParaRPr/>
           </a:p>
@@ -31678,7 +32205,7 @@
 </p:sld>
 </file>
 
-<file path=ppt/slides/slide33.xml><?xml version="1.0" encoding="utf-8"?>
+<file path=ppt/slides/slide34.xml><?xml version="1.0" encoding="utf-8"?>
 <p:sld xmlns:a="http://schemas.openxmlformats.org/drawingml/2006/main" xmlns:r="http://schemas.openxmlformats.org/officeDocument/2006/relationships" xmlns:p="http://schemas.openxmlformats.org/presentationml/2006/main">
   <p:cSld>
     <p:spTree>
@@ -31735,7 +32262,7 @@
             </a:pPr>
             <a:fld id="{00000000-1234-1234-1234-123412341234}" type="slidenum">
               <a:rPr lang="en-US"/>
-              <a:t>33</a:t>
+              <a:t>34</a:t>
             </a:fld>
             <a:endParaRPr/>
           </a:p>
@@ -32104,7 +32631,7 @@
 </p:sld>
 </file>
 
-<file path=ppt/slides/slide34.xml><?xml version="1.0" encoding="utf-8"?>
+<file path=ppt/slides/slide35.xml><?xml version="1.0" encoding="utf-8"?>
 <p:sld xmlns:a="http://schemas.openxmlformats.org/drawingml/2006/main" xmlns:r="http://schemas.openxmlformats.org/officeDocument/2006/relationships" xmlns:p="http://schemas.openxmlformats.org/presentationml/2006/main">
   <p:cSld>
     <p:spTree>
@@ -32571,7 +33098,7 @@
 </p:sld>
 </file>
 
-<file path=ppt/slides/slide35.xml><?xml version="1.0" encoding="utf-8"?>
+<file path=ppt/slides/slide36.xml><?xml version="1.0" encoding="utf-8"?>
 <p:sld xmlns:a="http://schemas.openxmlformats.org/drawingml/2006/main" xmlns:r="http://schemas.openxmlformats.org/officeDocument/2006/relationships" xmlns:p="http://schemas.openxmlformats.org/presentationml/2006/main">
   <p:cSld>
     <p:spTree>
@@ -32628,7 +33155,7 @@
             </a:pPr>
             <a:fld id="{00000000-1234-1234-1234-123412341234}" type="slidenum">
               <a:rPr lang="en-US"/>
-              <a:t>35</a:t>
+              <a:t>36</a:t>
             </a:fld>
             <a:endParaRPr/>
           </a:p>
@@ -32973,7 +33500,7 @@
 </p:sld>
 </file>
 
-<file path=ppt/slides/slide36.xml><?xml version="1.0" encoding="utf-8"?>
+<file path=ppt/slides/slide37.xml><?xml version="1.0" encoding="utf-8"?>
 <p:sld xmlns:a="http://schemas.openxmlformats.org/drawingml/2006/main" xmlns:r="http://schemas.openxmlformats.org/officeDocument/2006/relationships" xmlns:p="http://schemas.openxmlformats.org/presentationml/2006/main">
   <p:cSld>
     <p:spTree>
@@ -33030,7 +33557,7 @@
             </a:pPr>
             <a:fld id="{00000000-1234-1234-1234-123412341234}" type="slidenum">
               <a:rPr lang="en-US"/>
-              <a:t>36</a:t>
+              <a:t>37</a:t>
             </a:fld>
             <a:endParaRPr/>
           </a:p>
@@ -33282,7 +33809,7 @@
 </p:sld>
 </file>
 
-<file path=ppt/slides/slide37.xml><?xml version="1.0" encoding="utf-8"?>
+<file path=ppt/slides/slide38.xml><?xml version="1.0" encoding="utf-8"?>
 <p:sld xmlns:a="http://schemas.openxmlformats.org/drawingml/2006/main" xmlns:r="http://schemas.openxmlformats.org/officeDocument/2006/relationships" xmlns:p="http://schemas.openxmlformats.org/presentationml/2006/main">
   <p:cSld>
     <p:spTree>
@@ -33339,7 +33866,7 @@
             </a:pPr>
             <a:fld id="{00000000-1234-1234-1234-123412341234}" type="slidenum">
               <a:rPr lang="en-US"/>
-              <a:t>37</a:t>
+              <a:t>38</a:t>
             </a:fld>
             <a:endParaRPr/>
           </a:p>
@@ -33600,7 +34127,7 @@
 </p:sld>
 </file>
 
-<file path=ppt/slides/slide38.xml><?xml version="1.0" encoding="utf-8"?>
+<file path=ppt/slides/slide39.xml><?xml version="1.0" encoding="utf-8"?>
 <p:sld xmlns:a="http://schemas.openxmlformats.org/drawingml/2006/main" xmlns:r="http://schemas.openxmlformats.org/officeDocument/2006/relationships" xmlns:p="http://schemas.openxmlformats.org/presentationml/2006/main">
   <p:cSld>
     <p:spTree>
@@ -33657,7 +34184,7 @@
             </a:pPr>
             <a:fld id="{00000000-1234-1234-1234-123412341234}" type="slidenum">
               <a:rPr lang="en-US"/>
-              <a:t>38</a:t>
+              <a:t>39</a:t>
             </a:fld>
             <a:endParaRPr/>
           </a:p>
@@ -34026,7 +34553,121 @@
 </p:sld>
 </file>
 
-<file path=ppt/slides/slide39.xml><?xml version="1.0" encoding="utf-8"?>
+<file path=ppt/slides/slide4.xml><?xml version="1.0" encoding="utf-8"?>
+<p:sld xmlns:a="http://schemas.openxmlformats.org/drawingml/2006/main" xmlns:r="http://schemas.openxmlformats.org/officeDocument/2006/relationships" xmlns:p="http://schemas.openxmlformats.org/presentationml/2006/main">
+  <p:cSld>
+    <p:bg>
+      <p:bgPr>
+        <a:solidFill>
+          <a:srgbClr val="FFF1E5"/>
+        </a:solidFill>
+        <a:effectLst/>
+      </p:bgPr>
+    </p:bg>
+    <p:spTree>
+      <p:nvGrpSpPr>
+        <p:cNvPr id="1" name="Shape 107"/>
+        <p:cNvGrpSpPr/>
+        <p:nvPr/>
+      </p:nvGrpSpPr>
+      <p:grpSpPr>
+        <a:xfrm>
+          <a:off x="0" y="0"/>
+          <a:ext cx="0" cy="0"/>
+          <a:chOff x="0" y="0"/>
+          <a:chExt cx="0" cy="0"/>
+        </a:xfrm>
+      </p:grpSpPr>
+      <p:sp>
+        <p:nvSpPr>
+          <p:cNvPr id="109" name="Google Shape;109;p3"/>
+          <p:cNvSpPr txBox="1">
+            <a:spLocks noGrp="1"/>
+          </p:cNvSpPr>
+          <p:nvPr>
+            <p:ph type="sldNum" idx="12"/>
+          </p:nvPr>
+        </p:nvSpPr>
+        <p:spPr>
+          <a:xfrm>
+            <a:off x="8610600" y="6356350"/>
+            <a:ext cx="2743200" cy="365125"/>
+          </a:xfrm>
+          <a:prstGeom prst="rect">
+            <a:avLst/>
+          </a:prstGeom>
+          <a:noFill/>
+          <a:ln>
+            <a:noFill/>
+          </a:ln>
+        </p:spPr>
+        <p:txBody>
+          <a:bodyPr spcFirstLastPara="1" wrap="square" lIns="91425" tIns="45700" rIns="91425" bIns="45700" anchor="ctr" anchorCtr="0">
+            <a:noAutofit/>
+          </a:bodyPr>
+          <a:lstStyle/>
+          <a:p>
+            <a:pPr marL="0" lvl="0" indent="0" algn="r" rtl="0">
+              <a:spcBef>
+                <a:spcPts val="0"/>
+              </a:spcBef>
+              <a:spcAft>
+                <a:spcPts val="0"/>
+              </a:spcAft>
+              <a:buNone/>
+            </a:pPr>
+            <a:fld id="{00000000-1234-1234-1234-123412341234}" type="slidenum">
+              <a:rPr lang="en-US"/>
+              <a:t>4</a:t>
+            </a:fld>
+            <a:endParaRPr/>
+          </a:p>
+        </p:txBody>
+      </p:sp>
+      <p:pic>
+        <p:nvPicPr>
+          <p:cNvPr id="2" name="Picture 1">
+            <a:extLst>
+              <a:ext uri="{FF2B5EF4-FFF2-40B4-BE49-F238E27FC236}">
+                <a16:creationId xmlns:a16="http://schemas.microsoft.com/office/drawing/2014/main" id="{1C4E24FE-DFBA-C56A-5658-9F99E89DEF2D}"/>
+              </a:ext>
+            </a:extLst>
+          </p:cNvPr>
+          <p:cNvPicPr>
+            <a:picLocks noChangeAspect="1"/>
+          </p:cNvPicPr>
+          <p:nvPr/>
+        </p:nvPicPr>
+        <p:blipFill>
+          <a:blip r:embed="rId3"/>
+          <a:stretch>
+            <a:fillRect/>
+          </a:stretch>
+        </p:blipFill>
+        <p:spPr>
+          <a:xfrm>
+            <a:off x="2729523" y="312234"/>
+            <a:ext cx="6732954" cy="6233532"/>
+          </a:xfrm>
+          <a:prstGeom prst="rect">
+            <a:avLst/>
+          </a:prstGeom>
+        </p:spPr>
+      </p:pic>
+    </p:spTree>
+    <p:extLst>
+      <p:ext uri="{BB962C8B-B14F-4D97-AF65-F5344CB8AC3E}">
+        <p14:creationId xmlns:p14="http://schemas.microsoft.com/office/powerpoint/2010/main" val="4083781540"/>
+      </p:ext>
+    </p:extLst>
+  </p:cSld>
+  <p:clrMapOvr>
+    <a:masterClrMapping/>
+  </p:clrMapOvr>
+</p:sld>
+</file>
+
+<file path=ppt/slides/slide40.xml><?xml version="1.0" encoding="utf-8"?>
 <p:sld xmlns:a="http://schemas.openxmlformats.org/drawingml/2006/main" xmlns:r="http://schemas.openxmlformats.org/officeDocument/2006/relationships" xmlns:p="http://schemas.openxmlformats.org/presentationml/2006/main">
   <p:cSld>
     <p:spTree>
@@ -34083,7 +34724,7 @@
             </a:pPr>
             <a:fld id="{00000000-1234-1234-1234-123412341234}" type="slidenum">
               <a:rPr lang="en-US"/>
-              <a:t>39</a:t>
+              <a:t>40</a:t>
             </a:fld>
             <a:endParaRPr/>
           </a:p>
@@ -34740,7 +35381,627 @@
 </p:sld>
 </file>
 
-<file path=ppt/slides/slide4.xml><?xml version="1.0" encoding="utf-8"?>
+<file path=ppt/slides/slide41.xml><?xml version="1.0" encoding="utf-8"?>
+<p:sld xmlns:a="http://schemas.openxmlformats.org/drawingml/2006/main" xmlns:r="http://schemas.openxmlformats.org/officeDocument/2006/relationships" xmlns:p="http://schemas.openxmlformats.org/presentationml/2006/main">
+  <p:cSld>
+    <p:spTree>
+      <p:nvGrpSpPr>
+        <p:cNvPr id="1" name="Shape 607"/>
+        <p:cNvGrpSpPr/>
+        <p:nvPr/>
+      </p:nvGrpSpPr>
+      <p:grpSpPr>
+        <a:xfrm>
+          <a:off x="0" y="0"/>
+          <a:ext cx="0" cy="0"/>
+          <a:chOff x="0" y="0"/>
+          <a:chExt cx="0" cy="0"/>
+        </a:xfrm>
+      </p:grpSpPr>
+      <p:sp>
+        <p:nvSpPr>
+          <p:cNvPr id="608" name="Google Shape;608;p43"/>
+          <p:cNvSpPr txBox="1">
+            <a:spLocks noGrp="1"/>
+          </p:cNvSpPr>
+          <p:nvPr>
+            <p:ph type="sldNum" idx="12"/>
+          </p:nvPr>
+        </p:nvSpPr>
+        <p:spPr>
+          <a:xfrm>
+            <a:off x="8610600" y="6356350"/>
+            <a:ext cx="2743200" cy="365125"/>
+          </a:xfrm>
+          <a:prstGeom prst="rect">
+            <a:avLst/>
+          </a:prstGeom>
+          <a:noFill/>
+          <a:ln>
+            <a:noFill/>
+          </a:ln>
+        </p:spPr>
+        <p:txBody>
+          <a:bodyPr spcFirstLastPara="1" wrap="square" lIns="91425" tIns="45700" rIns="91425" bIns="45700" anchor="ctr" anchorCtr="0">
+            <a:noAutofit/>
+          </a:bodyPr>
+          <a:lstStyle/>
+          <a:p>
+            <a:pPr marL="0" lvl="0" indent="0" algn="r" rtl="0">
+              <a:spcBef>
+                <a:spcPts val="0"/>
+              </a:spcBef>
+              <a:spcAft>
+                <a:spcPts val="0"/>
+              </a:spcAft>
+              <a:buNone/>
+            </a:pPr>
+            <a:fld id="{00000000-1234-1234-1234-123412341234}" type="slidenum">
+              <a:rPr lang="en-US"/>
+              <a:t>41</a:t>
+            </a:fld>
+            <a:endParaRPr/>
+          </a:p>
+        </p:txBody>
+      </p:sp>
+      <p:sp>
+        <p:nvSpPr>
+          <p:cNvPr id="609" name="Google Shape;609;p43"/>
+          <p:cNvSpPr txBox="1"/>
+          <p:nvPr/>
+        </p:nvSpPr>
+        <p:spPr>
+          <a:xfrm>
+            <a:off x="1267235" y="280722"/>
+            <a:ext cx="9657521" cy="923330"/>
+          </a:xfrm>
+          <a:prstGeom prst="rect">
+            <a:avLst/>
+          </a:prstGeom>
+          <a:noFill/>
+          <a:ln>
+            <a:noFill/>
+          </a:ln>
+        </p:spPr>
+        <p:txBody>
+          <a:bodyPr spcFirstLastPara="1" wrap="square" lIns="91425" tIns="45700" rIns="91425" bIns="45700" anchor="t" anchorCtr="0">
+            <a:spAutoFit/>
+          </a:bodyPr>
+          <a:lstStyle/>
+          <a:p>
+            <a:pPr marL="0" marR="0" lvl="0" indent="0" algn="ctr" rtl="0">
+              <a:spcBef>
+                <a:spcPts val="0"/>
+              </a:spcBef>
+              <a:spcAft>
+                <a:spcPts val="0"/>
+              </a:spcAft>
+              <a:buNone/>
+            </a:pPr>
+            <a:r>
+              <a:rPr lang="en-US" sz="5400">
+                <a:solidFill>
+                  <a:schemeClr val="dk1"/>
+                </a:solidFill>
+                <a:latin typeface="Economica"/>
+                <a:ea typeface="Economica"/>
+                <a:cs typeface="Economica"/>
+                <a:sym typeface="Economica"/>
+              </a:rPr>
+              <a:t>Recap</a:t>
+            </a:r>
+            <a:endParaRPr/>
+          </a:p>
+        </p:txBody>
+      </p:sp>
+      <p:sp>
+        <p:nvSpPr>
+          <p:cNvPr id="610" name="Google Shape;610;p43"/>
+          <p:cNvSpPr txBox="1"/>
+          <p:nvPr/>
+        </p:nvSpPr>
+        <p:spPr>
+          <a:xfrm>
+            <a:off x="1087814" y="1348800"/>
+            <a:ext cx="10016362" cy="5509200"/>
+          </a:xfrm>
+          <a:prstGeom prst="rect">
+            <a:avLst/>
+          </a:prstGeom>
+          <a:noFill/>
+          <a:ln>
+            <a:noFill/>
+          </a:ln>
+        </p:spPr>
+        <p:txBody>
+          <a:bodyPr spcFirstLastPara="1" wrap="square" lIns="91425" tIns="45700" rIns="91425" bIns="45700" anchor="t" anchorCtr="0">
+            <a:spAutoFit/>
+          </a:bodyPr>
+          <a:lstStyle/>
+          <a:p>
+            <a:pPr marL="0" marR="0" lvl="0" indent="0" algn="l" rtl="0">
+              <a:spcBef>
+                <a:spcPts val="0"/>
+              </a:spcBef>
+              <a:spcAft>
+                <a:spcPts val="0"/>
+              </a:spcAft>
+              <a:buNone/>
+            </a:pPr>
+            <a:r>
+              <a:rPr lang="en-US" sz="2000" b="1">
+                <a:solidFill>
+                  <a:schemeClr val="dk1"/>
+                </a:solidFill>
+                <a:latin typeface="Quicksand"/>
+                <a:ea typeface="Quicksand"/>
+                <a:cs typeface="Quicksand"/>
+                <a:sym typeface="Quicksand"/>
+              </a:rPr>
+              <a:t>Building Blocks of NNs</a:t>
+            </a:r>
+            <a:endParaRPr/>
+          </a:p>
+          <a:p>
+            <a:pPr marL="171450" marR="0" lvl="0" indent="-82550" algn="l" rtl="0">
+              <a:spcBef>
+                <a:spcPts val="0"/>
+              </a:spcBef>
+              <a:spcAft>
+                <a:spcPts val="0"/>
+              </a:spcAft>
+              <a:buClr>
+                <a:schemeClr val="dk1"/>
+              </a:buClr>
+              <a:buSzPts val="1400"/>
+              <a:buFont typeface="Arial"/>
+              <a:buNone/>
+            </a:pPr>
+            <a:endParaRPr sz="1400">
+              <a:solidFill>
+                <a:schemeClr val="dk1"/>
+              </a:solidFill>
+              <a:latin typeface="Quicksand"/>
+              <a:ea typeface="Quicksand"/>
+              <a:cs typeface="Quicksand"/>
+              <a:sym typeface="Quicksand"/>
+            </a:endParaRPr>
+          </a:p>
+          <a:p>
+            <a:pPr marL="628650" marR="0" lvl="1" indent="-171450" algn="l" rtl="0">
+              <a:spcBef>
+                <a:spcPts val="0"/>
+              </a:spcBef>
+              <a:spcAft>
+                <a:spcPts val="0"/>
+              </a:spcAft>
+              <a:buClr>
+                <a:schemeClr val="dk1"/>
+              </a:buClr>
+              <a:buSzPts val="1800"/>
+              <a:buFont typeface="Arial"/>
+              <a:buChar char="•"/>
+            </a:pPr>
+            <a:r>
+              <a:rPr lang="en-US" sz="1800" b="0" i="0" u="none" strike="noStrike" cap="none">
+                <a:solidFill>
+                  <a:schemeClr val="dk1"/>
+                </a:solidFill>
+                <a:latin typeface="Quicksand"/>
+                <a:ea typeface="Quicksand"/>
+                <a:cs typeface="Quicksand"/>
+                <a:sym typeface="Quicksand"/>
+              </a:rPr>
+              <a:t>Tensors and Tensor Operations</a:t>
+            </a:r>
+            <a:endParaRPr/>
+          </a:p>
+          <a:p>
+            <a:pPr marL="628650" marR="0" lvl="1" indent="-171450" algn="l" rtl="0">
+              <a:spcBef>
+                <a:spcPts val="0"/>
+              </a:spcBef>
+              <a:spcAft>
+                <a:spcPts val="0"/>
+              </a:spcAft>
+              <a:buClr>
+                <a:schemeClr val="dk1"/>
+              </a:buClr>
+              <a:buSzPts val="1800"/>
+              <a:buFont typeface="Arial"/>
+              <a:buChar char="•"/>
+            </a:pPr>
+            <a:r>
+              <a:rPr lang="en-US" sz="1800" b="0" i="0" u="none" strike="noStrike" cap="none">
+                <a:solidFill>
+                  <a:schemeClr val="dk1"/>
+                </a:solidFill>
+                <a:latin typeface="Quicksand"/>
+                <a:ea typeface="Quicksand"/>
+                <a:cs typeface="Quicksand"/>
+                <a:sym typeface="Quicksand"/>
+              </a:rPr>
+              <a:t>Activation Functions</a:t>
+            </a:r>
+            <a:endParaRPr/>
+          </a:p>
+          <a:p>
+            <a:pPr marL="628650" marR="0" lvl="1" indent="-171450" algn="l" rtl="0">
+              <a:spcBef>
+                <a:spcPts val="0"/>
+              </a:spcBef>
+              <a:spcAft>
+                <a:spcPts val="0"/>
+              </a:spcAft>
+              <a:buClr>
+                <a:schemeClr val="dk1"/>
+              </a:buClr>
+              <a:buSzPts val="1800"/>
+              <a:buFont typeface="Arial"/>
+              <a:buChar char="•"/>
+            </a:pPr>
+            <a:r>
+              <a:rPr lang="en-US" sz="1800" b="0" i="0" u="none" strike="noStrike" cap="none">
+                <a:solidFill>
+                  <a:schemeClr val="dk1"/>
+                </a:solidFill>
+                <a:latin typeface="Quicksand"/>
+                <a:ea typeface="Quicksand"/>
+                <a:cs typeface="Quicksand"/>
+                <a:sym typeface="Quicksand"/>
+              </a:rPr>
+              <a:t>Loss Functions</a:t>
+            </a:r>
+            <a:endParaRPr/>
+          </a:p>
+          <a:p>
+            <a:pPr marL="628650" marR="0" lvl="1" indent="-171450" algn="l" rtl="0">
+              <a:spcBef>
+                <a:spcPts val="0"/>
+              </a:spcBef>
+              <a:spcAft>
+                <a:spcPts val="0"/>
+              </a:spcAft>
+              <a:buClr>
+                <a:schemeClr val="dk1"/>
+              </a:buClr>
+              <a:buSzPts val="1800"/>
+              <a:buFont typeface="Arial"/>
+              <a:buChar char="•"/>
+            </a:pPr>
+            <a:r>
+              <a:rPr lang="en-US" sz="1800" b="0" i="0" u="none" strike="noStrike" cap="none">
+                <a:solidFill>
+                  <a:schemeClr val="dk1"/>
+                </a:solidFill>
+                <a:latin typeface="Quicksand"/>
+                <a:ea typeface="Quicksand"/>
+                <a:cs typeface="Quicksand"/>
+                <a:sym typeface="Quicksand"/>
+              </a:rPr>
+              <a:t>Backpropagation: Derivatives, Gradients &amp; the Chain Rule</a:t>
+            </a:r>
+            <a:endParaRPr/>
+          </a:p>
+          <a:p>
+            <a:pPr marL="0" marR="0" lvl="0" indent="0" algn="l" rtl="0">
+              <a:spcBef>
+                <a:spcPts val="0"/>
+              </a:spcBef>
+              <a:spcAft>
+                <a:spcPts val="0"/>
+              </a:spcAft>
+              <a:buNone/>
+            </a:pPr>
+            <a:endParaRPr sz="1800">
+              <a:solidFill>
+                <a:schemeClr val="dk1"/>
+              </a:solidFill>
+              <a:latin typeface="Quicksand"/>
+              <a:ea typeface="Quicksand"/>
+              <a:cs typeface="Quicksand"/>
+              <a:sym typeface="Quicksand"/>
+            </a:endParaRPr>
+          </a:p>
+          <a:p>
+            <a:pPr marL="0" marR="0" lvl="0" indent="0" algn="l" rtl="0">
+              <a:spcBef>
+                <a:spcPts val="0"/>
+              </a:spcBef>
+              <a:spcAft>
+                <a:spcPts val="0"/>
+              </a:spcAft>
+              <a:buNone/>
+            </a:pPr>
+            <a:r>
+              <a:rPr lang="en-US" sz="2000" b="1">
+                <a:solidFill>
+                  <a:schemeClr val="dk1"/>
+                </a:solidFill>
+                <a:latin typeface="Quicksand"/>
+                <a:ea typeface="Quicksand"/>
+                <a:cs typeface="Quicksand"/>
+                <a:sym typeface="Quicksand"/>
+              </a:rPr>
+              <a:t>Procedure of Minibatch Stochastic Gradient Descent</a:t>
+            </a:r>
+            <a:endParaRPr/>
+          </a:p>
+          <a:p>
+            <a:pPr marL="0" marR="0" lvl="0" indent="0" algn="l" rtl="0">
+              <a:spcBef>
+                <a:spcPts val="0"/>
+              </a:spcBef>
+              <a:spcAft>
+                <a:spcPts val="0"/>
+              </a:spcAft>
+              <a:buNone/>
+            </a:pPr>
+            <a:endParaRPr sz="1800">
+              <a:solidFill>
+                <a:schemeClr val="dk1"/>
+              </a:solidFill>
+              <a:latin typeface="Quicksand"/>
+              <a:ea typeface="Quicksand"/>
+              <a:cs typeface="Quicksand"/>
+              <a:sym typeface="Quicksand"/>
+            </a:endParaRPr>
+          </a:p>
+          <a:p>
+            <a:pPr marL="687388" marR="0" lvl="1" indent="-225425" algn="l" rtl="0">
+              <a:spcBef>
+                <a:spcPts val="0"/>
+              </a:spcBef>
+              <a:spcAft>
+                <a:spcPts val="0"/>
+              </a:spcAft>
+              <a:buClr>
+                <a:schemeClr val="dk1"/>
+              </a:buClr>
+              <a:buSzPts val="2000"/>
+              <a:buFont typeface="Arial"/>
+              <a:buChar char="•"/>
+            </a:pPr>
+            <a:r>
+              <a:rPr lang="en-US" sz="2000" b="0" i="0" u="none" strike="noStrike" cap="none">
+                <a:solidFill>
+                  <a:schemeClr val="dk1"/>
+                </a:solidFill>
+                <a:latin typeface="Quicksand"/>
+                <a:ea typeface="Quicksand"/>
+                <a:cs typeface="Quicksand"/>
+                <a:sym typeface="Quicksand"/>
+              </a:rPr>
+              <a:t>Grab a batch of observations (samples)</a:t>
+            </a:r>
+            <a:endParaRPr/>
+          </a:p>
+          <a:p>
+            <a:pPr marL="687388" marR="0" lvl="1" indent="-225425" algn="l" rtl="0">
+              <a:spcBef>
+                <a:spcPts val="0"/>
+              </a:spcBef>
+              <a:spcAft>
+                <a:spcPts val="0"/>
+              </a:spcAft>
+              <a:buClr>
+                <a:schemeClr val="dk1"/>
+              </a:buClr>
+              <a:buSzPts val="2000"/>
+              <a:buFont typeface="Arial"/>
+              <a:buChar char="•"/>
+            </a:pPr>
+            <a:r>
+              <a:rPr lang="en-US" sz="2000" b="0" i="0" u="none" strike="noStrike" cap="none">
+                <a:solidFill>
+                  <a:schemeClr val="dk1"/>
+                </a:solidFill>
+                <a:latin typeface="Quicksand"/>
+                <a:ea typeface="Quicksand"/>
+                <a:cs typeface="Quicksand"/>
+                <a:sym typeface="Quicksand"/>
+              </a:rPr>
+              <a:t>Predict their labels using current weights / bias terms.</a:t>
+            </a:r>
+            <a:endParaRPr/>
+          </a:p>
+          <a:p>
+            <a:pPr marL="687388" marR="0" lvl="1" indent="-225425" algn="l" rtl="0">
+              <a:spcBef>
+                <a:spcPts val="0"/>
+              </a:spcBef>
+              <a:spcAft>
+                <a:spcPts val="0"/>
+              </a:spcAft>
+              <a:buClr>
+                <a:schemeClr val="dk1"/>
+              </a:buClr>
+              <a:buSzPts val="2000"/>
+              <a:buFont typeface="Arial"/>
+              <a:buChar char="•"/>
+            </a:pPr>
+            <a:r>
+              <a:rPr lang="en-US" sz="2000" b="0" i="0" u="none" strike="noStrike" cap="none">
+                <a:solidFill>
+                  <a:schemeClr val="dk1"/>
+                </a:solidFill>
+                <a:latin typeface="Quicksand"/>
+                <a:ea typeface="Quicksand"/>
+                <a:cs typeface="Quicksand"/>
+                <a:sym typeface="Quicksand"/>
+              </a:rPr>
+              <a:t>Calculate loss value. </a:t>
+            </a:r>
+            <a:endParaRPr/>
+          </a:p>
+          <a:p>
+            <a:pPr marL="687388" marR="0" lvl="1" indent="-225425" algn="l" rtl="0">
+              <a:spcBef>
+                <a:spcPts val="0"/>
+              </a:spcBef>
+              <a:spcAft>
+                <a:spcPts val="0"/>
+              </a:spcAft>
+              <a:buClr>
+                <a:schemeClr val="dk1"/>
+              </a:buClr>
+              <a:buSzPts val="2000"/>
+              <a:buFont typeface="Arial"/>
+              <a:buChar char="•"/>
+            </a:pPr>
+            <a:r>
+              <a:rPr lang="en-US" sz="2000" b="0" i="0" u="none" strike="noStrike" cap="none">
+                <a:solidFill>
+                  <a:schemeClr val="dk1"/>
+                </a:solidFill>
+                <a:latin typeface="Quicksand"/>
+                <a:ea typeface="Quicksand"/>
+                <a:cs typeface="Quicksand"/>
+                <a:sym typeface="Quicksand"/>
+              </a:rPr>
+              <a:t>Calculate gradient of loss w.r.t. all weight / bias terms. </a:t>
+            </a:r>
+            <a:endParaRPr/>
+          </a:p>
+          <a:p>
+            <a:pPr marL="687388" marR="0" lvl="1" indent="-225425" algn="l" rtl="0">
+              <a:spcBef>
+                <a:spcPts val="0"/>
+              </a:spcBef>
+              <a:spcAft>
+                <a:spcPts val="0"/>
+              </a:spcAft>
+              <a:buClr>
+                <a:schemeClr val="dk1"/>
+              </a:buClr>
+              <a:buSzPts val="2000"/>
+              <a:buFont typeface="Arial"/>
+              <a:buChar char="•"/>
+            </a:pPr>
+            <a:r>
+              <a:rPr lang="en-US" sz="2000" b="0" i="0" u="none" strike="noStrike" cap="none">
+                <a:solidFill>
+                  <a:schemeClr val="dk1"/>
+                </a:solidFill>
+                <a:latin typeface="Quicksand"/>
+                <a:ea typeface="Quicksand"/>
+                <a:cs typeface="Quicksand"/>
+                <a:sym typeface="Quicksand"/>
+              </a:rPr>
+              <a:t>Update each weight by subtracting its gradient*learning rate</a:t>
+            </a:r>
+            <a:endParaRPr/>
+          </a:p>
+          <a:p>
+            <a:pPr marL="687388" marR="0" lvl="1" indent="-225425" algn="l" rtl="0">
+              <a:spcBef>
+                <a:spcPts val="0"/>
+              </a:spcBef>
+              <a:spcAft>
+                <a:spcPts val="0"/>
+              </a:spcAft>
+              <a:buClr>
+                <a:schemeClr val="dk1"/>
+              </a:buClr>
+              <a:buSzPts val="2000"/>
+              <a:buFont typeface="Arial"/>
+              <a:buChar char="•"/>
+            </a:pPr>
+            <a:r>
+              <a:rPr lang="en-US" sz="2000" b="0" i="0" u="none" strike="noStrike" cap="none">
+                <a:solidFill>
+                  <a:schemeClr val="dk1"/>
+                </a:solidFill>
+                <a:latin typeface="Quicksand"/>
+                <a:ea typeface="Quicksand"/>
+                <a:cs typeface="Quicksand"/>
+                <a:sym typeface="Quicksand"/>
+              </a:rPr>
+              <a:t>Cycle over the whole training dataset (each cycle is an epoch) repeatedly, until loss is small. </a:t>
+            </a:r>
+            <a:endParaRPr/>
+          </a:p>
+          <a:p>
+            <a:pPr marL="0" marR="0" lvl="0" indent="0" algn="l" rtl="0">
+              <a:spcBef>
+                <a:spcPts val="0"/>
+              </a:spcBef>
+              <a:spcAft>
+                <a:spcPts val="0"/>
+              </a:spcAft>
+              <a:buNone/>
+            </a:pPr>
+            <a:endParaRPr sz="1800">
+              <a:solidFill>
+                <a:schemeClr val="dk1"/>
+              </a:solidFill>
+              <a:latin typeface="Quicksand"/>
+              <a:ea typeface="Quicksand"/>
+              <a:cs typeface="Quicksand"/>
+              <a:sym typeface="Quicksand"/>
+            </a:endParaRPr>
+          </a:p>
+          <a:p>
+            <a:pPr marL="628650" marR="0" lvl="1" indent="-57150" algn="l" rtl="0">
+              <a:spcBef>
+                <a:spcPts val="0"/>
+              </a:spcBef>
+              <a:spcAft>
+                <a:spcPts val="0"/>
+              </a:spcAft>
+              <a:buClr>
+                <a:schemeClr val="dk1"/>
+              </a:buClr>
+              <a:buSzPts val="1800"/>
+              <a:buFont typeface="Arial"/>
+              <a:buNone/>
+            </a:pPr>
+            <a:endParaRPr sz="1800" b="0" i="0" u="none" strike="noStrike" cap="none">
+              <a:solidFill>
+                <a:schemeClr val="dk1"/>
+              </a:solidFill>
+              <a:latin typeface="Quicksand"/>
+              <a:ea typeface="Quicksand"/>
+              <a:cs typeface="Quicksand"/>
+              <a:sym typeface="Quicksand"/>
+            </a:endParaRPr>
+          </a:p>
+          <a:p>
+            <a:pPr marL="171450" marR="0" lvl="0" indent="-82550" algn="l" rtl="0">
+              <a:spcBef>
+                <a:spcPts val="0"/>
+              </a:spcBef>
+              <a:spcAft>
+                <a:spcPts val="0"/>
+              </a:spcAft>
+              <a:buClr>
+                <a:schemeClr val="dk1"/>
+              </a:buClr>
+              <a:buSzPts val="1400"/>
+              <a:buFont typeface="Arial"/>
+              <a:buNone/>
+            </a:pPr>
+            <a:endParaRPr sz="1400">
+              <a:solidFill>
+                <a:schemeClr val="dk1"/>
+              </a:solidFill>
+              <a:latin typeface="Quicksand"/>
+              <a:ea typeface="Quicksand"/>
+              <a:cs typeface="Quicksand"/>
+              <a:sym typeface="Quicksand"/>
+            </a:endParaRPr>
+          </a:p>
+        </p:txBody>
+      </p:sp>
+    </p:spTree>
+  </p:cSld>
+  <p:clrMapOvr>
+    <a:masterClrMapping/>
+  </p:clrMapOvr>
+</p:sld>
+</file>
+
+<file path=ppt/slides/slide5.xml><?xml version="1.0" encoding="utf-8"?>
 <p:sld xmlns:a="http://schemas.openxmlformats.org/drawingml/2006/main" xmlns:r="http://schemas.openxmlformats.org/officeDocument/2006/relationships" xmlns:p="http://schemas.openxmlformats.org/presentationml/2006/main">
   <p:cSld>
     <p:spTree>
@@ -34912,627 +36173,7 @@
 </p:sld>
 </file>
 
-<file path=ppt/slides/slide40.xml><?xml version="1.0" encoding="utf-8"?>
-<p:sld xmlns:a="http://schemas.openxmlformats.org/drawingml/2006/main" xmlns:r="http://schemas.openxmlformats.org/officeDocument/2006/relationships" xmlns:p="http://schemas.openxmlformats.org/presentationml/2006/main">
-  <p:cSld>
-    <p:spTree>
-      <p:nvGrpSpPr>
-        <p:cNvPr id="1" name="Shape 607"/>
-        <p:cNvGrpSpPr/>
-        <p:nvPr/>
-      </p:nvGrpSpPr>
-      <p:grpSpPr>
-        <a:xfrm>
-          <a:off x="0" y="0"/>
-          <a:ext cx="0" cy="0"/>
-          <a:chOff x="0" y="0"/>
-          <a:chExt cx="0" cy="0"/>
-        </a:xfrm>
-      </p:grpSpPr>
-      <p:sp>
-        <p:nvSpPr>
-          <p:cNvPr id="608" name="Google Shape;608;p43"/>
-          <p:cNvSpPr txBox="1">
-            <a:spLocks noGrp="1"/>
-          </p:cNvSpPr>
-          <p:nvPr>
-            <p:ph type="sldNum" idx="12"/>
-          </p:nvPr>
-        </p:nvSpPr>
-        <p:spPr>
-          <a:xfrm>
-            <a:off x="8610600" y="6356350"/>
-            <a:ext cx="2743200" cy="365125"/>
-          </a:xfrm>
-          <a:prstGeom prst="rect">
-            <a:avLst/>
-          </a:prstGeom>
-          <a:noFill/>
-          <a:ln>
-            <a:noFill/>
-          </a:ln>
-        </p:spPr>
-        <p:txBody>
-          <a:bodyPr spcFirstLastPara="1" wrap="square" lIns="91425" tIns="45700" rIns="91425" bIns="45700" anchor="ctr" anchorCtr="0">
-            <a:noAutofit/>
-          </a:bodyPr>
-          <a:lstStyle/>
-          <a:p>
-            <a:pPr marL="0" lvl="0" indent="0" algn="r" rtl="0">
-              <a:spcBef>
-                <a:spcPts val="0"/>
-              </a:spcBef>
-              <a:spcAft>
-                <a:spcPts val="0"/>
-              </a:spcAft>
-              <a:buNone/>
-            </a:pPr>
-            <a:fld id="{00000000-1234-1234-1234-123412341234}" type="slidenum">
-              <a:rPr lang="en-US"/>
-              <a:t>40</a:t>
-            </a:fld>
-            <a:endParaRPr/>
-          </a:p>
-        </p:txBody>
-      </p:sp>
-      <p:sp>
-        <p:nvSpPr>
-          <p:cNvPr id="609" name="Google Shape;609;p43"/>
-          <p:cNvSpPr txBox="1"/>
-          <p:nvPr/>
-        </p:nvSpPr>
-        <p:spPr>
-          <a:xfrm>
-            <a:off x="1267235" y="280722"/>
-            <a:ext cx="9657521" cy="923330"/>
-          </a:xfrm>
-          <a:prstGeom prst="rect">
-            <a:avLst/>
-          </a:prstGeom>
-          <a:noFill/>
-          <a:ln>
-            <a:noFill/>
-          </a:ln>
-        </p:spPr>
-        <p:txBody>
-          <a:bodyPr spcFirstLastPara="1" wrap="square" lIns="91425" tIns="45700" rIns="91425" bIns="45700" anchor="t" anchorCtr="0">
-            <a:spAutoFit/>
-          </a:bodyPr>
-          <a:lstStyle/>
-          <a:p>
-            <a:pPr marL="0" marR="0" lvl="0" indent="0" algn="ctr" rtl="0">
-              <a:spcBef>
-                <a:spcPts val="0"/>
-              </a:spcBef>
-              <a:spcAft>
-                <a:spcPts val="0"/>
-              </a:spcAft>
-              <a:buNone/>
-            </a:pPr>
-            <a:r>
-              <a:rPr lang="en-US" sz="5400">
-                <a:solidFill>
-                  <a:schemeClr val="dk1"/>
-                </a:solidFill>
-                <a:latin typeface="Economica"/>
-                <a:ea typeface="Economica"/>
-                <a:cs typeface="Economica"/>
-                <a:sym typeface="Economica"/>
-              </a:rPr>
-              <a:t>Recap</a:t>
-            </a:r>
-            <a:endParaRPr/>
-          </a:p>
-        </p:txBody>
-      </p:sp>
-      <p:sp>
-        <p:nvSpPr>
-          <p:cNvPr id="610" name="Google Shape;610;p43"/>
-          <p:cNvSpPr txBox="1"/>
-          <p:nvPr/>
-        </p:nvSpPr>
-        <p:spPr>
-          <a:xfrm>
-            <a:off x="1087814" y="1348800"/>
-            <a:ext cx="10016362" cy="5509200"/>
-          </a:xfrm>
-          <a:prstGeom prst="rect">
-            <a:avLst/>
-          </a:prstGeom>
-          <a:noFill/>
-          <a:ln>
-            <a:noFill/>
-          </a:ln>
-        </p:spPr>
-        <p:txBody>
-          <a:bodyPr spcFirstLastPara="1" wrap="square" lIns="91425" tIns="45700" rIns="91425" bIns="45700" anchor="t" anchorCtr="0">
-            <a:spAutoFit/>
-          </a:bodyPr>
-          <a:lstStyle/>
-          <a:p>
-            <a:pPr marL="0" marR="0" lvl="0" indent="0" algn="l" rtl="0">
-              <a:spcBef>
-                <a:spcPts val="0"/>
-              </a:spcBef>
-              <a:spcAft>
-                <a:spcPts val="0"/>
-              </a:spcAft>
-              <a:buNone/>
-            </a:pPr>
-            <a:r>
-              <a:rPr lang="en-US" sz="2000" b="1">
-                <a:solidFill>
-                  <a:schemeClr val="dk1"/>
-                </a:solidFill>
-                <a:latin typeface="Quicksand"/>
-                <a:ea typeface="Quicksand"/>
-                <a:cs typeface="Quicksand"/>
-                <a:sym typeface="Quicksand"/>
-              </a:rPr>
-              <a:t>Building Blocks of NNs</a:t>
-            </a:r>
-            <a:endParaRPr/>
-          </a:p>
-          <a:p>
-            <a:pPr marL="171450" marR="0" lvl="0" indent="-82550" algn="l" rtl="0">
-              <a:spcBef>
-                <a:spcPts val="0"/>
-              </a:spcBef>
-              <a:spcAft>
-                <a:spcPts val="0"/>
-              </a:spcAft>
-              <a:buClr>
-                <a:schemeClr val="dk1"/>
-              </a:buClr>
-              <a:buSzPts val="1400"/>
-              <a:buFont typeface="Arial"/>
-              <a:buNone/>
-            </a:pPr>
-            <a:endParaRPr sz="1400">
-              <a:solidFill>
-                <a:schemeClr val="dk1"/>
-              </a:solidFill>
-              <a:latin typeface="Quicksand"/>
-              <a:ea typeface="Quicksand"/>
-              <a:cs typeface="Quicksand"/>
-              <a:sym typeface="Quicksand"/>
-            </a:endParaRPr>
-          </a:p>
-          <a:p>
-            <a:pPr marL="628650" marR="0" lvl="1" indent="-171450" algn="l" rtl="0">
-              <a:spcBef>
-                <a:spcPts val="0"/>
-              </a:spcBef>
-              <a:spcAft>
-                <a:spcPts val="0"/>
-              </a:spcAft>
-              <a:buClr>
-                <a:schemeClr val="dk1"/>
-              </a:buClr>
-              <a:buSzPts val="1800"/>
-              <a:buFont typeface="Arial"/>
-              <a:buChar char="•"/>
-            </a:pPr>
-            <a:r>
-              <a:rPr lang="en-US" sz="1800" b="0" i="0" u="none" strike="noStrike" cap="none">
-                <a:solidFill>
-                  <a:schemeClr val="dk1"/>
-                </a:solidFill>
-                <a:latin typeface="Quicksand"/>
-                <a:ea typeface="Quicksand"/>
-                <a:cs typeface="Quicksand"/>
-                <a:sym typeface="Quicksand"/>
-              </a:rPr>
-              <a:t>Tensors and Tensor Operations</a:t>
-            </a:r>
-            <a:endParaRPr/>
-          </a:p>
-          <a:p>
-            <a:pPr marL="628650" marR="0" lvl="1" indent="-171450" algn="l" rtl="0">
-              <a:spcBef>
-                <a:spcPts val="0"/>
-              </a:spcBef>
-              <a:spcAft>
-                <a:spcPts val="0"/>
-              </a:spcAft>
-              <a:buClr>
-                <a:schemeClr val="dk1"/>
-              </a:buClr>
-              <a:buSzPts val="1800"/>
-              <a:buFont typeface="Arial"/>
-              <a:buChar char="•"/>
-            </a:pPr>
-            <a:r>
-              <a:rPr lang="en-US" sz="1800" b="0" i="0" u="none" strike="noStrike" cap="none">
-                <a:solidFill>
-                  <a:schemeClr val="dk1"/>
-                </a:solidFill>
-                <a:latin typeface="Quicksand"/>
-                <a:ea typeface="Quicksand"/>
-                <a:cs typeface="Quicksand"/>
-                <a:sym typeface="Quicksand"/>
-              </a:rPr>
-              <a:t>Activation Functions</a:t>
-            </a:r>
-            <a:endParaRPr/>
-          </a:p>
-          <a:p>
-            <a:pPr marL="628650" marR="0" lvl="1" indent="-171450" algn="l" rtl="0">
-              <a:spcBef>
-                <a:spcPts val="0"/>
-              </a:spcBef>
-              <a:spcAft>
-                <a:spcPts val="0"/>
-              </a:spcAft>
-              <a:buClr>
-                <a:schemeClr val="dk1"/>
-              </a:buClr>
-              <a:buSzPts val="1800"/>
-              <a:buFont typeface="Arial"/>
-              <a:buChar char="•"/>
-            </a:pPr>
-            <a:r>
-              <a:rPr lang="en-US" sz="1800" b="0" i="0" u="none" strike="noStrike" cap="none">
-                <a:solidFill>
-                  <a:schemeClr val="dk1"/>
-                </a:solidFill>
-                <a:latin typeface="Quicksand"/>
-                <a:ea typeface="Quicksand"/>
-                <a:cs typeface="Quicksand"/>
-                <a:sym typeface="Quicksand"/>
-              </a:rPr>
-              <a:t>Loss Functions</a:t>
-            </a:r>
-            <a:endParaRPr/>
-          </a:p>
-          <a:p>
-            <a:pPr marL="628650" marR="0" lvl="1" indent="-171450" algn="l" rtl="0">
-              <a:spcBef>
-                <a:spcPts val="0"/>
-              </a:spcBef>
-              <a:spcAft>
-                <a:spcPts val="0"/>
-              </a:spcAft>
-              <a:buClr>
-                <a:schemeClr val="dk1"/>
-              </a:buClr>
-              <a:buSzPts val="1800"/>
-              <a:buFont typeface="Arial"/>
-              <a:buChar char="•"/>
-            </a:pPr>
-            <a:r>
-              <a:rPr lang="en-US" sz="1800" b="0" i="0" u="none" strike="noStrike" cap="none">
-                <a:solidFill>
-                  <a:schemeClr val="dk1"/>
-                </a:solidFill>
-                <a:latin typeface="Quicksand"/>
-                <a:ea typeface="Quicksand"/>
-                <a:cs typeface="Quicksand"/>
-                <a:sym typeface="Quicksand"/>
-              </a:rPr>
-              <a:t>Backpropagation: Derivatives, Gradients &amp; the Chain Rule</a:t>
-            </a:r>
-            <a:endParaRPr/>
-          </a:p>
-          <a:p>
-            <a:pPr marL="0" marR="0" lvl="0" indent="0" algn="l" rtl="0">
-              <a:spcBef>
-                <a:spcPts val="0"/>
-              </a:spcBef>
-              <a:spcAft>
-                <a:spcPts val="0"/>
-              </a:spcAft>
-              <a:buNone/>
-            </a:pPr>
-            <a:endParaRPr sz="1800">
-              <a:solidFill>
-                <a:schemeClr val="dk1"/>
-              </a:solidFill>
-              <a:latin typeface="Quicksand"/>
-              <a:ea typeface="Quicksand"/>
-              <a:cs typeface="Quicksand"/>
-              <a:sym typeface="Quicksand"/>
-            </a:endParaRPr>
-          </a:p>
-          <a:p>
-            <a:pPr marL="0" marR="0" lvl="0" indent="0" algn="l" rtl="0">
-              <a:spcBef>
-                <a:spcPts val="0"/>
-              </a:spcBef>
-              <a:spcAft>
-                <a:spcPts val="0"/>
-              </a:spcAft>
-              <a:buNone/>
-            </a:pPr>
-            <a:r>
-              <a:rPr lang="en-US" sz="2000" b="1">
-                <a:solidFill>
-                  <a:schemeClr val="dk1"/>
-                </a:solidFill>
-                <a:latin typeface="Quicksand"/>
-                <a:ea typeface="Quicksand"/>
-                <a:cs typeface="Quicksand"/>
-                <a:sym typeface="Quicksand"/>
-              </a:rPr>
-              <a:t>Procedure of Minibatch Stochastic Gradient Descent</a:t>
-            </a:r>
-            <a:endParaRPr/>
-          </a:p>
-          <a:p>
-            <a:pPr marL="0" marR="0" lvl="0" indent="0" algn="l" rtl="0">
-              <a:spcBef>
-                <a:spcPts val="0"/>
-              </a:spcBef>
-              <a:spcAft>
-                <a:spcPts val="0"/>
-              </a:spcAft>
-              <a:buNone/>
-            </a:pPr>
-            <a:endParaRPr sz="1800">
-              <a:solidFill>
-                <a:schemeClr val="dk1"/>
-              </a:solidFill>
-              <a:latin typeface="Quicksand"/>
-              <a:ea typeface="Quicksand"/>
-              <a:cs typeface="Quicksand"/>
-              <a:sym typeface="Quicksand"/>
-            </a:endParaRPr>
-          </a:p>
-          <a:p>
-            <a:pPr marL="687388" marR="0" lvl="1" indent="-225425" algn="l" rtl="0">
-              <a:spcBef>
-                <a:spcPts val="0"/>
-              </a:spcBef>
-              <a:spcAft>
-                <a:spcPts val="0"/>
-              </a:spcAft>
-              <a:buClr>
-                <a:schemeClr val="dk1"/>
-              </a:buClr>
-              <a:buSzPts val="2000"/>
-              <a:buFont typeface="Arial"/>
-              <a:buChar char="•"/>
-            </a:pPr>
-            <a:r>
-              <a:rPr lang="en-US" sz="2000" b="0" i="0" u="none" strike="noStrike" cap="none">
-                <a:solidFill>
-                  <a:schemeClr val="dk1"/>
-                </a:solidFill>
-                <a:latin typeface="Quicksand"/>
-                <a:ea typeface="Quicksand"/>
-                <a:cs typeface="Quicksand"/>
-                <a:sym typeface="Quicksand"/>
-              </a:rPr>
-              <a:t>Grab a batch of observations (samples)</a:t>
-            </a:r>
-            <a:endParaRPr/>
-          </a:p>
-          <a:p>
-            <a:pPr marL="687388" marR="0" lvl="1" indent="-225425" algn="l" rtl="0">
-              <a:spcBef>
-                <a:spcPts val="0"/>
-              </a:spcBef>
-              <a:spcAft>
-                <a:spcPts val="0"/>
-              </a:spcAft>
-              <a:buClr>
-                <a:schemeClr val="dk1"/>
-              </a:buClr>
-              <a:buSzPts val="2000"/>
-              <a:buFont typeface="Arial"/>
-              <a:buChar char="•"/>
-            </a:pPr>
-            <a:r>
-              <a:rPr lang="en-US" sz="2000" b="0" i="0" u="none" strike="noStrike" cap="none">
-                <a:solidFill>
-                  <a:schemeClr val="dk1"/>
-                </a:solidFill>
-                <a:latin typeface="Quicksand"/>
-                <a:ea typeface="Quicksand"/>
-                <a:cs typeface="Quicksand"/>
-                <a:sym typeface="Quicksand"/>
-              </a:rPr>
-              <a:t>Predict their labels using current weights / bias terms.</a:t>
-            </a:r>
-            <a:endParaRPr/>
-          </a:p>
-          <a:p>
-            <a:pPr marL="687388" marR="0" lvl="1" indent="-225425" algn="l" rtl="0">
-              <a:spcBef>
-                <a:spcPts val="0"/>
-              </a:spcBef>
-              <a:spcAft>
-                <a:spcPts val="0"/>
-              </a:spcAft>
-              <a:buClr>
-                <a:schemeClr val="dk1"/>
-              </a:buClr>
-              <a:buSzPts val="2000"/>
-              <a:buFont typeface="Arial"/>
-              <a:buChar char="•"/>
-            </a:pPr>
-            <a:r>
-              <a:rPr lang="en-US" sz="2000" b="0" i="0" u="none" strike="noStrike" cap="none">
-                <a:solidFill>
-                  <a:schemeClr val="dk1"/>
-                </a:solidFill>
-                <a:latin typeface="Quicksand"/>
-                <a:ea typeface="Quicksand"/>
-                <a:cs typeface="Quicksand"/>
-                <a:sym typeface="Quicksand"/>
-              </a:rPr>
-              <a:t>Calculate loss value. </a:t>
-            </a:r>
-            <a:endParaRPr/>
-          </a:p>
-          <a:p>
-            <a:pPr marL="687388" marR="0" lvl="1" indent="-225425" algn="l" rtl="0">
-              <a:spcBef>
-                <a:spcPts val="0"/>
-              </a:spcBef>
-              <a:spcAft>
-                <a:spcPts val="0"/>
-              </a:spcAft>
-              <a:buClr>
-                <a:schemeClr val="dk1"/>
-              </a:buClr>
-              <a:buSzPts val="2000"/>
-              <a:buFont typeface="Arial"/>
-              <a:buChar char="•"/>
-            </a:pPr>
-            <a:r>
-              <a:rPr lang="en-US" sz="2000" b="0" i="0" u="none" strike="noStrike" cap="none">
-                <a:solidFill>
-                  <a:schemeClr val="dk1"/>
-                </a:solidFill>
-                <a:latin typeface="Quicksand"/>
-                <a:ea typeface="Quicksand"/>
-                <a:cs typeface="Quicksand"/>
-                <a:sym typeface="Quicksand"/>
-              </a:rPr>
-              <a:t>Calculate gradient of loss w.r.t. all weight / bias terms. </a:t>
-            </a:r>
-            <a:endParaRPr/>
-          </a:p>
-          <a:p>
-            <a:pPr marL="687388" marR="0" lvl="1" indent="-225425" algn="l" rtl="0">
-              <a:spcBef>
-                <a:spcPts val="0"/>
-              </a:spcBef>
-              <a:spcAft>
-                <a:spcPts val="0"/>
-              </a:spcAft>
-              <a:buClr>
-                <a:schemeClr val="dk1"/>
-              </a:buClr>
-              <a:buSzPts val="2000"/>
-              <a:buFont typeface="Arial"/>
-              <a:buChar char="•"/>
-            </a:pPr>
-            <a:r>
-              <a:rPr lang="en-US" sz="2000" b="0" i="0" u="none" strike="noStrike" cap="none">
-                <a:solidFill>
-                  <a:schemeClr val="dk1"/>
-                </a:solidFill>
-                <a:latin typeface="Quicksand"/>
-                <a:ea typeface="Quicksand"/>
-                <a:cs typeface="Quicksand"/>
-                <a:sym typeface="Quicksand"/>
-              </a:rPr>
-              <a:t>Update each weight by subtracting its gradient*learning rate</a:t>
-            </a:r>
-            <a:endParaRPr/>
-          </a:p>
-          <a:p>
-            <a:pPr marL="687388" marR="0" lvl="1" indent="-225425" algn="l" rtl="0">
-              <a:spcBef>
-                <a:spcPts val="0"/>
-              </a:spcBef>
-              <a:spcAft>
-                <a:spcPts val="0"/>
-              </a:spcAft>
-              <a:buClr>
-                <a:schemeClr val="dk1"/>
-              </a:buClr>
-              <a:buSzPts val="2000"/>
-              <a:buFont typeface="Arial"/>
-              <a:buChar char="•"/>
-            </a:pPr>
-            <a:r>
-              <a:rPr lang="en-US" sz="2000" b="0" i="0" u="none" strike="noStrike" cap="none">
-                <a:solidFill>
-                  <a:schemeClr val="dk1"/>
-                </a:solidFill>
-                <a:latin typeface="Quicksand"/>
-                <a:ea typeface="Quicksand"/>
-                <a:cs typeface="Quicksand"/>
-                <a:sym typeface="Quicksand"/>
-              </a:rPr>
-              <a:t>Cycle over the whole training dataset (each cycle is an epoch) repeatedly, until loss is small. </a:t>
-            </a:r>
-            <a:endParaRPr/>
-          </a:p>
-          <a:p>
-            <a:pPr marL="0" marR="0" lvl="0" indent="0" algn="l" rtl="0">
-              <a:spcBef>
-                <a:spcPts val="0"/>
-              </a:spcBef>
-              <a:spcAft>
-                <a:spcPts val="0"/>
-              </a:spcAft>
-              <a:buNone/>
-            </a:pPr>
-            <a:endParaRPr sz="1800">
-              <a:solidFill>
-                <a:schemeClr val="dk1"/>
-              </a:solidFill>
-              <a:latin typeface="Quicksand"/>
-              <a:ea typeface="Quicksand"/>
-              <a:cs typeface="Quicksand"/>
-              <a:sym typeface="Quicksand"/>
-            </a:endParaRPr>
-          </a:p>
-          <a:p>
-            <a:pPr marL="628650" marR="0" lvl="1" indent="-57150" algn="l" rtl="0">
-              <a:spcBef>
-                <a:spcPts val="0"/>
-              </a:spcBef>
-              <a:spcAft>
-                <a:spcPts val="0"/>
-              </a:spcAft>
-              <a:buClr>
-                <a:schemeClr val="dk1"/>
-              </a:buClr>
-              <a:buSzPts val="1800"/>
-              <a:buFont typeface="Arial"/>
-              <a:buNone/>
-            </a:pPr>
-            <a:endParaRPr sz="1800" b="0" i="0" u="none" strike="noStrike" cap="none">
-              <a:solidFill>
-                <a:schemeClr val="dk1"/>
-              </a:solidFill>
-              <a:latin typeface="Quicksand"/>
-              <a:ea typeface="Quicksand"/>
-              <a:cs typeface="Quicksand"/>
-              <a:sym typeface="Quicksand"/>
-            </a:endParaRPr>
-          </a:p>
-          <a:p>
-            <a:pPr marL="171450" marR="0" lvl="0" indent="-82550" algn="l" rtl="0">
-              <a:spcBef>
-                <a:spcPts val="0"/>
-              </a:spcBef>
-              <a:spcAft>
-                <a:spcPts val="0"/>
-              </a:spcAft>
-              <a:buClr>
-                <a:schemeClr val="dk1"/>
-              </a:buClr>
-              <a:buSzPts val="1400"/>
-              <a:buFont typeface="Arial"/>
-              <a:buNone/>
-            </a:pPr>
-            <a:endParaRPr sz="1400">
-              <a:solidFill>
-                <a:schemeClr val="dk1"/>
-              </a:solidFill>
-              <a:latin typeface="Quicksand"/>
-              <a:ea typeface="Quicksand"/>
-              <a:cs typeface="Quicksand"/>
-              <a:sym typeface="Quicksand"/>
-            </a:endParaRPr>
-          </a:p>
-        </p:txBody>
-      </p:sp>
-    </p:spTree>
-  </p:cSld>
-  <p:clrMapOvr>
-    <a:masterClrMapping/>
-  </p:clrMapOvr>
-</p:sld>
-</file>
-
-<file path=ppt/slides/slide5.xml><?xml version="1.0" encoding="utf-8"?>
+<file path=ppt/slides/slide6.xml><?xml version="1.0" encoding="utf-8"?>
 <p:sld xmlns:a="http://schemas.openxmlformats.org/drawingml/2006/main" xmlns:r="http://schemas.openxmlformats.org/officeDocument/2006/relationships" xmlns:p="http://schemas.openxmlformats.org/presentationml/2006/main">
   <p:cSld>
     <p:spTree>
@@ -35589,7 +36230,7 @@
             </a:pPr>
             <a:fld id="{00000000-1234-1234-1234-123412341234}" type="slidenum">
               <a:rPr lang="en-US"/>
-              <a:t>5</a:t>
+              <a:t>6</a:t>
             </a:fld>
             <a:endParaRPr/>
           </a:p>
@@ -35732,7 +36373,7 @@
 </p:sld>
 </file>
 
-<file path=ppt/slides/slide6.xml><?xml version="1.0" encoding="utf-8"?>
+<file path=ppt/slides/slide7.xml><?xml version="1.0" encoding="utf-8"?>
 <p:sld xmlns:a="http://schemas.openxmlformats.org/drawingml/2006/main" xmlns:r="http://schemas.openxmlformats.org/officeDocument/2006/relationships" xmlns:p="http://schemas.openxmlformats.org/presentationml/2006/main">
   <p:cSld>
     <p:bg>
@@ -35797,7 +36438,7 @@
             </a:pPr>
             <a:fld id="{00000000-1234-1234-1234-123412341234}" type="slidenum">
               <a:rPr lang="en-US"/>
-              <a:t>6</a:t>
+              <a:t>7</a:t>
             </a:fld>
             <a:endParaRPr/>
           </a:p>
@@ -35981,7 +36622,7 @@
 </p:sld>
 </file>
 
-<file path=ppt/slides/slide7.xml><?xml version="1.0" encoding="utf-8"?>
+<file path=ppt/slides/slide8.xml><?xml version="1.0" encoding="utf-8"?>
 <p:sld xmlns:a="http://schemas.openxmlformats.org/drawingml/2006/main" xmlns:r="http://schemas.openxmlformats.org/officeDocument/2006/relationships" xmlns:p="http://schemas.openxmlformats.org/presentationml/2006/main">
   <p:cSld>
     <p:bg>
@@ -36046,7 +36687,7 @@
             </a:pPr>
             <a:fld id="{00000000-1234-1234-1234-123412341234}" type="slidenum">
               <a:rPr lang="en-US"/>
-              <a:t>7</a:t>
+              <a:t>8</a:t>
             </a:fld>
             <a:endParaRPr/>
           </a:p>
@@ -36207,7 +36848,7 @@
 </p:sld>
 </file>
 
-<file path=ppt/slides/slide8.xml><?xml version="1.0" encoding="utf-8"?>
+<file path=ppt/slides/slide9.xml><?xml version="1.0" encoding="utf-8"?>
 <p:sld xmlns:a="http://schemas.openxmlformats.org/drawingml/2006/main" xmlns:r="http://schemas.openxmlformats.org/officeDocument/2006/relationships" xmlns:p="http://schemas.openxmlformats.org/presentationml/2006/main">
   <p:cSld>
     <p:spTree>
@@ -36729,423 +37370,6 @@
         <p14:creationId xmlns:p14="http://schemas.microsoft.com/office/powerpoint/2010/main" val="2961235810"/>
       </p:ext>
     </p:extLst>
-  </p:cSld>
-  <p:clrMapOvr>
-    <a:masterClrMapping/>
-  </p:clrMapOvr>
-</p:sld>
-</file>
-
-<file path=ppt/slides/slide9.xml><?xml version="1.0" encoding="utf-8"?>
-<p:sld xmlns:a="http://schemas.openxmlformats.org/drawingml/2006/main" xmlns:r="http://schemas.openxmlformats.org/officeDocument/2006/relationships" xmlns:p="http://schemas.openxmlformats.org/presentationml/2006/main">
-  <p:cSld>
-    <p:spTree>
-      <p:nvGrpSpPr>
-        <p:cNvPr id="1" name="Shape 148"/>
-        <p:cNvGrpSpPr/>
-        <p:nvPr/>
-      </p:nvGrpSpPr>
-      <p:grpSpPr>
-        <a:xfrm>
-          <a:off x="0" y="0"/>
-          <a:ext cx="0" cy="0"/>
-          <a:chOff x="0" y="0"/>
-          <a:chExt cx="0" cy="0"/>
-        </a:xfrm>
-      </p:grpSpPr>
-      <p:sp>
-        <p:nvSpPr>
-          <p:cNvPr id="149" name="Google Shape;149;p8"/>
-          <p:cNvSpPr txBox="1"/>
-          <p:nvPr/>
-        </p:nvSpPr>
-        <p:spPr>
-          <a:xfrm>
-            <a:off x="1293222" y="633011"/>
-            <a:ext cx="9927771" cy="923289"/>
-          </a:xfrm>
-          <a:prstGeom prst="rect">
-            <a:avLst/>
-          </a:prstGeom>
-          <a:noFill/>
-          <a:ln>
-            <a:noFill/>
-          </a:ln>
-        </p:spPr>
-        <p:txBody>
-          <a:bodyPr spcFirstLastPara="1" wrap="square" lIns="91425" tIns="45700" rIns="91425" bIns="45700" anchor="t" anchorCtr="0">
-            <a:spAutoFit/>
-          </a:bodyPr>
-          <a:lstStyle/>
-          <a:p>
-            <a:pPr marL="0" marR="0" lvl="0" indent="0" algn="ctr" rtl="0">
-              <a:spcBef>
-                <a:spcPts val="0"/>
-              </a:spcBef>
-              <a:spcAft>
-                <a:spcPts val="0"/>
-              </a:spcAft>
-              <a:buNone/>
-            </a:pPr>
-            <a:r>
-              <a:rPr lang="en-US" sz="5400" dirty="0">
-                <a:solidFill>
-                  <a:schemeClr val="dk1"/>
-                </a:solidFill>
-                <a:latin typeface="Economica"/>
-                <a:ea typeface="Economica"/>
-                <a:cs typeface="Economica"/>
-                <a:sym typeface="Economica"/>
-              </a:rPr>
-              <a:t>Matrix (Tensor) Multiplication</a:t>
-            </a:r>
-            <a:endParaRPr dirty="0"/>
-          </a:p>
-        </p:txBody>
-      </p:sp>
-      <p:pic>
-        <p:nvPicPr>
-          <p:cNvPr id="150" name="Google Shape;150;p8"/>
-          <p:cNvPicPr preferRelativeResize="0"/>
-          <p:nvPr/>
-        </p:nvPicPr>
-        <p:blipFill rotWithShape="1">
-          <a:blip r:embed="rId3">
-            <a:alphaModFix/>
-          </a:blip>
-          <a:srcRect/>
-          <a:stretch/>
-        </p:blipFill>
-        <p:spPr>
-          <a:xfrm>
-            <a:off x="6187440" y="1948370"/>
-            <a:ext cx="5395558" cy="4536882"/>
-          </a:xfrm>
-          <a:prstGeom prst="rect">
-            <a:avLst/>
-          </a:prstGeom>
-          <a:noFill/>
-          <a:ln>
-            <a:noFill/>
-          </a:ln>
-          <a:effectLst>
-            <a:outerShdw blurRad="292100" dist="139700" dir="2700000" algn="tl" rotWithShape="0">
-              <a:srgbClr val="333333">
-                <a:alpha val="64705"/>
-              </a:srgbClr>
-            </a:outerShdw>
-          </a:effectLst>
-        </p:spPr>
-      </p:pic>
-      <p:sp>
-        <p:nvSpPr>
-          <p:cNvPr id="151" name="Google Shape;151;p8"/>
-          <p:cNvSpPr txBox="1"/>
-          <p:nvPr/>
-        </p:nvSpPr>
-        <p:spPr>
-          <a:xfrm>
-            <a:off x="843337" y="2340401"/>
-            <a:ext cx="4708378" cy="3600945"/>
-          </a:xfrm>
-          <a:prstGeom prst="rect">
-            <a:avLst/>
-          </a:prstGeom>
-          <a:noFill/>
-          <a:ln>
-            <a:noFill/>
-          </a:ln>
-        </p:spPr>
-        <p:txBody>
-          <a:bodyPr spcFirstLastPara="1" wrap="square" lIns="91425" tIns="45700" rIns="91425" bIns="45700" anchor="t" anchorCtr="0">
-            <a:spAutoFit/>
-          </a:bodyPr>
-          <a:lstStyle/>
-          <a:p>
-            <a:pPr marL="0" marR="0" lvl="0" indent="0" algn="l" rtl="0">
-              <a:spcBef>
-                <a:spcPts val="0"/>
-              </a:spcBef>
-              <a:spcAft>
-                <a:spcPts val="0"/>
-              </a:spcAft>
-              <a:buNone/>
-            </a:pPr>
-            <a:r>
-              <a:rPr lang="en-US" sz="2000" b="1" dirty="0">
-                <a:solidFill>
-                  <a:schemeClr val="dk1"/>
-                </a:solidFill>
-                <a:latin typeface="Quicksand"/>
-                <a:ea typeface="Quicksand"/>
-                <a:cs typeface="Quicksand"/>
-                <a:sym typeface="Quicksand"/>
-              </a:rPr>
-              <a:t>We calculate all x’s * w’s at once via matrix multiplication, i.e., W</a:t>
-            </a:r>
-            <a:r>
-              <a:rPr lang="en-US" sz="2000" b="1" baseline="30000" dirty="0">
-                <a:solidFill>
-                  <a:schemeClr val="dk1"/>
-                </a:solidFill>
-                <a:latin typeface="Quicksand"/>
-                <a:ea typeface="Quicksand"/>
-                <a:cs typeface="Quicksand"/>
-                <a:sym typeface="Quicksand"/>
-              </a:rPr>
-              <a:t>T</a:t>
-            </a:r>
-            <a:r>
-              <a:rPr lang="en-US" sz="2000" b="1" dirty="0">
-                <a:solidFill>
-                  <a:schemeClr val="dk1"/>
-                </a:solidFill>
-                <a:latin typeface="Quicksand"/>
-                <a:ea typeface="Quicksand"/>
-                <a:cs typeface="Quicksand"/>
-                <a:sym typeface="Quicksand"/>
-              </a:rPr>
-              <a:t>*X</a:t>
-            </a:r>
-          </a:p>
-          <a:p>
-            <a:pPr marL="0" marR="0" lvl="0" indent="0" algn="l" rtl="0">
-              <a:spcBef>
-                <a:spcPts val="0"/>
-              </a:spcBef>
-              <a:spcAft>
-                <a:spcPts val="0"/>
-              </a:spcAft>
-              <a:buNone/>
-            </a:pPr>
-            <a:endParaRPr sz="2000" b="1" dirty="0">
-              <a:solidFill>
-                <a:schemeClr val="dk1"/>
-              </a:solidFill>
-              <a:latin typeface="Quicksand"/>
-              <a:ea typeface="Quicksand"/>
-              <a:cs typeface="Quicksand"/>
-              <a:sym typeface="Quicksand"/>
-            </a:endParaRPr>
-          </a:p>
-          <a:p>
-            <a:pPr marL="0" marR="0" lvl="0" indent="0" algn="l" rtl="0">
-              <a:spcBef>
-                <a:spcPts val="0"/>
-              </a:spcBef>
-              <a:spcAft>
-                <a:spcPts val="0"/>
-              </a:spcAft>
-              <a:buNone/>
-            </a:pPr>
-            <a:r>
-              <a:rPr lang="en-US" sz="2000" b="1" dirty="0">
-                <a:solidFill>
-                  <a:schemeClr val="dk1"/>
-                </a:solidFill>
-                <a:latin typeface="Quicksand"/>
-                <a:ea typeface="Quicksand"/>
-                <a:cs typeface="Quicksand"/>
-                <a:sym typeface="Quicksand"/>
-              </a:rPr>
-              <a:t>Elements of the Resulting Matrix are the Dot Products of X’s Rows and Y’s Columns</a:t>
-            </a:r>
-            <a:endParaRPr sz="1400" dirty="0">
-              <a:solidFill>
-                <a:schemeClr val="dk1"/>
-              </a:solidFill>
-              <a:latin typeface="Quicksand"/>
-              <a:ea typeface="Quicksand"/>
-              <a:cs typeface="Quicksand"/>
-              <a:sym typeface="Quicksand"/>
-            </a:endParaRPr>
-          </a:p>
-          <a:p>
-            <a:pPr marL="628650" marR="0" lvl="1" indent="-171450" algn="l" rtl="0">
-              <a:spcBef>
-                <a:spcPts val="0"/>
-              </a:spcBef>
-              <a:spcAft>
-                <a:spcPts val="0"/>
-              </a:spcAft>
-              <a:buClr>
-                <a:schemeClr val="dk1"/>
-              </a:buClr>
-              <a:buSzPts val="2000"/>
-              <a:buFont typeface="Arial"/>
-              <a:buChar char="•"/>
-            </a:pPr>
-            <a:r>
-              <a:rPr lang="en-US" sz="2000" dirty="0">
-                <a:solidFill>
-                  <a:schemeClr val="dk1"/>
-                </a:solidFill>
-                <a:latin typeface="Quicksand"/>
-                <a:ea typeface="Quicksand"/>
-                <a:cs typeface="Quicksand"/>
-                <a:sym typeface="Quicksand"/>
-              </a:rPr>
-              <a:t>Y</a:t>
-            </a:r>
-            <a:r>
-              <a:rPr lang="en-US" sz="2000" b="0" i="0" u="none" strike="noStrike" cap="none" dirty="0">
-                <a:solidFill>
-                  <a:schemeClr val="dk1"/>
-                </a:solidFill>
-                <a:latin typeface="Quicksand"/>
-                <a:ea typeface="Quicksand"/>
-                <a:cs typeface="Quicksand"/>
-                <a:sym typeface="Quicksand"/>
-              </a:rPr>
-              <a:t>[2,2] = W</a:t>
-            </a:r>
-            <a:r>
-              <a:rPr lang="en-US" sz="2000" b="0" i="0" u="none" strike="noStrike" cap="none" baseline="30000" dirty="0">
-                <a:solidFill>
-                  <a:schemeClr val="dk1"/>
-                </a:solidFill>
-                <a:latin typeface="Quicksand"/>
-                <a:ea typeface="Quicksand"/>
-                <a:cs typeface="Quicksand"/>
-                <a:sym typeface="Quicksand"/>
-              </a:rPr>
-              <a:t>T</a:t>
-            </a:r>
-            <a:r>
-              <a:rPr lang="en-US" sz="2000" b="0" i="0" u="none" strike="noStrike" cap="none" dirty="0">
-                <a:solidFill>
-                  <a:schemeClr val="dk1"/>
-                </a:solidFill>
-                <a:latin typeface="Quicksand"/>
-                <a:ea typeface="Quicksand"/>
-                <a:cs typeface="Quicksand"/>
-                <a:sym typeface="Quicksand"/>
-              </a:rPr>
-              <a:t>[2,:] · X[:,2]</a:t>
-            </a:r>
-          </a:p>
-          <a:p>
-            <a:pPr marL="457200" marR="0" lvl="1" algn="l" rtl="0">
-              <a:spcBef>
-                <a:spcPts val="0"/>
-              </a:spcBef>
-              <a:spcAft>
-                <a:spcPts val="0"/>
-              </a:spcAft>
-              <a:buClr>
-                <a:schemeClr val="dk1"/>
-              </a:buClr>
-              <a:buSzPts val="2000"/>
-            </a:pPr>
-            <a:endParaRPr lang="en-US" dirty="0">
-              <a:ea typeface="Quicksand"/>
-            </a:endParaRPr>
-          </a:p>
-          <a:p>
-            <a:pPr marL="0" marR="0" lvl="0" indent="0" algn="l" rtl="0">
-              <a:spcBef>
-                <a:spcPts val="0"/>
-              </a:spcBef>
-              <a:spcAft>
-                <a:spcPts val="0"/>
-              </a:spcAft>
-              <a:buNone/>
-            </a:pPr>
-            <a:r>
-              <a:rPr lang="en-US" sz="2000" b="1" dirty="0">
-                <a:solidFill>
-                  <a:srgbClr val="FF0000"/>
-                </a:solidFill>
-                <a:latin typeface="Quicksand"/>
-                <a:ea typeface="Quicksand"/>
-                <a:cs typeface="Quicksand"/>
-                <a:sym typeface="Quicksand"/>
-              </a:rPr>
-              <a:t>If you get a cryptic error message about shapes not conforming, it is referring to this. </a:t>
-            </a:r>
-          </a:p>
-          <a:p>
-            <a:pPr marL="171450" marR="0" lvl="0" indent="-82550" algn="l" rtl="0">
-              <a:spcBef>
-                <a:spcPts val="0"/>
-              </a:spcBef>
-              <a:spcAft>
-                <a:spcPts val="0"/>
-              </a:spcAft>
-              <a:buClr>
-                <a:schemeClr val="dk1"/>
-              </a:buClr>
-              <a:buSzPts val="1400"/>
-              <a:buFont typeface="Arial"/>
-              <a:buNone/>
-            </a:pPr>
-            <a:endParaRPr sz="1400" dirty="0">
-              <a:solidFill>
-                <a:schemeClr val="dk1"/>
-              </a:solidFill>
-              <a:latin typeface="Quicksand"/>
-              <a:ea typeface="Quicksand"/>
-              <a:cs typeface="Quicksand"/>
-              <a:sym typeface="Quicksand"/>
-            </a:endParaRPr>
-          </a:p>
-        </p:txBody>
-      </p:sp>
-      <p:sp>
-        <p:nvSpPr>
-          <p:cNvPr id="152" name="Google Shape;152;p8"/>
-          <p:cNvSpPr txBox="1"/>
-          <p:nvPr/>
-        </p:nvSpPr>
-        <p:spPr>
-          <a:xfrm>
-            <a:off x="129249" y="1752355"/>
-            <a:ext cx="4708378" cy="392029"/>
-          </a:xfrm>
-          <a:prstGeom prst="rect">
-            <a:avLst/>
-          </a:prstGeom>
-          <a:blipFill rotWithShape="1">
-            <a:blip r:embed="rId4">
-              <a:alphaModFix/>
-            </a:blip>
-            <a:stretch>
-              <a:fillRect b="-7999"/>
-            </a:stretch>
-          </a:blipFill>
-          <a:ln>
-            <a:noFill/>
-          </a:ln>
-        </p:spPr>
-        <p:txBody>
-          <a:bodyPr spcFirstLastPara="1" wrap="square" lIns="91425" tIns="45700" rIns="91425" bIns="45700" anchor="t" anchorCtr="0">
-            <a:noAutofit/>
-          </a:bodyPr>
-          <a:lstStyle/>
-          <a:p>
-            <a:pPr marL="0" marR="0" lvl="0" indent="0" algn="l" rtl="0">
-              <a:spcBef>
-                <a:spcPts val="0"/>
-              </a:spcBef>
-              <a:spcAft>
-                <a:spcPts val="0"/>
-              </a:spcAft>
-              <a:buNone/>
-            </a:pPr>
-            <a:r>
-              <a:rPr lang="en-US" sz="1800">
-                <a:latin typeface="Calibri"/>
-                <a:ea typeface="Calibri"/>
-                <a:cs typeface="Calibri"/>
-                <a:sym typeface="Calibri"/>
-              </a:rPr>
-              <a:t> </a:t>
-            </a:r>
-            <a:endParaRPr/>
-          </a:p>
-        </p:txBody>
-      </p:sp>
-    </p:spTree>
   </p:cSld>
   <p:clrMapOvr>
     <a:masterClrMapping/>
